--- a/系统框架.pptx
+++ b/系统框架.pptx
@@ -5,10 +5,10 @@
     <p:sldMasterId id="2147483648" r:id="rId1"/>
   </p:sldMasterIdLst>
   <p:notesMasterIdLst>
-    <p:notesMasterId r:id="rId12"/>
+    <p:notesMasterId r:id="rId15"/>
   </p:notesMasterIdLst>
   <p:handoutMasterIdLst>
-    <p:handoutMasterId r:id="rId13"/>
+    <p:handoutMasterId r:id="rId16"/>
   </p:handoutMasterIdLst>
   <p:sldIdLst>
     <p:sldId id="256" r:id="rId2"/>
@@ -21,6 +21,9 @@
     <p:sldId id="265" r:id="rId9"/>
     <p:sldId id="266" r:id="rId10"/>
     <p:sldId id="267" r:id="rId11"/>
+    <p:sldId id="268" r:id="rId12"/>
+    <p:sldId id="269" r:id="rId13"/>
+    <p:sldId id="270" r:id="rId14"/>
   </p:sldIdLst>
   <p:sldSz cx="9906000" cy="6858000" type="A4"/>
   <p:notesSz cx="6858000" cy="9144000"/>
@@ -202,14 +205,14 @@
           <a:effectLst/>
           <a:extLst>
             <a:ext uri="{909E8E84-426E-40dd-AFC4-6F175D3DCCD1}">
-              <a14:hiddenFill xmlns:a14="http://schemas.microsoft.com/office/drawing/2010/main">
+              <a14:hiddenFill xmlns="" xmlns:a14="http://schemas.microsoft.com/office/drawing/2010/main">
                 <a:solidFill>
                   <a:schemeClr val="accent1"/>
                 </a:solidFill>
               </a14:hiddenFill>
             </a:ext>
             <a:ext uri="{91240B29-F687-4f45-9708-019B960494DF}">
-              <a14:hiddenLine xmlns:a14="http://schemas.microsoft.com/office/drawing/2010/main" w="9525">
+              <a14:hiddenLine xmlns="" xmlns:a14="http://schemas.microsoft.com/office/drawing/2010/main" w="9525">
                 <a:solidFill>
                   <a:schemeClr val="tx1"/>
                 </a:solidFill>
@@ -219,7 +222,7 @@
               </a14:hiddenLine>
             </a:ext>
             <a:ext uri="{AF507438-7753-43e0-B8FC-AC1667EBCBE1}">
-              <a14:hiddenEffects xmlns:a14="http://schemas.microsoft.com/office/drawing/2010/main">
+              <a14:hiddenEffects xmlns="" xmlns:a14="http://schemas.microsoft.com/office/drawing/2010/main">
                 <a:effectLst>
                   <a:outerShdw blurRad="63500" dist="38099" dir="2700000" algn="ctr" rotWithShape="0">
                     <a:schemeClr val="bg2">
@@ -230,7 +233,7 @@
               </a14:hiddenEffects>
             </a:ext>
             <a:ext uri="{FAA26D3D-D897-4be2-8F04-BA451C77F1D7}">
-              <ma14:placeholderFlag xmlns:ma14="http://schemas.microsoft.com/office/mac/drawingml/2011/main" val="1"/>
+              <ma14:placeholderFlag xmlns="" xmlns:ma14="http://schemas.microsoft.com/office/mac/drawingml/2011/main" val="1"/>
             </a:ext>
           </a:extLst>
         </p:spPr>
@@ -277,14 +280,14 @@
           <a:effectLst/>
           <a:extLst>
             <a:ext uri="{909E8E84-426E-40dd-AFC4-6F175D3DCCD1}">
-              <a14:hiddenFill xmlns:a14="http://schemas.microsoft.com/office/drawing/2010/main">
+              <a14:hiddenFill xmlns="" xmlns:a14="http://schemas.microsoft.com/office/drawing/2010/main">
                 <a:solidFill>
                   <a:schemeClr val="accent1"/>
                 </a:solidFill>
               </a14:hiddenFill>
             </a:ext>
             <a:ext uri="{91240B29-F687-4f45-9708-019B960494DF}">
-              <a14:hiddenLine xmlns:a14="http://schemas.microsoft.com/office/drawing/2010/main" w="9525">
+              <a14:hiddenLine xmlns="" xmlns:a14="http://schemas.microsoft.com/office/drawing/2010/main" w="9525">
                 <a:solidFill>
                   <a:schemeClr val="tx1"/>
                 </a:solidFill>
@@ -294,7 +297,7 @@
               </a14:hiddenLine>
             </a:ext>
             <a:ext uri="{AF507438-7753-43e0-B8FC-AC1667EBCBE1}">
-              <a14:hiddenEffects xmlns:a14="http://schemas.microsoft.com/office/drawing/2010/main">
+              <a14:hiddenEffects xmlns="" xmlns:a14="http://schemas.microsoft.com/office/drawing/2010/main">
                 <a:effectLst>
                   <a:outerShdw blurRad="63500" dist="38099" dir="2700000" algn="ctr" rotWithShape="0">
                     <a:schemeClr val="bg2">
@@ -305,7 +308,7 @@
               </a14:hiddenEffects>
             </a:ext>
             <a:ext uri="{FAA26D3D-D897-4be2-8F04-BA451C77F1D7}">
-              <ma14:placeholderFlag xmlns:ma14="http://schemas.microsoft.com/office/mac/drawingml/2011/main" val="1"/>
+              <ma14:placeholderFlag xmlns="" xmlns:ma14="http://schemas.microsoft.com/office/mac/drawingml/2011/main" val="1"/>
             </a:ext>
           </a:extLst>
         </p:spPr>
@@ -352,14 +355,14 @@
           <a:effectLst/>
           <a:extLst>
             <a:ext uri="{909E8E84-426E-40dd-AFC4-6F175D3DCCD1}">
-              <a14:hiddenFill xmlns:a14="http://schemas.microsoft.com/office/drawing/2010/main">
+              <a14:hiddenFill xmlns="" xmlns:a14="http://schemas.microsoft.com/office/drawing/2010/main">
                 <a:solidFill>
                   <a:schemeClr val="accent1"/>
                 </a:solidFill>
               </a14:hiddenFill>
             </a:ext>
             <a:ext uri="{91240B29-F687-4f45-9708-019B960494DF}">
-              <a14:hiddenLine xmlns:a14="http://schemas.microsoft.com/office/drawing/2010/main" w="9525">
+              <a14:hiddenLine xmlns="" xmlns:a14="http://schemas.microsoft.com/office/drawing/2010/main" w="9525">
                 <a:solidFill>
                   <a:schemeClr val="tx1"/>
                 </a:solidFill>
@@ -369,7 +372,7 @@
               </a14:hiddenLine>
             </a:ext>
             <a:ext uri="{AF507438-7753-43e0-B8FC-AC1667EBCBE1}">
-              <a14:hiddenEffects xmlns:a14="http://schemas.microsoft.com/office/drawing/2010/main">
+              <a14:hiddenEffects xmlns="" xmlns:a14="http://schemas.microsoft.com/office/drawing/2010/main">
                 <a:effectLst>
                   <a:outerShdw blurRad="63500" dist="38099" dir="2700000" algn="ctr" rotWithShape="0">
                     <a:schemeClr val="bg2">
@@ -380,7 +383,7 @@
               </a14:hiddenEffects>
             </a:ext>
             <a:ext uri="{FAA26D3D-D897-4be2-8F04-BA451C77F1D7}">
-              <ma14:placeholderFlag xmlns:ma14="http://schemas.microsoft.com/office/mac/drawingml/2011/main" val="1"/>
+              <ma14:placeholderFlag xmlns="" xmlns:ma14="http://schemas.microsoft.com/office/mac/drawingml/2011/main" val="1"/>
             </a:ext>
           </a:extLst>
         </p:spPr>
@@ -427,14 +430,14 @@
           <a:effectLst/>
           <a:extLst>
             <a:ext uri="{909E8E84-426E-40dd-AFC4-6F175D3DCCD1}">
-              <a14:hiddenFill xmlns:a14="http://schemas.microsoft.com/office/drawing/2010/main">
+              <a14:hiddenFill xmlns="" xmlns:a14="http://schemas.microsoft.com/office/drawing/2010/main">
                 <a:solidFill>
                   <a:schemeClr val="accent1"/>
                 </a:solidFill>
               </a14:hiddenFill>
             </a:ext>
             <a:ext uri="{91240B29-F687-4f45-9708-019B960494DF}">
-              <a14:hiddenLine xmlns:a14="http://schemas.microsoft.com/office/drawing/2010/main" w="9525">
+              <a14:hiddenLine xmlns="" xmlns:a14="http://schemas.microsoft.com/office/drawing/2010/main" w="9525">
                 <a:solidFill>
                   <a:schemeClr val="tx1"/>
                 </a:solidFill>
@@ -444,7 +447,7 @@
               </a14:hiddenLine>
             </a:ext>
             <a:ext uri="{AF507438-7753-43e0-B8FC-AC1667EBCBE1}">
-              <a14:hiddenEffects xmlns:a14="http://schemas.microsoft.com/office/drawing/2010/main">
+              <a14:hiddenEffects xmlns="" xmlns:a14="http://schemas.microsoft.com/office/drawing/2010/main">
                 <a:effectLst>
                   <a:outerShdw blurRad="63500" dist="38099" dir="2700000" algn="ctr" rotWithShape="0">
                     <a:schemeClr val="bg2">
@@ -455,7 +458,7 @@
               </a14:hiddenEffects>
             </a:ext>
             <a:ext uri="{FAA26D3D-D897-4be2-8F04-BA451C77F1D7}">
-              <ma14:placeholderFlag xmlns:ma14="http://schemas.microsoft.com/office/mac/drawingml/2011/main" val="1"/>
+              <ma14:placeholderFlag xmlns="" xmlns:ma14="http://schemas.microsoft.com/office/mac/drawingml/2011/main" val="1"/>
             </a:ext>
           </a:extLst>
         </p:spPr>
@@ -485,7 +488,7 @@
     </p:spTree>
     <p:extLst>
       <p:ext uri="{BB962C8B-B14F-4D97-AF65-F5344CB8AC3E}">
-        <p14:creationId xmlns:p14="http://schemas.microsoft.com/office/powerpoint/2010/main" val="3148490480"/>
+        <p14:creationId xmlns="" xmlns:p14="http://schemas.microsoft.com/office/powerpoint/2010/main" val="3148490480"/>
       </p:ext>
     </p:extLst>
   </p:cSld>
@@ -543,14 +546,14 @@
           <a:effectLst/>
           <a:extLst>
             <a:ext uri="{909E8E84-426E-40dd-AFC4-6F175D3DCCD1}">
-              <a14:hiddenFill xmlns:a14="http://schemas.microsoft.com/office/drawing/2010/main">
+              <a14:hiddenFill xmlns="" xmlns:a14="http://schemas.microsoft.com/office/drawing/2010/main">
                 <a:solidFill>
                   <a:schemeClr val="accent1"/>
                 </a:solidFill>
               </a14:hiddenFill>
             </a:ext>
             <a:ext uri="{91240B29-F687-4f45-9708-019B960494DF}">
-              <a14:hiddenLine xmlns:a14="http://schemas.microsoft.com/office/drawing/2010/main" w="9525">
+              <a14:hiddenLine xmlns="" xmlns:a14="http://schemas.microsoft.com/office/drawing/2010/main" w="9525">
                 <a:solidFill>
                   <a:schemeClr val="tx1"/>
                 </a:solidFill>
@@ -560,7 +563,7 @@
               </a14:hiddenLine>
             </a:ext>
             <a:ext uri="{AF507438-7753-43e0-B8FC-AC1667EBCBE1}">
-              <a14:hiddenEffects xmlns:a14="http://schemas.microsoft.com/office/drawing/2010/main">
+              <a14:hiddenEffects xmlns="" xmlns:a14="http://schemas.microsoft.com/office/drawing/2010/main">
                 <a:effectLst>
                   <a:outerShdw blurRad="63500" dist="38099" dir="2700000" algn="ctr" rotWithShape="0">
                     <a:schemeClr val="bg2">
@@ -571,7 +574,7 @@
               </a14:hiddenEffects>
             </a:ext>
             <a:ext uri="{FAA26D3D-D897-4be2-8F04-BA451C77F1D7}">
-              <ma14:placeholderFlag xmlns:ma14="http://schemas.microsoft.com/office/mac/drawingml/2011/main" val="1"/>
+              <ma14:placeholderFlag xmlns="" xmlns:ma14="http://schemas.microsoft.com/office/mac/drawingml/2011/main" val="1"/>
             </a:ext>
           </a:extLst>
         </p:spPr>
@@ -618,14 +621,14 @@
           <a:effectLst/>
           <a:extLst>
             <a:ext uri="{909E8E84-426E-40dd-AFC4-6F175D3DCCD1}">
-              <a14:hiddenFill xmlns:a14="http://schemas.microsoft.com/office/drawing/2010/main">
+              <a14:hiddenFill xmlns="" xmlns:a14="http://schemas.microsoft.com/office/drawing/2010/main">
                 <a:solidFill>
                   <a:schemeClr val="accent1"/>
                 </a:solidFill>
               </a14:hiddenFill>
             </a:ext>
             <a:ext uri="{91240B29-F687-4f45-9708-019B960494DF}">
-              <a14:hiddenLine xmlns:a14="http://schemas.microsoft.com/office/drawing/2010/main" w="9525">
+              <a14:hiddenLine xmlns="" xmlns:a14="http://schemas.microsoft.com/office/drawing/2010/main" w="9525">
                 <a:solidFill>
                   <a:schemeClr val="tx1"/>
                 </a:solidFill>
@@ -635,7 +638,7 @@
               </a14:hiddenLine>
             </a:ext>
             <a:ext uri="{AF507438-7753-43e0-B8FC-AC1667EBCBE1}">
-              <a14:hiddenEffects xmlns:a14="http://schemas.microsoft.com/office/drawing/2010/main">
+              <a14:hiddenEffects xmlns="" xmlns:a14="http://schemas.microsoft.com/office/drawing/2010/main">
                 <a:effectLst>
                   <a:outerShdw blurRad="63500" dist="38099" dir="2700000" algn="ctr" rotWithShape="0">
                     <a:schemeClr val="bg2">
@@ -646,7 +649,7 @@
               </a14:hiddenEffects>
             </a:ext>
             <a:ext uri="{FAA26D3D-D897-4be2-8F04-BA451C77F1D7}">
-              <ma14:placeholderFlag xmlns:ma14="http://schemas.microsoft.com/office/mac/drawingml/2011/main" val="1"/>
+              <ma14:placeholderFlag xmlns="" xmlns:ma14="http://schemas.microsoft.com/office/mac/drawingml/2011/main" val="1"/>
             </a:ext>
           </a:extLst>
         </p:spPr>
@@ -672,7 +675,7 @@
         <p:nvSpPr>
           <p:cNvPr id="69636" name="Rectangle 4"/>
           <p:cNvSpPr>
-            <a:spLocks noRot="1" noChangeArrowheads="1" noTextEdit="1"/>
+            <a:spLocks noGrp="1" noRot="1" noChangeAspect="1" noChangeArrowheads="1" noTextEdit="1"/>
           </p:cNvSpPr>
           <p:nvPr>
             <p:ph type="sldImg" idx="2"/>
@@ -698,7 +701,7 @@
           <a:effectLst/>
           <a:extLst>
             <a:ext uri="{AF507438-7753-43e0-B8FC-AC1667EBCBE1}">
-              <a14:hiddenEffects xmlns:a14="http://schemas.microsoft.com/office/drawing/2010/main">
+              <a14:hiddenEffects xmlns="" xmlns:a14="http://schemas.microsoft.com/office/drawing/2010/main">
                 <a:effectLst>
                   <a:outerShdw blurRad="63500" dist="38099" dir="2700000" algn="ctr" rotWithShape="0">
                     <a:srgbClr val="000000">
@@ -709,7 +712,7 @@
               </a14:hiddenEffects>
             </a:ext>
             <a:ext uri="{53640926-AAD7-44d8-BBD7-CCE9431645EC}">
-              <a14:shadowObscured xmlns:a14="http://schemas.microsoft.com/office/drawing/2010/main" val="1"/>
+              <a14:shadowObscured xmlns="" xmlns:a14="http://schemas.microsoft.com/office/drawing/2010/main" val="1"/>
             </a:ext>
           </a:extLst>
         </p:spPr>
@@ -739,14 +742,14 @@
           <a:effectLst/>
           <a:extLst>
             <a:ext uri="{909E8E84-426E-40dd-AFC4-6F175D3DCCD1}">
-              <a14:hiddenFill xmlns:a14="http://schemas.microsoft.com/office/drawing/2010/main">
+              <a14:hiddenFill xmlns="" xmlns:a14="http://schemas.microsoft.com/office/drawing/2010/main">
                 <a:solidFill>
                   <a:schemeClr val="accent1"/>
                 </a:solidFill>
               </a14:hiddenFill>
             </a:ext>
             <a:ext uri="{91240B29-F687-4f45-9708-019B960494DF}">
-              <a14:hiddenLine xmlns:a14="http://schemas.microsoft.com/office/drawing/2010/main" w="9525">
+              <a14:hiddenLine xmlns="" xmlns:a14="http://schemas.microsoft.com/office/drawing/2010/main" w="9525">
                 <a:solidFill>
                   <a:schemeClr val="tx1"/>
                 </a:solidFill>
@@ -756,7 +759,7 @@
               </a14:hiddenLine>
             </a:ext>
             <a:ext uri="{AF507438-7753-43e0-B8FC-AC1667EBCBE1}">
-              <a14:hiddenEffects xmlns:a14="http://schemas.microsoft.com/office/drawing/2010/main">
+              <a14:hiddenEffects xmlns="" xmlns:a14="http://schemas.microsoft.com/office/drawing/2010/main">
                 <a:effectLst>
                   <a:outerShdw blurRad="63500" dist="38099" dir="2700000" algn="ctr" rotWithShape="0">
                     <a:schemeClr val="bg2">
@@ -767,7 +770,7 @@
               </a14:hiddenEffects>
             </a:ext>
             <a:ext uri="{FAA26D3D-D897-4be2-8F04-BA451C77F1D7}">
-              <ma14:placeholderFlag xmlns:ma14="http://schemas.microsoft.com/office/mac/drawingml/2011/main" val="1"/>
+              <ma14:placeholderFlag xmlns="" xmlns:ma14="http://schemas.microsoft.com/office/mac/drawingml/2011/main" val="1"/>
             </a:ext>
           </a:extLst>
         </p:spPr>
@@ -840,14 +843,14 @@
           <a:effectLst/>
           <a:extLst>
             <a:ext uri="{909E8E84-426E-40dd-AFC4-6F175D3DCCD1}">
-              <a14:hiddenFill xmlns:a14="http://schemas.microsoft.com/office/drawing/2010/main">
+              <a14:hiddenFill xmlns="" xmlns:a14="http://schemas.microsoft.com/office/drawing/2010/main">
                 <a:solidFill>
                   <a:schemeClr val="accent1"/>
                 </a:solidFill>
               </a14:hiddenFill>
             </a:ext>
             <a:ext uri="{91240B29-F687-4f45-9708-019B960494DF}">
-              <a14:hiddenLine xmlns:a14="http://schemas.microsoft.com/office/drawing/2010/main" w="9525">
+              <a14:hiddenLine xmlns="" xmlns:a14="http://schemas.microsoft.com/office/drawing/2010/main" w="9525">
                 <a:solidFill>
                   <a:schemeClr val="tx1"/>
                 </a:solidFill>
@@ -857,7 +860,7 @@
               </a14:hiddenLine>
             </a:ext>
             <a:ext uri="{AF507438-7753-43e0-B8FC-AC1667EBCBE1}">
-              <a14:hiddenEffects xmlns:a14="http://schemas.microsoft.com/office/drawing/2010/main">
+              <a14:hiddenEffects xmlns="" xmlns:a14="http://schemas.microsoft.com/office/drawing/2010/main">
                 <a:effectLst>
                   <a:outerShdw blurRad="63500" dist="38099" dir="2700000" algn="ctr" rotWithShape="0">
                     <a:schemeClr val="bg2">
@@ -868,7 +871,7 @@
               </a14:hiddenEffects>
             </a:ext>
             <a:ext uri="{FAA26D3D-D897-4be2-8F04-BA451C77F1D7}">
-              <ma14:placeholderFlag xmlns:ma14="http://schemas.microsoft.com/office/mac/drawingml/2011/main" val="1"/>
+              <ma14:placeholderFlag xmlns="" xmlns:ma14="http://schemas.microsoft.com/office/mac/drawingml/2011/main" val="1"/>
             </a:ext>
           </a:extLst>
         </p:spPr>
@@ -915,14 +918,14 @@
           <a:effectLst/>
           <a:extLst>
             <a:ext uri="{909E8E84-426E-40dd-AFC4-6F175D3DCCD1}">
-              <a14:hiddenFill xmlns:a14="http://schemas.microsoft.com/office/drawing/2010/main">
+              <a14:hiddenFill xmlns="" xmlns:a14="http://schemas.microsoft.com/office/drawing/2010/main">
                 <a:solidFill>
                   <a:schemeClr val="accent1"/>
                 </a:solidFill>
               </a14:hiddenFill>
             </a:ext>
             <a:ext uri="{91240B29-F687-4f45-9708-019B960494DF}">
-              <a14:hiddenLine xmlns:a14="http://schemas.microsoft.com/office/drawing/2010/main" w="9525">
+              <a14:hiddenLine xmlns="" xmlns:a14="http://schemas.microsoft.com/office/drawing/2010/main" w="9525">
                 <a:solidFill>
                   <a:schemeClr val="tx1"/>
                 </a:solidFill>
@@ -932,7 +935,7 @@
               </a14:hiddenLine>
             </a:ext>
             <a:ext uri="{AF507438-7753-43e0-B8FC-AC1667EBCBE1}">
-              <a14:hiddenEffects xmlns:a14="http://schemas.microsoft.com/office/drawing/2010/main">
+              <a14:hiddenEffects xmlns="" xmlns:a14="http://schemas.microsoft.com/office/drawing/2010/main">
                 <a:effectLst>
                   <a:outerShdw blurRad="63500" dist="38099" dir="2700000" algn="ctr" rotWithShape="0">
                     <a:schemeClr val="bg2">
@@ -943,7 +946,7 @@
               </a14:hiddenEffects>
             </a:ext>
             <a:ext uri="{FAA26D3D-D897-4be2-8F04-BA451C77F1D7}">
-              <ma14:placeholderFlag xmlns:ma14="http://schemas.microsoft.com/office/mac/drawingml/2011/main" val="1"/>
+              <ma14:placeholderFlag xmlns="" xmlns:ma14="http://schemas.microsoft.com/office/mac/drawingml/2011/main" val="1"/>
             </a:ext>
           </a:extLst>
         </p:spPr>
@@ -973,7 +976,7 @@
     </p:spTree>
     <p:extLst>
       <p:ext uri="{BB962C8B-B14F-4D97-AF65-F5344CB8AC3E}">
-        <p14:creationId xmlns:p14="http://schemas.microsoft.com/office/powerpoint/2010/main" val="2576198581"/>
+        <p14:creationId xmlns="" xmlns:p14="http://schemas.microsoft.com/office/powerpoint/2010/main" val="2576198581"/>
       </p:ext>
     </p:extLst>
   </p:cSld>
@@ -1150,7 +1153,7 @@
         <p:nvSpPr>
           <p:cNvPr id="70658" name="Rectangle 2"/>
           <p:cNvSpPr>
-            <a:spLocks noRot="1" noChangeArrowheads="1" noTextEdit="1"/>
+            <a:spLocks noGrp="1" noRot="1" noChangeAspect="1" noChangeArrowheads="1" noTextEdit="1"/>
           </p:cNvSpPr>
           <p:nvPr>
             <p:ph type="sldImg"/>
@@ -1160,7 +1163,7 @@
           <a:ln/>
           <a:extLst>
             <a:ext uri="{FAA26D3D-D897-4be2-8F04-BA451C77F1D7}">
-              <ma14:placeholderFlag xmlns:ma14="http://schemas.microsoft.com/office/mac/drawingml/2011/main" val="1"/>
+              <ma14:placeholderFlag xmlns="" xmlns:ma14="http://schemas.microsoft.com/office/mac/drawingml/2011/main" val="1"/>
             </a:ext>
           </a:extLst>
         </p:spPr>
@@ -1553,7 +1556,7 @@
     </p:spTree>
     <p:extLst>
       <p:ext uri="{BB962C8B-B14F-4D97-AF65-F5344CB8AC3E}">
-        <p14:creationId xmlns:p14="http://schemas.microsoft.com/office/powerpoint/2010/main" val="3492493666"/>
+        <p14:creationId xmlns="" xmlns:p14="http://schemas.microsoft.com/office/powerpoint/2010/main" val="3492493666"/>
       </p:ext>
     </p:extLst>
   </p:cSld>
@@ -1742,7 +1745,7 @@
     </p:spTree>
     <p:extLst>
       <p:ext uri="{BB962C8B-B14F-4D97-AF65-F5344CB8AC3E}">
-        <p14:creationId xmlns:p14="http://schemas.microsoft.com/office/powerpoint/2010/main" val="2130529173"/>
+        <p14:creationId xmlns="" xmlns:p14="http://schemas.microsoft.com/office/powerpoint/2010/main" val="2130529173"/>
       </p:ext>
     </p:extLst>
   </p:cSld>
@@ -1921,7 +1924,7 @@
     </p:spTree>
     <p:extLst>
       <p:ext uri="{BB962C8B-B14F-4D97-AF65-F5344CB8AC3E}">
-        <p14:creationId xmlns:p14="http://schemas.microsoft.com/office/powerpoint/2010/main" val="2168672554"/>
+        <p14:creationId xmlns="" xmlns:p14="http://schemas.microsoft.com/office/powerpoint/2010/main" val="2168672554"/>
       </p:ext>
     </p:extLst>
   </p:cSld>
@@ -2122,7 +2125,7 @@
     </p:spTree>
     <p:extLst>
       <p:ext uri="{BB962C8B-B14F-4D97-AF65-F5344CB8AC3E}">
-        <p14:creationId xmlns:p14="http://schemas.microsoft.com/office/powerpoint/2010/main" val="2041034048"/>
+        <p14:creationId xmlns="" xmlns:p14="http://schemas.microsoft.com/office/powerpoint/2010/main" val="2041034048"/>
       </p:ext>
     </p:extLst>
   </p:cSld>
@@ -2419,7 +2422,7 @@
     </p:spTree>
     <p:extLst>
       <p:ext uri="{BB962C8B-B14F-4D97-AF65-F5344CB8AC3E}">
-        <p14:creationId xmlns:p14="http://schemas.microsoft.com/office/powerpoint/2010/main" val="1345925294"/>
+        <p14:creationId xmlns="" xmlns:p14="http://schemas.microsoft.com/office/powerpoint/2010/main" val="1345925294"/>
       </p:ext>
     </p:extLst>
   </p:cSld>
@@ -2855,7 +2858,7 @@
     </p:spTree>
     <p:extLst>
       <p:ext uri="{BB962C8B-B14F-4D97-AF65-F5344CB8AC3E}">
-        <p14:creationId xmlns:p14="http://schemas.microsoft.com/office/powerpoint/2010/main" val="1466134007"/>
+        <p14:creationId xmlns="" xmlns:p14="http://schemas.microsoft.com/office/powerpoint/2010/main" val="1466134007"/>
       </p:ext>
     </p:extLst>
   </p:cSld>
@@ -2982,7 +2985,7 @@
     </p:spTree>
     <p:extLst>
       <p:ext uri="{BB962C8B-B14F-4D97-AF65-F5344CB8AC3E}">
-        <p14:creationId xmlns:p14="http://schemas.microsoft.com/office/powerpoint/2010/main" val="1923237074"/>
+        <p14:creationId xmlns="" xmlns:p14="http://schemas.microsoft.com/office/powerpoint/2010/main" val="1923237074"/>
       </p:ext>
     </p:extLst>
   </p:cSld>
@@ -3086,7 +3089,7 @@
     </p:spTree>
     <p:extLst>
       <p:ext uri="{BB962C8B-B14F-4D97-AF65-F5344CB8AC3E}">
-        <p14:creationId xmlns:p14="http://schemas.microsoft.com/office/powerpoint/2010/main" val="854876253"/>
+        <p14:creationId xmlns="" xmlns:p14="http://schemas.microsoft.com/office/powerpoint/2010/main" val="854876253"/>
       </p:ext>
     </p:extLst>
   </p:cSld>
@@ -3372,7 +3375,7 @@
     </p:spTree>
     <p:extLst>
       <p:ext uri="{BB962C8B-B14F-4D97-AF65-F5344CB8AC3E}">
-        <p14:creationId xmlns:p14="http://schemas.microsoft.com/office/powerpoint/2010/main" val="2521535845"/>
+        <p14:creationId xmlns="" xmlns:p14="http://schemas.microsoft.com/office/powerpoint/2010/main" val="2521535845"/>
       </p:ext>
     </p:extLst>
   </p:cSld>
@@ -3638,7 +3641,7 @@
     </p:spTree>
     <p:extLst>
       <p:ext uri="{BB962C8B-B14F-4D97-AF65-F5344CB8AC3E}">
-        <p14:creationId xmlns:p14="http://schemas.microsoft.com/office/powerpoint/2010/main" val="3852825281"/>
+        <p14:creationId xmlns="" xmlns:p14="http://schemas.microsoft.com/office/powerpoint/2010/main" val="3852825281"/>
       </p:ext>
     </p:extLst>
   </p:cSld>
@@ -3702,14 +3705,14 @@
           <a:effectLst/>
           <a:extLst>
             <a:ext uri="{909E8E84-426E-40dd-AFC4-6F175D3DCCD1}">
-              <a14:hiddenFill xmlns:a14="http://schemas.microsoft.com/office/drawing/2010/main">
+              <a14:hiddenFill xmlns="" xmlns:a14="http://schemas.microsoft.com/office/drawing/2010/main">
                 <a:solidFill>
                   <a:schemeClr val="accent1"/>
                 </a:solidFill>
               </a14:hiddenFill>
             </a:ext>
             <a:ext uri="{91240B29-F687-4f45-9708-019B960494DF}">
-              <a14:hiddenLine xmlns:a14="http://schemas.microsoft.com/office/drawing/2010/main" w="9525">
+              <a14:hiddenLine xmlns="" xmlns:a14="http://schemas.microsoft.com/office/drawing/2010/main" w="9525">
                 <a:solidFill>
                   <a:schemeClr val="tx1"/>
                 </a:solidFill>
@@ -3719,7 +3722,7 @@
               </a14:hiddenLine>
             </a:ext>
             <a:ext uri="{AF507438-7753-43e0-B8FC-AC1667EBCBE1}">
-              <a14:hiddenEffects xmlns:a14="http://schemas.microsoft.com/office/drawing/2010/main">
+              <a14:hiddenEffects xmlns="" xmlns:a14="http://schemas.microsoft.com/office/drawing/2010/main">
                 <a:effectLst>
                   <a:outerShdw blurRad="63500" dist="38099" dir="2700000" algn="ctr" rotWithShape="0">
                     <a:schemeClr val="bg2">
@@ -3730,7 +3733,7 @@
               </a14:hiddenEffects>
             </a:ext>
             <a:ext uri="{FAA26D3D-D897-4be2-8F04-BA451C77F1D7}">
-              <ma14:placeholderFlag xmlns:ma14="http://schemas.microsoft.com/office/mac/drawingml/2011/main" val="1"/>
+              <ma14:placeholderFlag xmlns="" xmlns:ma14="http://schemas.microsoft.com/office/mac/drawingml/2011/main" val="1"/>
             </a:ext>
           </a:extLst>
         </p:spPr>
@@ -3775,14 +3778,14 @@
           <a:effectLst/>
           <a:extLst>
             <a:ext uri="{909E8E84-426E-40dd-AFC4-6F175D3DCCD1}">
-              <a14:hiddenFill xmlns:a14="http://schemas.microsoft.com/office/drawing/2010/main">
+              <a14:hiddenFill xmlns="" xmlns:a14="http://schemas.microsoft.com/office/drawing/2010/main">
                 <a:solidFill>
                   <a:schemeClr val="accent1"/>
                 </a:solidFill>
               </a14:hiddenFill>
             </a:ext>
             <a:ext uri="{91240B29-F687-4f45-9708-019B960494DF}">
-              <a14:hiddenLine xmlns:a14="http://schemas.microsoft.com/office/drawing/2010/main" w="9525">
+              <a14:hiddenLine xmlns="" xmlns:a14="http://schemas.microsoft.com/office/drawing/2010/main" w="9525">
                 <a:solidFill>
                   <a:schemeClr val="tx1"/>
                 </a:solidFill>
@@ -3792,7 +3795,7 @@
               </a14:hiddenLine>
             </a:ext>
             <a:ext uri="{AF507438-7753-43e0-B8FC-AC1667EBCBE1}">
-              <a14:hiddenEffects xmlns:a14="http://schemas.microsoft.com/office/drawing/2010/main">
+              <a14:hiddenEffects xmlns="" xmlns:a14="http://schemas.microsoft.com/office/drawing/2010/main">
                 <a:effectLst>
                   <a:outerShdw blurRad="63500" dist="38099" dir="2700000" algn="ctr" rotWithShape="0">
                     <a:schemeClr val="bg2">
@@ -3803,7 +3806,7 @@
               </a14:hiddenEffects>
             </a:ext>
             <a:ext uri="{FAA26D3D-D897-4be2-8F04-BA451C77F1D7}">
-              <ma14:placeholderFlag xmlns:ma14="http://schemas.microsoft.com/office/mac/drawingml/2011/main" val="1"/>
+              <ma14:placeholderFlag xmlns="" xmlns:ma14="http://schemas.microsoft.com/office/mac/drawingml/2011/main" val="1"/>
             </a:ext>
           </a:extLst>
         </p:spPr>
@@ -3876,14 +3879,14 @@
           <a:effectLst/>
           <a:extLst>
             <a:ext uri="{909E8E84-426E-40dd-AFC4-6F175D3DCCD1}">
-              <a14:hiddenFill xmlns:a14="http://schemas.microsoft.com/office/drawing/2010/main">
+              <a14:hiddenFill xmlns="" xmlns:a14="http://schemas.microsoft.com/office/drawing/2010/main">
                 <a:solidFill>
                   <a:schemeClr val="accent1"/>
                 </a:solidFill>
               </a14:hiddenFill>
             </a:ext>
             <a:ext uri="{91240B29-F687-4f45-9708-019B960494DF}">
-              <a14:hiddenLine xmlns:a14="http://schemas.microsoft.com/office/drawing/2010/main" w="9525">
+              <a14:hiddenLine xmlns="" xmlns:a14="http://schemas.microsoft.com/office/drawing/2010/main" w="9525">
                 <a:solidFill>
                   <a:schemeClr val="tx1"/>
                 </a:solidFill>
@@ -3893,7 +3896,7 @@
               </a14:hiddenLine>
             </a:ext>
             <a:ext uri="{AF507438-7753-43e0-B8FC-AC1667EBCBE1}">
-              <a14:hiddenEffects xmlns:a14="http://schemas.microsoft.com/office/drawing/2010/main">
+              <a14:hiddenEffects xmlns="" xmlns:a14="http://schemas.microsoft.com/office/drawing/2010/main">
                 <a:effectLst>
                   <a:outerShdw blurRad="63500" dist="38099" dir="2700000" algn="ctr" rotWithShape="0">
                     <a:schemeClr val="bg2">
@@ -3904,7 +3907,7 @@
               </a14:hiddenEffects>
             </a:ext>
             <a:ext uri="{FAA26D3D-D897-4be2-8F04-BA451C77F1D7}">
-              <ma14:placeholderFlag xmlns:ma14="http://schemas.microsoft.com/office/mac/drawingml/2011/main" val="1"/>
+              <ma14:placeholderFlag xmlns="" xmlns:ma14="http://schemas.microsoft.com/office/mac/drawingml/2011/main" val="1"/>
             </a:ext>
           </a:extLst>
         </p:spPr>
@@ -3954,14 +3957,14 @@
           <a:effectLst/>
           <a:extLst>
             <a:ext uri="{909E8E84-426E-40dd-AFC4-6F175D3DCCD1}">
-              <a14:hiddenFill xmlns:a14="http://schemas.microsoft.com/office/drawing/2010/main">
+              <a14:hiddenFill xmlns="" xmlns:a14="http://schemas.microsoft.com/office/drawing/2010/main">
                 <a:solidFill>
                   <a:schemeClr val="accent1"/>
                 </a:solidFill>
               </a14:hiddenFill>
             </a:ext>
             <a:ext uri="{91240B29-F687-4f45-9708-019B960494DF}">
-              <a14:hiddenLine xmlns:a14="http://schemas.microsoft.com/office/drawing/2010/main" w="9525">
+              <a14:hiddenLine xmlns="" xmlns:a14="http://schemas.microsoft.com/office/drawing/2010/main" w="9525">
                 <a:solidFill>
                   <a:schemeClr val="tx1"/>
                 </a:solidFill>
@@ -3971,7 +3974,7 @@
               </a14:hiddenLine>
             </a:ext>
             <a:ext uri="{AF507438-7753-43e0-B8FC-AC1667EBCBE1}">
-              <a14:hiddenEffects xmlns:a14="http://schemas.microsoft.com/office/drawing/2010/main">
+              <a14:hiddenEffects xmlns="" xmlns:a14="http://schemas.microsoft.com/office/drawing/2010/main">
                 <a:effectLst>
                   <a:outerShdw blurRad="63500" dist="38099" dir="2700000" algn="ctr" rotWithShape="0">
                     <a:schemeClr val="bg2">
@@ -3982,7 +3985,7 @@
               </a14:hiddenEffects>
             </a:ext>
             <a:ext uri="{FAA26D3D-D897-4be2-8F04-BA451C77F1D7}">
-              <ma14:placeholderFlag xmlns:ma14="http://schemas.microsoft.com/office/mac/drawingml/2011/main" val="1"/>
+              <ma14:placeholderFlag xmlns="" xmlns:ma14="http://schemas.microsoft.com/office/mac/drawingml/2011/main" val="1"/>
             </a:ext>
           </a:extLst>
         </p:spPr>
@@ -4032,14 +4035,14 @@
           <a:effectLst/>
           <a:extLst>
             <a:ext uri="{909E8E84-426E-40dd-AFC4-6F175D3DCCD1}">
-              <a14:hiddenFill xmlns:a14="http://schemas.microsoft.com/office/drawing/2010/main">
+              <a14:hiddenFill xmlns="" xmlns:a14="http://schemas.microsoft.com/office/drawing/2010/main">
                 <a:solidFill>
                   <a:schemeClr val="accent1"/>
                 </a:solidFill>
               </a14:hiddenFill>
             </a:ext>
             <a:ext uri="{91240B29-F687-4f45-9708-019B960494DF}">
-              <a14:hiddenLine xmlns:a14="http://schemas.microsoft.com/office/drawing/2010/main" w="9525">
+              <a14:hiddenLine xmlns="" xmlns:a14="http://schemas.microsoft.com/office/drawing/2010/main" w="9525">
                 <a:solidFill>
                   <a:schemeClr val="tx1"/>
                 </a:solidFill>
@@ -4049,7 +4052,7 @@
               </a14:hiddenLine>
             </a:ext>
             <a:ext uri="{AF507438-7753-43e0-B8FC-AC1667EBCBE1}">
-              <a14:hiddenEffects xmlns:a14="http://schemas.microsoft.com/office/drawing/2010/main">
+              <a14:hiddenEffects xmlns="" xmlns:a14="http://schemas.microsoft.com/office/drawing/2010/main">
                 <a:effectLst>
                   <a:outerShdw blurRad="63500" dist="38099" dir="2700000" algn="ctr" rotWithShape="0">
                     <a:schemeClr val="bg2">
@@ -4060,7 +4063,7 @@
               </a14:hiddenEffects>
             </a:ext>
             <a:ext uri="{FAA26D3D-D897-4be2-8F04-BA451C77F1D7}">
-              <ma14:placeholderFlag xmlns:ma14="http://schemas.microsoft.com/office/mac/drawingml/2011/main" val="1"/>
+              <ma14:placeholderFlag xmlns="" xmlns:ma14="http://schemas.microsoft.com/office/mac/drawingml/2011/main" val="1"/>
             </a:ext>
           </a:extLst>
         </p:spPr>
@@ -4679,7 +4682,7 @@
   <p:timing>
     <p:tnLst>
       <p:par>
-        <p:cTn xmlns:p14="http://schemas.microsoft.com/office/powerpoint/2010/main" id="1" dur="indefinite" restart="never" nodeType="tmRoot"/>
+        <p:cTn id="1" dur="indefinite" restart="never" nodeType="tmRoot"/>
       </p:par>
     </p:tnLst>
   </p:timing>
@@ -4720,11 +4723,7 @@
           <a:p>
             <a:r>
               <a:rPr kumimoji="1" lang="zh-CN" altLang="en-US" dirty="0" smtClean="0"/>
-              <a:t>技术选型之</a:t>
-            </a:r>
-            <a:r>
-              <a:rPr kumimoji="1" lang="zh-CN" altLang="en-US" dirty="0" smtClean="0"/>
-              <a:t>缓存框架</a:t>
+              <a:t>技术选型之缓存框架</a:t>
             </a:r>
             <a:endParaRPr kumimoji="1" lang="zh-CN" altLang="en-US" dirty="0"/>
           </a:p>
@@ -4733,7 +4732,7 @@
     </p:spTree>
     <p:extLst>
       <p:ext uri="{BB962C8B-B14F-4D97-AF65-F5344CB8AC3E}">
-        <p14:creationId xmlns:p14="http://schemas.microsoft.com/office/powerpoint/2010/main" val="2359040908"/>
+        <p14:creationId xmlns="" xmlns:p14="http://schemas.microsoft.com/office/powerpoint/2010/main" val="2359040908"/>
       </p:ext>
     </p:extLst>
   </p:cSld>
@@ -4743,10 +4742,265 @@
   <p:timing>
     <p:tnLst>
       <p:par>
-        <p:cTn xmlns:p14="http://schemas.microsoft.com/office/powerpoint/2010/main" id="1" dur="indefinite" restart="never" nodeType="tmRoot"/>
+        <p:cTn id="1" dur="indefinite" restart="never" nodeType="tmRoot"/>
       </p:par>
     </p:tnLst>
   </p:timing>
+</p:sld>
+</file>
+
+<file path=ppt/slides/slide11.xml><?xml version="1.0" encoding="utf-8"?>
+<p:sld xmlns:a="http://schemas.openxmlformats.org/drawingml/2006/main" xmlns:r="http://schemas.openxmlformats.org/officeDocument/2006/relationships" xmlns:p="http://schemas.openxmlformats.org/presentationml/2006/main">
+  <p:cSld>
+    <p:spTree>
+      <p:nvGrpSpPr>
+        <p:cNvPr id="1" name=""/>
+        <p:cNvGrpSpPr/>
+        <p:nvPr/>
+      </p:nvGrpSpPr>
+      <p:grpSpPr>
+        <a:xfrm>
+          <a:off x="0" y="0"/>
+          <a:ext cx="0" cy="0"/>
+          <a:chOff x="0" y="0"/>
+          <a:chExt cx="0" cy="0"/>
+        </a:xfrm>
+      </p:grpSpPr>
+      <p:sp>
+        <p:nvSpPr>
+          <p:cNvPr id="2" name="标题 1"/>
+          <p:cNvSpPr>
+            <a:spLocks noGrp="1"/>
+          </p:cNvSpPr>
+          <p:nvPr>
+            <p:ph type="title"/>
+          </p:nvPr>
+        </p:nvSpPr>
+        <p:spPr/>
+        <p:txBody>
+          <a:bodyPr/>
+          <a:lstStyle/>
+          <a:p>
+            <a:r>
+              <a:rPr lang="zh-CN" altLang="en-US" dirty="0" smtClean="0"/>
+              <a:t>技术选型之模版语言</a:t>
+            </a:r>
+            <a:endParaRPr lang="zh-CN" altLang="en-US" dirty="0"/>
+          </a:p>
+        </p:txBody>
+      </p:sp>
+      <p:sp>
+        <p:nvSpPr>
+          <p:cNvPr id="3" name="内容占位符 2"/>
+          <p:cNvSpPr>
+            <a:spLocks noGrp="1"/>
+          </p:cNvSpPr>
+          <p:nvPr>
+            <p:ph idx="1"/>
+          </p:nvPr>
+        </p:nvSpPr>
+        <p:spPr/>
+        <p:txBody>
+          <a:bodyPr/>
+          <a:lstStyle/>
+          <a:p>
+            <a:endParaRPr lang="zh-CN" altLang="en-US"/>
+          </a:p>
+        </p:txBody>
+      </p:sp>
+    </p:spTree>
+  </p:cSld>
+  <p:clrMapOvr>
+    <a:masterClrMapping/>
+  </p:clrMapOvr>
+</p:sld>
+</file>
+
+<file path=ppt/slides/slide12.xml><?xml version="1.0" encoding="utf-8"?>
+<p:sld xmlns:a="http://schemas.openxmlformats.org/drawingml/2006/main" xmlns:r="http://schemas.openxmlformats.org/officeDocument/2006/relationships" xmlns:p="http://schemas.openxmlformats.org/presentationml/2006/main">
+  <p:cSld>
+    <p:spTree>
+      <p:nvGrpSpPr>
+        <p:cNvPr id="1" name=""/>
+        <p:cNvGrpSpPr/>
+        <p:nvPr/>
+      </p:nvGrpSpPr>
+      <p:grpSpPr>
+        <a:xfrm>
+          <a:off x="0" y="0"/>
+          <a:ext cx="0" cy="0"/>
+          <a:chOff x="0" y="0"/>
+          <a:chExt cx="0" cy="0"/>
+        </a:xfrm>
+      </p:grpSpPr>
+      <p:sp>
+        <p:nvSpPr>
+          <p:cNvPr id="2" name="标题 1"/>
+          <p:cNvSpPr>
+            <a:spLocks noGrp="1"/>
+          </p:cNvSpPr>
+          <p:nvPr>
+            <p:ph type="title"/>
+          </p:nvPr>
+        </p:nvSpPr>
+        <p:spPr/>
+        <p:txBody>
+          <a:bodyPr/>
+          <a:lstStyle/>
+          <a:p>
+            <a:r>
+              <a:rPr lang="zh-CN" altLang="en-US" dirty="0" smtClean="0"/>
+              <a:t>其它辅助类组件</a:t>
+            </a:r>
+            <a:endParaRPr lang="zh-CN" altLang="en-US" dirty="0"/>
+          </a:p>
+        </p:txBody>
+      </p:sp>
+      <p:sp>
+        <p:nvSpPr>
+          <p:cNvPr id="3" name="内容占位符 2"/>
+          <p:cNvSpPr>
+            <a:spLocks noGrp="1"/>
+          </p:cNvSpPr>
+          <p:nvPr>
+            <p:ph idx="1"/>
+          </p:nvPr>
+        </p:nvSpPr>
+        <p:spPr/>
+        <p:txBody>
+          <a:bodyPr/>
+          <a:lstStyle/>
+          <a:p>
+            <a:r>
+              <a:rPr lang="zh-CN" altLang="en-US" dirty="0" smtClean="0"/>
+              <a:t>文件服务</a:t>
+            </a:r>
+            <a:endParaRPr lang="en-US" altLang="zh-CN" dirty="0" smtClean="0"/>
+          </a:p>
+          <a:p>
+            <a:r>
+              <a:rPr lang="zh-CN" altLang="en-US" dirty="0" smtClean="0"/>
+              <a:t>邮件</a:t>
+            </a:r>
+            <a:r>
+              <a:rPr lang="zh-CN" altLang="en-US" dirty="0" smtClean="0"/>
+              <a:t>服务</a:t>
+            </a:r>
+            <a:endParaRPr lang="en-US" altLang="zh-CN" dirty="0" smtClean="0"/>
+          </a:p>
+          <a:p>
+            <a:r>
+              <a:rPr lang="zh-CN" altLang="en-US" dirty="0" smtClean="0"/>
+              <a:t>短</a:t>
+            </a:r>
+            <a:r>
+              <a:rPr lang="zh-CN" altLang="en-US" dirty="0" smtClean="0"/>
+              <a:t>信接口</a:t>
+            </a:r>
+            <a:endParaRPr lang="en-US" altLang="zh-CN" dirty="0" smtClean="0"/>
+          </a:p>
+          <a:p>
+            <a:r>
+              <a:rPr lang="zh-CN" altLang="en-US" dirty="0" smtClean="0"/>
+              <a:t>支付接口</a:t>
+            </a:r>
+            <a:endParaRPr lang="en-US" altLang="zh-CN" dirty="0" smtClean="0"/>
+          </a:p>
+          <a:p>
+            <a:r>
+              <a:rPr lang="zh-CN" altLang="en-US" dirty="0" smtClean="0"/>
+              <a:t>消息组件</a:t>
+            </a:r>
+            <a:endParaRPr lang="en-US" altLang="zh-CN" dirty="0" smtClean="0"/>
+          </a:p>
+          <a:p>
+            <a:r>
+              <a:rPr lang="zh-CN" altLang="en-US" dirty="0" smtClean="0"/>
+              <a:t>系统监控</a:t>
+            </a:r>
+            <a:endParaRPr lang="en-US" altLang="zh-CN" dirty="0" smtClean="0"/>
+          </a:p>
+          <a:p>
+            <a:endParaRPr lang="zh-CN" altLang="en-US" dirty="0"/>
+          </a:p>
+        </p:txBody>
+      </p:sp>
+    </p:spTree>
+  </p:cSld>
+  <p:clrMapOvr>
+    <a:masterClrMapping/>
+  </p:clrMapOvr>
+</p:sld>
+</file>
+
+<file path=ppt/slides/slide13.xml><?xml version="1.0" encoding="utf-8"?>
+<p:sld xmlns:a="http://schemas.openxmlformats.org/drawingml/2006/main" xmlns:r="http://schemas.openxmlformats.org/officeDocument/2006/relationships" xmlns:p="http://schemas.openxmlformats.org/presentationml/2006/main">
+  <p:cSld>
+    <p:spTree>
+      <p:nvGrpSpPr>
+        <p:cNvPr id="1" name=""/>
+        <p:cNvGrpSpPr/>
+        <p:nvPr/>
+      </p:nvGrpSpPr>
+      <p:grpSpPr>
+        <a:xfrm>
+          <a:off x="0" y="0"/>
+          <a:ext cx="0" cy="0"/>
+          <a:chOff x="0" y="0"/>
+          <a:chExt cx="0" cy="0"/>
+        </a:xfrm>
+      </p:grpSpPr>
+      <p:sp>
+        <p:nvSpPr>
+          <p:cNvPr id="2" name="标题 1"/>
+          <p:cNvSpPr>
+            <a:spLocks noGrp="1"/>
+          </p:cNvSpPr>
+          <p:nvPr>
+            <p:ph type="title"/>
+          </p:nvPr>
+        </p:nvSpPr>
+        <p:spPr/>
+        <p:txBody>
+          <a:bodyPr/>
+          <a:lstStyle/>
+          <a:p>
+            <a:r>
+              <a:rPr lang="en-US" altLang="zh-CN" dirty="0" smtClean="0"/>
+              <a:t>UI</a:t>
+            </a:r>
+            <a:r>
+              <a:rPr lang="zh-CN" altLang="en-US" dirty="0" smtClean="0"/>
+              <a:t>组件</a:t>
+            </a:r>
+            <a:endParaRPr lang="zh-CN" altLang="en-US" dirty="0"/>
+          </a:p>
+        </p:txBody>
+      </p:sp>
+      <p:sp>
+        <p:nvSpPr>
+          <p:cNvPr id="3" name="内容占位符 2"/>
+          <p:cNvSpPr>
+            <a:spLocks noGrp="1"/>
+          </p:cNvSpPr>
+          <p:nvPr>
+            <p:ph idx="1"/>
+          </p:nvPr>
+        </p:nvSpPr>
+        <p:spPr/>
+        <p:txBody>
+          <a:bodyPr/>
+          <a:lstStyle/>
+          <a:p>
+            <a:endParaRPr lang="zh-CN" altLang="en-US"/>
+          </a:p>
+        </p:txBody>
+      </p:sp>
+    </p:spTree>
+  </p:cSld>
+  <p:clrMapOvr>
+    <a:masterClrMapping/>
+  </p:clrMapOvr>
 </p:sld>
 </file>
 
@@ -4804,7 +5058,7 @@
           <a:blip r:embed="rId2">
             <a:extLst>
               <a:ext uri="{28A0092B-C50C-407E-A947-70E740481C1C}">
-                <a14:useLocalDpi xmlns:a14="http://schemas.microsoft.com/office/drawing/2010/main" val="0"/>
+                <a14:useLocalDpi xmlns="" xmlns:a14="http://schemas.microsoft.com/office/drawing/2010/main" val="0"/>
               </a:ext>
             </a:extLst>
           </a:blip>
@@ -4818,7 +5072,7 @@
     </p:spTree>
     <p:extLst>
       <p:ext uri="{BB962C8B-B14F-4D97-AF65-F5344CB8AC3E}">
-        <p14:creationId xmlns:p14="http://schemas.microsoft.com/office/powerpoint/2010/main" val="331713512"/>
+        <p14:creationId xmlns="" xmlns:p14="http://schemas.microsoft.com/office/powerpoint/2010/main" val="331713512"/>
       </p:ext>
     </p:extLst>
   </p:cSld>
@@ -4828,7 +5082,7 @@
   <p:timing>
     <p:tnLst>
       <p:par>
-        <p:cTn xmlns:p14="http://schemas.microsoft.com/office/powerpoint/2010/main" id="1" dur="indefinite" restart="never" nodeType="tmRoot"/>
+        <p:cTn id="1" dur="indefinite" restart="never" nodeType="tmRoot"/>
       </p:par>
     </p:tnLst>
   </p:timing>
@@ -4925,7 +5179,7 @@
     </p:spTree>
     <p:extLst>
       <p:ext uri="{BB962C8B-B14F-4D97-AF65-F5344CB8AC3E}">
-        <p14:creationId xmlns:p14="http://schemas.microsoft.com/office/powerpoint/2010/main" val="637127457"/>
+        <p14:creationId xmlns="" xmlns:p14="http://schemas.microsoft.com/office/powerpoint/2010/main" val="637127457"/>
       </p:ext>
     </p:extLst>
   </p:cSld>
@@ -4935,7 +5189,7 @@
   <p:timing>
     <p:tnLst>
       <p:par>
-        <p:cTn xmlns:p14="http://schemas.microsoft.com/office/powerpoint/2010/main" id="1" dur="indefinite" restart="never" nodeType="tmRoot"/>
+        <p:cTn id="1" dur="indefinite" restart="never" nodeType="tmRoot"/>
       </p:par>
     </p:tnLst>
   </p:timing>
@@ -4996,7 +5250,7 @@
           <a:blip r:embed="rId2">
             <a:extLst>
               <a:ext uri="{28A0092B-C50C-407E-A947-70E740481C1C}">
-                <a14:useLocalDpi xmlns:a14="http://schemas.microsoft.com/office/drawing/2010/main" val="0"/>
+                <a14:useLocalDpi xmlns="" xmlns:a14="http://schemas.microsoft.com/office/drawing/2010/main" val="0"/>
               </a:ext>
             </a:extLst>
           </a:blip>
@@ -5010,7 +5264,7 @@
     </p:spTree>
     <p:extLst>
       <p:ext uri="{BB962C8B-B14F-4D97-AF65-F5344CB8AC3E}">
-        <p14:creationId xmlns:p14="http://schemas.microsoft.com/office/powerpoint/2010/main" val="1318804756"/>
+        <p14:creationId xmlns="" xmlns:p14="http://schemas.microsoft.com/office/powerpoint/2010/main" val="1318804756"/>
       </p:ext>
     </p:extLst>
   </p:cSld>
@@ -5020,7 +5274,7 @@
   <p:timing>
     <p:tnLst>
       <p:par>
-        <p:cTn xmlns:p14="http://schemas.microsoft.com/office/powerpoint/2010/main" id="1" dur="indefinite" restart="never" nodeType="tmRoot"/>
+        <p:cTn id="1" dur="indefinite" restart="never" nodeType="tmRoot"/>
       </p:par>
     </p:tnLst>
   </p:timing>
@@ -5117,7 +5371,7 @@
     </p:spTree>
     <p:extLst>
       <p:ext uri="{BB962C8B-B14F-4D97-AF65-F5344CB8AC3E}">
-        <p14:creationId xmlns:p14="http://schemas.microsoft.com/office/powerpoint/2010/main" val="3822040949"/>
+        <p14:creationId xmlns="" xmlns:p14="http://schemas.microsoft.com/office/powerpoint/2010/main" val="3822040949"/>
       </p:ext>
     </p:extLst>
   </p:cSld>
@@ -5127,7 +5381,7 @@
   <p:timing>
     <p:tnLst>
       <p:par>
-        <p:cTn xmlns:p14="http://schemas.microsoft.com/office/powerpoint/2010/main" id="1" dur="indefinite" restart="never" nodeType="tmRoot"/>
+        <p:cTn id="1" dur="indefinite" restart="never" nodeType="tmRoot"/>
       </p:par>
     </p:tnLst>
   </p:timing>
@@ -5260,7 +5514,7 @@
     </p:spTree>
     <p:extLst>
       <p:ext uri="{BB962C8B-B14F-4D97-AF65-F5344CB8AC3E}">
-        <p14:creationId xmlns:p14="http://schemas.microsoft.com/office/powerpoint/2010/main" val="3874406449"/>
+        <p14:creationId xmlns="" xmlns:p14="http://schemas.microsoft.com/office/powerpoint/2010/main" val="3874406449"/>
       </p:ext>
     </p:extLst>
   </p:cSld>
@@ -5270,7 +5524,7 @@
   <p:timing>
     <p:tnLst>
       <p:par>
-        <p:cTn xmlns:p14="http://schemas.microsoft.com/office/powerpoint/2010/main" id="1" dur="indefinite" restart="never" nodeType="tmRoot"/>
+        <p:cTn id="1" dur="indefinite" restart="never" nodeType="tmRoot"/>
       </p:par>
     </p:tnLst>
   </p:timing>
@@ -5391,7 +5645,7 @@
     </p:spTree>
     <p:extLst>
       <p:ext uri="{BB962C8B-B14F-4D97-AF65-F5344CB8AC3E}">
-        <p14:creationId xmlns:p14="http://schemas.microsoft.com/office/powerpoint/2010/main" val="1727775272"/>
+        <p14:creationId xmlns="" xmlns:p14="http://schemas.microsoft.com/office/powerpoint/2010/main" val="1727775272"/>
       </p:ext>
     </p:extLst>
   </p:cSld>
@@ -5401,7 +5655,7 @@
   <p:timing>
     <p:tnLst>
       <p:par>
-        <p:cTn xmlns:p14="http://schemas.microsoft.com/office/powerpoint/2010/main" id="1" dur="indefinite" restart="never" nodeType="tmRoot"/>
+        <p:cTn id="1" dur="indefinite" restart="never" nodeType="tmRoot"/>
       </p:par>
     </p:tnLst>
   </p:timing>
@@ -5458,19 +5712,19 @@
             <p:ph idx="1"/>
             <p:extLst>
               <p:ext uri="{D42A27DB-BD31-4B8C-83A1-F6EECF244321}">
-                <p14:modId xmlns:p14="http://schemas.microsoft.com/office/powerpoint/2010/main" val="2180013484"/>
+                <p14:modId xmlns="" xmlns:p14="http://schemas.microsoft.com/office/powerpoint/2010/main" val="2180013484"/>
               </p:ext>
             </p:extLst>
           </p:nvPr>
         </p:nvGraphicFramePr>
         <p:xfrm>
           <a:off x="825500" y="1524000"/>
-          <a:ext cx="8420100" cy="2936239"/>
+          <a:ext cx="8420100" cy="2936240"/>
         </p:xfrm>
         <a:graphic>
           <a:graphicData uri="http://schemas.openxmlformats.org/drawingml/2006/table">
             <a:tbl>
-              <a:tblPr firstRow="1" bandRow="1">
+              <a:tblPr bandRow="1">
                 <a:tableStyleId>{775DCB02-9BB8-47FD-8907-85C794F793BA}</a:tableStyleId>
               </a:tblPr>
               <a:tblGrid>
@@ -5882,7 +6136,7 @@
     </p:spTree>
     <p:extLst>
       <p:ext uri="{BB962C8B-B14F-4D97-AF65-F5344CB8AC3E}">
-        <p14:creationId xmlns:p14="http://schemas.microsoft.com/office/powerpoint/2010/main" val="2009634093"/>
+        <p14:creationId xmlns="" xmlns:p14="http://schemas.microsoft.com/office/powerpoint/2010/main" val="2009634093"/>
       </p:ext>
     </p:extLst>
   </p:cSld>
@@ -5892,7 +6146,7 @@
   <p:timing>
     <p:tnLst>
       <p:par>
-        <p:cTn xmlns:p14="http://schemas.microsoft.com/office/powerpoint/2010/main" id="1" dur="indefinite" restart="never" nodeType="tmRoot"/>
+        <p:cTn id="1" dur="indefinite" restart="never" nodeType="tmRoot"/>
       </p:par>
     </p:tnLst>
   </p:timing>
@@ -5970,7 +6224,7 @@
           <p:nvPr>
             <p:extLst>
               <p:ext uri="{D42A27DB-BD31-4B8C-83A1-F6EECF244321}">
-                <p14:modId xmlns:p14="http://schemas.microsoft.com/office/powerpoint/2010/main" val="1835322012"/>
+                <p14:modId xmlns="" xmlns:p14="http://schemas.microsoft.com/office/powerpoint/2010/main" val="1835322012"/>
               </p:ext>
             </p:extLst>
           </p:nvPr>
@@ -5982,7 +6236,7 @@
         <a:graphic>
           <a:graphicData uri="http://schemas.openxmlformats.org/drawingml/2006/table">
             <a:tbl>
-              <a:tblPr firstRow="1" bandRow="1">
+              <a:tblPr bandRow="1">
                 <a:tableStyleId>{775DCB02-9BB8-47FD-8907-85C794F793BA}</a:tableStyleId>
               </a:tblPr>
               <a:tblGrid>
@@ -6174,7 +6428,11 @@
                     <a:p>
                       <a:r>
                         <a:rPr lang="zh-CN" altLang="en-US" dirty="0" smtClean="0"/>
-                        <a:t>方法级</a:t>
+                        <a:t>方法</a:t>
+                      </a:r>
+                      <a:r>
+                        <a:rPr lang="zh-CN" altLang="en-US" dirty="0" smtClean="0"/>
+                        <a:t>级，含简单数据权限</a:t>
                       </a:r>
                       <a:endParaRPr lang="zh-CN" altLang="en-US" dirty="0"/>
                     </a:p>
@@ -6268,11 +6526,7 @@
                     <a:p>
                       <a:r>
                         <a:rPr lang="en-US" altLang="zh-CN" dirty="0" smtClean="0"/>
-                        <a:t>oAuth</a:t>
-                      </a:r>
-                      <a:r>
-                        <a:rPr lang="en-US" altLang="zh-CN" dirty="0" smtClean="0"/>
-                        <a:t>2</a:t>
+                        <a:t>oAuth2</a:t>
                       </a:r>
                       <a:endParaRPr lang="zh-CN" altLang="en-US" dirty="0"/>
                     </a:p>
@@ -6422,11 +6676,15 @@
                       </a:r>
                       <a:r>
                         <a:rPr lang="zh-CN" altLang="en-US" dirty="0" smtClean="0"/>
-                        <a:t>自家的东东，方便</a:t>
+                        <a:t>自家</a:t>
                       </a:r>
                       <a:r>
                         <a:rPr lang="zh-CN" altLang="en-US" dirty="0" smtClean="0"/>
-                        <a:t>集成</a:t>
+                        <a:t>的技术，</a:t>
+                      </a:r>
+                      <a:r>
+                        <a:rPr lang="zh-CN" altLang="en-US" dirty="0" smtClean="0"/>
+                        <a:t>方便集成</a:t>
                       </a:r>
                       <a:endParaRPr lang="zh-CN" altLang="en-US" dirty="0"/>
                     </a:p>
@@ -6463,7 +6721,7 @@
     </p:spTree>
     <p:extLst>
       <p:ext uri="{BB962C8B-B14F-4D97-AF65-F5344CB8AC3E}">
-        <p14:creationId xmlns:p14="http://schemas.microsoft.com/office/powerpoint/2010/main" val="1397413194"/>
+        <p14:creationId xmlns="" xmlns:p14="http://schemas.microsoft.com/office/powerpoint/2010/main" val="1397413194"/>
       </p:ext>
     </p:extLst>
   </p:cSld>
@@ -6473,7 +6731,7 @@
   <p:timing>
     <p:tnLst>
       <p:par>
-        <p:cTn xmlns:p14="http://schemas.microsoft.com/office/powerpoint/2010/main" id="1" dur="indefinite" restart="never" nodeType="tmRoot"/>
+        <p:cTn id="1" dur="indefinite" restart="never" nodeType="tmRoot"/>
       </p:par>
     </p:tnLst>
   </p:timing>
@@ -6726,7 +6984,7 @@
         <a:effectLst/>
         <a:extLst>
           <a:ext uri="{AF507438-7753-43e0-B8FC-AC1667EBCBE1}">
-            <a14:hiddenEffects xmlns:a14="http://schemas.microsoft.com/office/drawing/2010/main">
+            <a14:hiddenEffects xmlns="" xmlns:a14="http://schemas.microsoft.com/office/drawing/2010/main">
               <a:effectLst>
                 <a:outerShdw blurRad="63500" dist="38099" dir="2700000" algn="ctr" rotWithShape="0">
                   <a:schemeClr val="bg2">
@@ -6802,7 +7060,7 @@
         <a:effectLst/>
         <a:extLst>
           <a:ext uri="{AF507438-7753-43e0-B8FC-AC1667EBCBE1}">
-            <a14:hiddenEffects xmlns:a14="http://schemas.microsoft.com/office/drawing/2010/main">
+            <a14:hiddenEffects xmlns="" xmlns:a14="http://schemas.microsoft.com/office/drawing/2010/main">
               <a:effectLst>
                 <a:outerShdw blurRad="63500" dist="38099" dir="2700000" algn="ctr" rotWithShape="0">
                   <a:schemeClr val="bg2">

--- a/系统框架.pptx
+++ b/系统框架.pptx
@@ -5,10 +5,10 @@
     <p:sldMasterId id="2147483648" r:id="rId1"/>
   </p:sldMasterIdLst>
   <p:notesMasterIdLst>
-    <p:notesMasterId r:id="rId15"/>
+    <p:notesMasterId r:id="rId16"/>
   </p:notesMasterIdLst>
   <p:handoutMasterIdLst>
-    <p:handoutMasterId r:id="rId16"/>
+    <p:handoutMasterId r:id="rId17"/>
   </p:handoutMasterIdLst>
   <p:sldIdLst>
     <p:sldId id="256" r:id="rId2"/>
@@ -24,6 +24,7 @@
     <p:sldId id="268" r:id="rId12"/>
     <p:sldId id="269" r:id="rId13"/>
     <p:sldId id="270" r:id="rId14"/>
+    <p:sldId id="271" r:id="rId15"/>
   </p:sldIdLst>
   <p:sldSz cx="9906000" cy="6858000" type="A4"/>
   <p:notesSz cx="6858000" cy="9144000"/>
@@ -205,14 +206,14 @@
           <a:effectLst/>
           <a:extLst>
             <a:ext uri="{909E8E84-426E-40dd-AFC4-6F175D3DCCD1}">
-              <a14:hiddenFill xmlns="" xmlns:a14="http://schemas.microsoft.com/office/drawing/2010/main">
+              <a14:hiddenFill xmlns:a14="http://schemas.microsoft.com/office/drawing/2010/main" xmlns="">
                 <a:solidFill>
                   <a:schemeClr val="accent1"/>
                 </a:solidFill>
               </a14:hiddenFill>
             </a:ext>
             <a:ext uri="{91240B29-F687-4f45-9708-019B960494DF}">
-              <a14:hiddenLine xmlns="" xmlns:a14="http://schemas.microsoft.com/office/drawing/2010/main" w="9525">
+              <a14:hiddenLine xmlns:a14="http://schemas.microsoft.com/office/drawing/2010/main" xmlns="" w="9525">
                 <a:solidFill>
                   <a:schemeClr val="tx1"/>
                 </a:solidFill>
@@ -222,7 +223,7 @@
               </a14:hiddenLine>
             </a:ext>
             <a:ext uri="{AF507438-7753-43e0-B8FC-AC1667EBCBE1}">
-              <a14:hiddenEffects xmlns="" xmlns:a14="http://schemas.microsoft.com/office/drawing/2010/main">
+              <a14:hiddenEffects xmlns:a14="http://schemas.microsoft.com/office/drawing/2010/main" xmlns="">
                 <a:effectLst>
                   <a:outerShdw blurRad="63500" dist="38099" dir="2700000" algn="ctr" rotWithShape="0">
                     <a:schemeClr val="bg2">
@@ -233,7 +234,7 @@
               </a14:hiddenEffects>
             </a:ext>
             <a:ext uri="{FAA26D3D-D897-4be2-8F04-BA451C77F1D7}">
-              <ma14:placeholderFlag xmlns="" xmlns:ma14="http://schemas.microsoft.com/office/mac/drawingml/2011/main" val="1"/>
+              <ma14:placeholderFlag xmlns:ma14="http://schemas.microsoft.com/office/mac/drawingml/2011/main" xmlns="" val="1"/>
             </a:ext>
           </a:extLst>
         </p:spPr>
@@ -280,14 +281,14 @@
           <a:effectLst/>
           <a:extLst>
             <a:ext uri="{909E8E84-426E-40dd-AFC4-6F175D3DCCD1}">
-              <a14:hiddenFill xmlns="" xmlns:a14="http://schemas.microsoft.com/office/drawing/2010/main">
+              <a14:hiddenFill xmlns:a14="http://schemas.microsoft.com/office/drawing/2010/main" xmlns="">
                 <a:solidFill>
                   <a:schemeClr val="accent1"/>
                 </a:solidFill>
               </a14:hiddenFill>
             </a:ext>
             <a:ext uri="{91240B29-F687-4f45-9708-019B960494DF}">
-              <a14:hiddenLine xmlns="" xmlns:a14="http://schemas.microsoft.com/office/drawing/2010/main" w="9525">
+              <a14:hiddenLine xmlns:a14="http://schemas.microsoft.com/office/drawing/2010/main" xmlns="" w="9525">
                 <a:solidFill>
                   <a:schemeClr val="tx1"/>
                 </a:solidFill>
@@ -297,7 +298,7 @@
               </a14:hiddenLine>
             </a:ext>
             <a:ext uri="{AF507438-7753-43e0-B8FC-AC1667EBCBE1}">
-              <a14:hiddenEffects xmlns="" xmlns:a14="http://schemas.microsoft.com/office/drawing/2010/main">
+              <a14:hiddenEffects xmlns:a14="http://schemas.microsoft.com/office/drawing/2010/main" xmlns="">
                 <a:effectLst>
                   <a:outerShdw blurRad="63500" dist="38099" dir="2700000" algn="ctr" rotWithShape="0">
                     <a:schemeClr val="bg2">
@@ -308,7 +309,7 @@
               </a14:hiddenEffects>
             </a:ext>
             <a:ext uri="{FAA26D3D-D897-4be2-8F04-BA451C77F1D7}">
-              <ma14:placeholderFlag xmlns="" xmlns:ma14="http://schemas.microsoft.com/office/mac/drawingml/2011/main" val="1"/>
+              <ma14:placeholderFlag xmlns:ma14="http://schemas.microsoft.com/office/mac/drawingml/2011/main" xmlns="" val="1"/>
             </a:ext>
           </a:extLst>
         </p:spPr>
@@ -355,14 +356,14 @@
           <a:effectLst/>
           <a:extLst>
             <a:ext uri="{909E8E84-426E-40dd-AFC4-6F175D3DCCD1}">
-              <a14:hiddenFill xmlns="" xmlns:a14="http://schemas.microsoft.com/office/drawing/2010/main">
+              <a14:hiddenFill xmlns:a14="http://schemas.microsoft.com/office/drawing/2010/main" xmlns="">
                 <a:solidFill>
                   <a:schemeClr val="accent1"/>
                 </a:solidFill>
               </a14:hiddenFill>
             </a:ext>
             <a:ext uri="{91240B29-F687-4f45-9708-019B960494DF}">
-              <a14:hiddenLine xmlns="" xmlns:a14="http://schemas.microsoft.com/office/drawing/2010/main" w="9525">
+              <a14:hiddenLine xmlns:a14="http://schemas.microsoft.com/office/drawing/2010/main" xmlns="" w="9525">
                 <a:solidFill>
                   <a:schemeClr val="tx1"/>
                 </a:solidFill>
@@ -372,7 +373,7 @@
               </a14:hiddenLine>
             </a:ext>
             <a:ext uri="{AF507438-7753-43e0-B8FC-AC1667EBCBE1}">
-              <a14:hiddenEffects xmlns="" xmlns:a14="http://schemas.microsoft.com/office/drawing/2010/main">
+              <a14:hiddenEffects xmlns:a14="http://schemas.microsoft.com/office/drawing/2010/main" xmlns="">
                 <a:effectLst>
                   <a:outerShdw blurRad="63500" dist="38099" dir="2700000" algn="ctr" rotWithShape="0">
                     <a:schemeClr val="bg2">
@@ -383,7 +384,7 @@
               </a14:hiddenEffects>
             </a:ext>
             <a:ext uri="{FAA26D3D-D897-4be2-8F04-BA451C77F1D7}">
-              <ma14:placeholderFlag xmlns="" xmlns:ma14="http://schemas.microsoft.com/office/mac/drawingml/2011/main" val="1"/>
+              <ma14:placeholderFlag xmlns:ma14="http://schemas.microsoft.com/office/mac/drawingml/2011/main" xmlns="" val="1"/>
             </a:ext>
           </a:extLst>
         </p:spPr>
@@ -430,14 +431,14 @@
           <a:effectLst/>
           <a:extLst>
             <a:ext uri="{909E8E84-426E-40dd-AFC4-6F175D3DCCD1}">
-              <a14:hiddenFill xmlns="" xmlns:a14="http://schemas.microsoft.com/office/drawing/2010/main">
+              <a14:hiddenFill xmlns:a14="http://schemas.microsoft.com/office/drawing/2010/main" xmlns="">
                 <a:solidFill>
                   <a:schemeClr val="accent1"/>
                 </a:solidFill>
               </a14:hiddenFill>
             </a:ext>
             <a:ext uri="{91240B29-F687-4f45-9708-019B960494DF}">
-              <a14:hiddenLine xmlns="" xmlns:a14="http://schemas.microsoft.com/office/drawing/2010/main" w="9525">
+              <a14:hiddenLine xmlns:a14="http://schemas.microsoft.com/office/drawing/2010/main" xmlns="" w="9525">
                 <a:solidFill>
                   <a:schemeClr val="tx1"/>
                 </a:solidFill>
@@ -447,7 +448,7 @@
               </a14:hiddenLine>
             </a:ext>
             <a:ext uri="{AF507438-7753-43e0-B8FC-AC1667EBCBE1}">
-              <a14:hiddenEffects xmlns="" xmlns:a14="http://schemas.microsoft.com/office/drawing/2010/main">
+              <a14:hiddenEffects xmlns:a14="http://schemas.microsoft.com/office/drawing/2010/main" xmlns="">
                 <a:effectLst>
                   <a:outerShdw blurRad="63500" dist="38099" dir="2700000" algn="ctr" rotWithShape="0">
                     <a:schemeClr val="bg2">
@@ -458,7 +459,7 @@
               </a14:hiddenEffects>
             </a:ext>
             <a:ext uri="{FAA26D3D-D897-4be2-8F04-BA451C77F1D7}">
-              <ma14:placeholderFlag xmlns="" xmlns:ma14="http://schemas.microsoft.com/office/mac/drawingml/2011/main" val="1"/>
+              <ma14:placeholderFlag xmlns:ma14="http://schemas.microsoft.com/office/mac/drawingml/2011/main" xmlns="" val="1"/>
             </a:ext>
           </a:extLst>
         </p:spPr>
@@ -488,7 +489,7 @@
     </p:spTree>
     <p:extLst>
       <p:ext uri="{BB962C8B-B14F-4D97-AF65-F5344CB8AC3E}">
-        <p14:creationId xmlns="" xmlns:p14="http://schemas.microsoft.com/office/powerpoint/2010/main" val="3148490480"/>
+        <p14:creationId xmlns:p14="http://schemas.microsoft.com/office/powerpoint/2010/main" xmlns="" val="3148490480"/>
       </p:ext>
     </p:extLst>
   </p:cSld>
@@ -546,14 +547,14 @@
           <a:effectLst/>
           <a:extLst>
             <a:ext uri="{909E8E84-426E-40dd-AFC4-6F175D3DCCD1}">
-              <a14:hiddenFill xmlns="" xmlns:a14="http://schemas.microsoft.com/office/drawing/2010/main">
+              <a14:hiddenFill xmlns:a14="http://schemas.microsoft.com/office/drawing/2010/main" xmlns="">
                 <a:solidFill>
                   <a:schemeClr val="accent1"/>
                 </a:solidFill>
               </a14:hiddenFill>
             </a:ext>
             <a:ext uri="{91240B29-F687-4f45-9708-019B960494DF}">
-              <a14:hiddenLine xmlns="" xmlns:a14="http://schemas.microsoft.com/office/drawing/2010/main" w="9525">
+              <a14:hiddenLine xmlns:a14="http://schemas.microsoft.com/office/drawing/2010/main" xmlns="" w="9525">
                 <a:solidFill>
                   <a:schemeClr val="tx1"/>
                 </a:solidFill>
@@ -563,7 +564,7 @@
               </a14:hiddenLine>
             </a:ext>
             <a:ext uri="{AF507438-7753-43e0-B8FC-AC1667EBCBE1}">
-              <a14:hiddenEffects xmlns="" xmlns:a14="http://schemas.microsoft.com/office/drawing/2010/main">
+              <a14:hiddenEffects xmlns:a14="http://schemas.microsoft.com/office/drawing/2010/main" xmlns="">
                 <a:effectLst>
                   <a:outerShdw blurRad="63500" dist="38099" dir="2700000" algn="ctr" rotWithShape="0">
                     <a:schemeClr val="bg2">
@@ -574,7 +575,7 @@
               </a14:hiddenEffects>
             </a:ext>
             <a:ext uri="{FAA26D3D-D897-4be2-8F04-BA451C77F1D7}">
-              <ma14:placeholderFlag xmlns="" xmlns:ma14="http://schemas.microsoft.com/office/mac/drawingml/2011/main" val="1"/>
+              <ma14:placeholderFlag xmlns:ma14="http://schemas.microsoft.com/office/mac/drawingml/2011/main" xmlns="" val="1"/>
             </a:ext>
           </a:extLst>
         </p:spPr>
@@ -621,14 +622,14 @@
           <a:effectLst/>
           <a:extLst>
             <a:ext uri="{909E8E84-426E-40dd-AFC4-6F175D3DCCD1}">
-              <a14:hiddenFill xmlns="" xmlns:a14="http://schemas.microsoft.com/office/drawing/2010/main">
+              <a14:hiddenFill xmlns:a14="http://schemas.microsoft.com/office/drawing/2010/main" xmlns="">
                 <a:solidFill>
                   <a:schemeClr val="accent1"/>
                 </a:solidFill>
               </a14:hiddenFill>
             </a:ext>
             <a:ext uri="{91240B29-F687-4f45-9708-019B960494DF}">
-              <a14:hiddenLine xmlns="" xmlns:a14="http://schemas.microsoft.com/office/drawing/2010/main" w="9525">
+              <a14:hiddenLine xmlns:a14="http://schemas.microsoft.com/office/drawing/2010/main" xmlns="" w="9525">
                 <a:solidFill>
                   <a:schemeClr val="tx1"/>
                 </a:solidFill>
@@ -638,7 +639,7 @@
               </a14:hiddenLine>
             </a:ext>
             <a:ext uri="{AF507438-7753-43e0-B8FC-AC1667EBCBE1}">
-              <a14:hiddenEffects xmlns="" xmlns:a14="http://schemas.microsoft.com/office/drawing/2010/main">
+              <a14:hiddenEffects xmlns:a14="http://schemas.microsoft.com/office/drawing/2010/main" xmlns="">
                 <a:effectLst>
                   <a:outerShdw blurRad="63500" dist="38099" dir="2700000" algn="ctr" rotWithShape="0">
                     <a:schemeClr val="bg2">
@@ -649,7 +650,7 @@
               </a14:hiddenEffects>
             </a:ext>
             <a:ext uri="{FAA26D3D-D897-4be2-8F04-BA451C77F1D7}">
-              <ma14:placeholderFlag xmlns="" xmlns:ma14="http://schemas.microsoft.com/office/mac/drawingml/2011/main" val="1"/>
+              <ma14:placeholderFlag xmlns:ma14="http://schemas.microsoft.com/office/mac/drawingml/2011/main" xmlns="" val="1"/>
             </a:ext>
           </a:extLst>
         </p:spPr>
@@ -701,7 +702,7 @@
           <a:effectLst/>
           <a:extLst>
             <a:ext uri="{AF507438-7753-43e0-B8FC-AC1667EBCBE1}">
-              <a14:hiddenEffects xmlns="" xmlns:a14="http://schemas.microsoft.com/office/drawing/2010/main">
+              <a14:hiddenEffects xmlns:a14="http://schemas.microsoft.com/office/drawing/2010/main" xmlns="">
                 <a:effectLst>
                   <a:outerShdw blurRad="63500" dist="38099" dir="2700000" algn="ctr" rotWithShape="0">
                     <a:srgbClr val="000000">
@@ -712,7 +713,7 @@
               </a14:hiddenEffects>
             </a:ext>
             <a:ext uri="{53640926-AAD7-44d8-BBD7-CCE9431645EC}">
-              <a14:shadowObscured xmlns="" xmlns:a14="http://schemas.microsoft.com/office/drawing/2010/main" val="1"/>
+              <a14:shadowObscured xmlns:a14="http://schemas.microsoft.com/office/drawing/2010/main" xmlns="" val="1"/>
             </a:ext>
           </a:extLst>
         </p:spPr>
@@ -742,14 +743,14 @@
           <a:effectLst/>
           <a:extLst>
             <a:ext uri="{909E8E84-426E-40dd-AFC4-6F175D3DCCD1}">
-              <a14:hiddenFill xmlns="" xmlns:a14="http://schemas.microsoft.com/office/drawing/2010/main">
+              <a14:hiddenFill xmlns:a14="http://schemas.microsoft.com/office/drawing/2010/main" xmlns="">
                 <a:solidFill>
                   <a:schemeClr val="accent1"/>
                 </a:solidFill>
               </a14:hiddenFill>
             </a:ext>
             <a:ext uri="{91240B29-F687-4f45-9708-019B960494DF}">
-              <a14:hiddenLine xmlns="" xmlns:a14="http://schemas.microsoft.com/office/drawing/2010/main" w="9525">
+              <a14:hiddenLine xmlns:a14="http://schemas.microsoft.com/office/drawing/2010/main" xmlns="" w="9525">
                 <a:solidFill>
                   <a:schemeClr val="tx1"/>
                 </a:solidFill>
@@ -759,7 +760,7 @@
               </a14:hiddenLine>
             </a:ext>
             <a:ext uri="{AF507438-7753-43e0-B8FC-AC1667EBCBE1}">
-              <a14:hiddenEffects xmlns="" xmlns:a14="http://schemas.microsoft.com/office/drawing/2010/main">
+              <a14:hiddenEffects xmlns:a14="http://schemas.microsoft.com/office/drawing/2010/main" xmlns="">
                 <a:effectLst>
                   <a:outerShdw blurRad="63500" dist="38099" dir="2700000" algn="ctr" rotWithShape="0">
                     <a:schemeClr val="bg2">
@@ -770,7 +771,7 @@
               </a14:hiddenEffects>
             </a:ext>
             <a:ext uri="{FAA26D3D-D897-4be2-8F04-BA451C77F1D7}">
-              <ma14:placeholderFlag xmlns="" xmlns:ma14="http://schemas.microsoft.com/office/mac/drawingml/2011/main" val="1"/>
+              <ma14:placeholderFlag xmlns:ma14="http://schemas.microsoft.com/office/mac/drawingml/2011/main" xmlns="" val="1"/>
             </a:ext>
           </a:extLst>
         </p:spPr>
@@ -843,14 +844,14 @@
           <a:effectLst/>
           <a:extLst>
             <a:ext uri="{909E8E84-426E-40dd-AFC4-6F175D3DCCD1}">
-              <a14:hiddenFill xmlns="" xmlns:a14="http://schemas.microsoft.com/office/drawing/2010/main">
+              <a14:hiddenFill xmlns:a14="http://schemas.microsoft.com/office/drawing/2010/main" xmlns="">
                 <a:solidFill>
                   <a:schemeClr val="accent1"/>
                 </a:solidFill>
               </a14:hiddenFill>
             </a:ext>
             <a:ext uri="{91240B29-F687-4f45-9708-019B960494DF}">
-              <a14:hiddenLine xmlns="" xmlns:a14="http://schemas.microsoft.com/office/drawing/2010/main" w="9525">
+              <a14:hiddenLine xmlns:a14="http://schemas.microsoft.com/office/drawing/2010/main" xmlns="" w="9525">
                 <a:solidFill>
                   <a:schemeClr val="tx1"/>
                 </a:solidFill>
@@ -860,7 +861,7 @@
               </a14:hiddenLine>
             </a:ext>
             <a:ext uri="{AF507438-7753-43e0-B8FC-AC1667EBCBE1}">
-              <a14:hiddenEffects xmlns="" xmlns:a14="http://schemas.microsoft.com/office/drawing/2010/main">
+              <a14:hiddenEffects xmlns:a14="http://schemas.microsoft.com/office/drawing/2010/main" xmlns="">
                 <a:effectLst>
                   <a:outerShdw blurRad="63500" dist="38099" dir="2700000" algn="ctr" rotWithShape="0">
                     <a:schemeClr val="bg2">
@@ -871,7 +872,7 @@
               </a14:hiddenEffects>
             </a:ext>
             <a:ext uri="{FAA26D3D-D897-4be2-8F04-BA451C77F1D7}">
-              <ma14:placeholderFlag xmlns="" xmlns:ma14="http://schemas.microsoft.com/office/mac/drawingml/2011/main" val="1"/>
+              <ma14:placeholderFlag xmlns:ma14="http://schemas.microsoft.com/office/mac/drawingml/2011/main" xmlns="" val="1"/>
             </a:ext>
           </a:extLst>
         </p:spPr>
@@ -918,14 +919,14 @@
           <a:effectLst/>
           <a:extLst>
             <a:ext uri="{909E8E84-426E-40dd-AFC4-6F175D3DCCD1}">
-              <a14:hiddenFill xmlns="" xmlns:a14="http://schemas.microsoft.com/office/drawing/2010/main">
+              <a14:hiddenFill xmlns:a14="http://schemas.microsoft.com/office/drawing/2010/main" xmlns="">
                 <a:solidFill>
                   <a:schemeClr val="accent1"/>
                 </a:solidFill>
               </a14:hiddenFill>
             </a:ext>
             <a:ext uri="{91240B29-F687-4f45-9708-019B960494DF}">
-              <a14:hiddenLine xmlns="" xmlns:a14="http://schemas.microsoft.com/office/drawing/2010/main" w="9525">
+              <a14:hiddenLine xmlns:a14="http://schemas.microsoft.com/office/drawing/2010/main" xmlns="" w="9525">
                 <a:solidFill>
                   <a:schemeClr val="tx1"/>
                 </a:solidFill>
@@ -935,7 +936,7 @@
               </a14:hiddenLine>
             </a:ext>
             <a:ext uri="{AF507438-7753-43e0-B8FC-AC1667EBCBE1}">
-              <a14:hiddenEffects xmlns="" xmlns:a14="http://schemas.microsoft.com/office/drawing/2010/main">
+              <a14:hiddenEffects xmlns:a14="http://schemas.microsoft.com/office/drawing/2010/main" xmlns="">
                 <a:effectLst>
                   <a:outerShdw blurRad="63500" dist="38099" dir="2700000" algn="ctr" rotWithShape="0">
                     <a:schemeClr val="bg2">
@@ -946,7 +947,7 @@
               </a14:hiddenEffects>
             </a:ext>
             <a:ext uri="{FAA26D3D-D897-4be2-8F04-BA451C77F1D7}">
-              <ma14:placeholderFlag xmlns="" xmlns:ma14="http://schemas.microsoft.com/office/mac/drawingml/2011/main" val="1"/>
+              <ma14:placeholderFlag xmlns:ma14="http://schemas.microsoft.com/office/mac/drawingml/2011/main" xmlns="" val="1"/>
             </a:ext>
           </a:extLst>
         </p:spPr>
@@ -976,7 +977,7 @@
     </p:spTree>
     <p:extLst>
       <p:ext uri="{BB962C8B-B14F-4D97-AF65-F5344CB8AC3E}">
-        <p14:creationId xmlns="" xmlns:p14="http://schemas.microsoft.com/office/powerpoint/2010/main" val="2576198581"/>
+        <p14:creationId xmlns:p14="http://schemas.microsoft.com/office/powerpoint/2010/main" xmlns="" val="2576198581"/>
       </p:ext>
     </p:extLst>
   </p:cSld>
@@ -1163,7 +1164,7 @@
           <a:ln/>
           <a:extLst>
             <a:ext uri="{FAA26D3D-D897-4be2-8F04-BA451C77F1D7}">
-              <ma14:placeholderFlag xmlns="" xmlns:ma14="http://schemas.microsoft.com/office/mac/drawingml/2011/main" val="1"/>
+              <ma14:placeholderFlag xmlns:ma14="http://schemas.microsoft.com/office/mac/drawingml/2011/main" xmlns="" val="1"/>
             </a:ext>
           </a:extLst>
         </p:spPr>
@@ -1556,7 +1557,7 @@
     </p:spTree>
     <p:extLst>
       <p:ext uri="{BB962C8B-B14F-4D97-AF65-F5344CB8AC3E}">
-        <p14:creationId xmlns="" xmlns:p14="http://schemas.microsoft.com/office/powerpoint/2010/main" val="3492493666"/>
+        <p14:creationId xmlns:p14="http://schemas.microsoft.com/office/powerpoint/2010/main" xmlns="" val="3492493666"/>
       </p:ext>
     </p:extLst>
   </p:cSld>
@@ -1745,7 +1746,7 @@
     </p:spTree>
     <p:extLst>
       <p:ext uri="{BB962C8B-B14F-4D97-AF65-F5344CB8AC3E}">
-        <p14:creationId xmlns="" xmlns:p14="http://schemas.microsoft.com/office/powerpoint/2010/main" val="2130529173"/>
+        <p14:creationId xmlns:p14="http://schemas.microsoft.com/office/powerpoint/2010/main" xmlns="" val="2130529173"/>
       </p:ext>
     </p:extLst>
   </p:cSld>
@@ -1924,7 +1925,7 @@
     </p:spTree>
     <p:extLst>
       <p:ext uri="{BB962C8B-B14F-4D97-AF65-F5344CB8AC3E}">
-        <p14:creationId xmlns="" xmlns:p14="http://schemas.microsoft.com/office/powerpoint/2010/main" val="2168672554"/>
+        <p14:creationId xmlns:p14="http://schemas.microsoft.com/office/powerpoint/2010/main" xmlns="" val="2168672554"/>
       </p:ext>
     </p:extLst>
   </p:cSld>
@@ -2125,7 +2126,7 @@
     </p:spTree>
     <p:extLst>
       <p:ext uri="{BB962C8B-B14F-4D97-AF65-F5344CB8AC3E}">
-        <p14:creationId xmlns="" xmlns:p14="http://schemas.microsoft.com/office/powerpoint/2010/main" val="2041034048"/>
+        <p14:creationId xmlns:p14="http://schemas.microsoft.com/office/powerpoint/2010/main" xmlns="" val="2041034048"/>
       </p:ext>
     </p:extLst>
   </p:cSld>
@@ -2422,7 +2423,7 @@
     </p:spTree>
     <p:extLst>
       <p:ext uri="{BB962C8B-B14F-4D97-AF65-F5344CB8AC3E}">
-        <p14:creationId xmlns="" xmlns:p14="http://schemas.microsoft.com/office/powerpoint/2010/main" val="1345925294"/>
+        <p14:creationId xmlns:p14="http://schemas.microsoft.com/office/powerpoint/2010/main" xmlns="" val="1345925294"/>
       </p:ext>
     </p:extLst>
   </p:cSld>
@@ -2858,7 +2859,7 @@
     </p:spTree>
     <p:extLst>
       <p:ext uri="{BB962C8B-B14F-4D97-AF65-F5344CB8AC3E}">
-        <p14:creationId xmlns="" xmlns:p14="http://schemas.microsoft.com/office/powerpoint/2010/main" val="1466134007"/>
+        <p14:creationId xmlns:p14="http://schemas.microsoft.com/office/powerpoint/2010/main" xmlns="" val="1466134007"/>
       </p:ext>
     </p:extLst>
   </p:cSld>
@@ -2985,7 +2986,7 @@
     </p:spTree>
     <p:extLst>
       <p:ext uri="{BB962C8B-B14F-4D97-AF65-F5344CB8AC3E}">
-        <p14:creationId xmlns="" xmlns:p14="http://schemas.microsoft.com/office/powerpoint/2010/main" val="1923237074"/>
+        <p14:creationId xmlns:p14="http://schemas.microsoft.com/office/powerpoint/2010/main" xmlns="" val="1923237074"/>
       </p:ext>
     </p:extLst>
   </p:cSld>
@@ -3089,7 +3090,7 @@
     </p:spTree>
     <p:extLst>
       <p:ext uri="{BB962C8B-B14F-4D97-AF65-F5344CB8AC3E}">
-        <p14:creationId xmlns="" xmlns:p14="http://schemas.microsoft.com/office/powerpoint/2010/main" val="854876253"/>
+        <p14:creationId xmlns:p14="http://schemas.microsoft.com/office/powerpoint/2010/main" xmlns="" val="854876253"/>
       </p:ext>
     </p:extLst>
   </p:cSld>
@@ -3375,7 +3376,7 @@
     </p:spTree>
     <p:extLst>
       <p:ext uri="{BB962C8B-B14F-4D97-AF65-F5344CB8AC3E}">
-        <p14:creationId xmlns="" xmlns:p14="http://schemas.microsoft.com/office/powerpoint/2010/main" val="2521535845"/>
+        <p14:creationId xmlns:p14="http://schemas.microsoft.com/office/powerpoint/2010/main" xmlns="" val="2521535845"/>
       </p:ext>
     </p:extLst>
   </p:cSld>
@@ -3641,7 +3642,7 @@
     </p:spTree>
     <p:extLst>
       <p:ext uri="{BB962C8B-B14F-4D97-AF65-F5344CB8AC3E}">
-        <p14:creationId xmlns="" xmlns:p14="http://schemas.microsoft.com/office/powerpoint/2010/main" val="3852825281"/>
+        <p14:creationId xmlns:p14="http://schemas.microsoft.com/office/powerpoint/2010/main" xmlns="" val="3852825281"/>
       </p:ext>
     </p:extLst>
   </p:cSld>
@@ -3705,14 +3706,14 @@
           <a:effectLst/>
           <a:extLst>
             <a:ext uri="{909E8E84-426E-40dd-AFC4-6F175D3DCCD1}">
-              <a14:hiddenFill xmlns="" xmlns:a14="http://schemas.microsoft.com/office/drawing/2010/main">
+              <a14:hiddenFill xmlns:a14="http://schemas.microsoft.com/office/drawing/2010/main" xmlns="">
                 <a:solidFill>
                   <a:schemeClr val="accent1"/>
                 </a:solidFill>
               </a14:hiddenFill>
             </a:ext>
             <a:ext uri="{91240B29-F687-4f45-9708-019B960494DF}">
-              <a14:hiddenLine xmlns="" xmlns:a14="http://schemas.microsoft.com/office/drawing/2010/main" w="9525">
+              <a14:hiddenLine xmlns:a14="http://schemas.microsoft.com/office/drawing/2010/main" xmlns="" w="9525">
                 <a:solidFill>
                   <a:schemeClr val="tx1"/>
                 </a:solidFill>
@@ -3722,7 +3723,7 @@
               </a14:hiddenLine>
             </a:ext>
             <a:ext uri="{AF507438-7753-43e0-B8FC-AC1667EBCBE1}">
-              <a14:hiddenEffects xmlns="" xmlns:a14="http://schemas.microsoft.com/office/drawing/2010/main">
+              <a14:hiddenEffects xmlns:a14="http://schemas.microsoft.com/office/drawing/2010/main" xmlns="">
                 <a:effectLst>
                   <a:outerShdw blurRad="63500" dist="38099" dir="2700000" algn="ctr" rotWithShape="0">
                     <a:schemeClr val="bg2">
@@ -3733,7 +3734,7 @@
               </a14:hiddenEffects>
             </a:ext>
             <a:ext uri="{FAA26D3D-D897-4be2-8F04-BA451C77F1D7}">
-              <ma14:placeholderFlag xmlns="" xmlns:ma14="http://schemas.microsoft.com/office/mac/drawingml/2011/main" val="1"/>
+              <ma14:placeholderFlag xmlns:ma14="http://schemas.microsoft.com/office/mac/drawingml/2011/main" xmlns="" val="1"/>
             </a:ext>
           </a:extLst>
         </p:spPr>
@@ -3778,14 +3779,14 @@
           <a:effectLst/>
           <a:extLst>
             <a:ext uri="{909E8E84-426E-40dd-AFC4-6F175D3DCCD1}">
-              <a14:hiddenFill xmlns="" xmlns:a14="http://schemas.microsoft.com/office/drawing/2010/main">
+              <a14:hiddenFill xmlns:a14="http://schemas.microsoft.com/office/drawing/2010/main" xmlns="">
                 <a:solidFill>
                   <a:schemeClr val="accent1"/>
                 </a:solidFill>
               </a14:hiddenFill>
             </a:ext>
             <a:ext uri="{91240B29-F687-4f45-9708-019B960494DF}">
-              <a14:hiddenLine xmlns="" xmlns:a14="http://schemas.microsoft.com/office/drawing/2010/main" w="9525">
+              <a14:hiddenLine xmlns:a14="http://schemas.microsoft.com/office/drawing/2010/main" xmlns="" w="9525">
                 <a:solidFill>
                   <a:schemeClr val="tx1"/>
                 </a:solidFill>
@@ -3795,7 +3796,7 @@
               </a14:hiddenLine>
             </a:ext>
             <a:ext uri="{AF507438-7753-43e0-B8FC-AC1667EBCBE1}">
-              <a14:hiddenEffects xmlns="" xmlns:a14="http://schemas.microsoft.com/office/drawing/2010/main">
+              <a14:hiddenEffects xmlns:a14="http://schemas.microsoft.com/office/drawing/2010/main" xmlns="">
                 <a:effectLst>
                   <a:outerShdw blurRad="63500" dist="38099" dir="2700000" algn="ctr" rotWithShape="0">
                     <a:schemeClr val="bg2">
@@ -3806,7 +3807,7 @@
               </a14:hiddenEffects>
             </a:ext>
             <a:ext uri="{FAA26D3D-D897-4be2-8F04-BA451C77F1D7}">
-              <ma14:placeholderFlag xmlns="" xmlns:ma14="http://schemas.microsoft.com/office/mac/drawingml/2011/main" val="1"/>
+              <ma14:placeholderFlag xmlns:ma14="http://schemas.microsoft.com/office/mac/drawingml/2011/main" xmlns="" val="1"/>
             </a:ext>
           </a:extLst>
         </p:spPr>
@@ -3879,14 +3880,14 @@
           <a:effectLst/>
           <a:extLst>
             <a:ext uri="{909E8E84-426E-40dd-AFC4-6F175D3DCCD1}">
-              <a14:hiddenFill xmlns="" xmlns:a14="http://schemas.microsoft.com/office/drawing/2010/main">
+              <a14:hiddenFill xmlns:a14="http://schemas.microsoft.com/office/drawing/2010/main" xmlns="">
                 <a:solidFill>
                   <a:schemeClr val="accent1"/>
                 </a:solidFill>
               </a14:hiddenFill>
             </a:ext>
             <a:ext uri="{91240B29-F687-4f45-9708-019B960494DF}">
-              <a14:hiddenLine xmlns="" xmlns:a14="http://schemas.microsoft.com/office/drawing/2010/main" w="9525">
+              <a14:hiddenLine xmlns:a14="http://schemas.microsoft.com/office/drawing/2010/main" xmlns="" w="9525">
                 <a:solidFill>
                   <a:schemeClr val="tx1"/>
                 </a:solidFill>
@@ -3896,7 +3897,7 @@
               </a14:hiddenLine>
             </a:ext>
             <a:ext uri="{AF507438-7753-43e0-B8FC-AC1667EBCBE1}">
-              <a14:hiddenEffects xmlns="" xmlns:a14="http://schemas.microsoft.com/office/drawing/2010/main">
+              <a14:hiddenEffects xmlns:a14="http://schemas.microsoft.com/office/drawing/2010/main" xmlns="">
                 <a:effectLst>
                   <a:outerShdw blurRad="63500" dist="38099" dir="2700000" algn="ctr" rotWithShape="0">
                     <a:schemeClr val="bg2">
@@ -3907,7 +3908,7 @@
               </a14:hiddenEffects>
             </a:ext>
             <a:ext uri="{FAA26D3D-D897-4be2-8F04-BA451C77F1D7}">
-              <ma14:placeholderFlag xmlns="" xmlns:ma14="http://schemas.microsoft.com/office/mac/drawingml/2011/main" val="1"/>
+              <ma14:placeholderFlag xmlns:ma14="http://schemas.microsoft.com/office/mac/drawingml/2011/main" xmlns="" val="1"/>
             </a:ext>
           </a:extLst>
         </p:spPr>
@@ -3957,14 +3958,14 @@
           <a:effectLst/>
           <a:extLst>
             <a:ext uri="{909E8E84-426E-40dd-AFC4-6F175D3DCCD1}">
-              <a14:hiddenFill xmlns="" xmlns:a14="http://schemas.microsoft.com/office/drawing/2010/main">
+              <a14:hiddenFill xmlns:a14="http://schemas.microsoft.com/office/drawing/2010/main" xmlns="">
                 <a:solidFill>
                   <a:schemeClr val="accent1"/>
                 </a:solidFill>
               </a14:hiddenFill>
             </a:ext>
             <a:ext uri="{91240B29-F687-4f45-9708-019B960494DF}">
-              <a14:hiddenLine xmlns="" xmlns:a14="http://schemas.microsoft.com/office/drawing/2010/main" w="9525">
+              <a14:hiddenLine xmlns:a14="http://schemas.microsoft.com/office/drawing/2010/main" xmlns="" w="9525">
                 <a:solidFill>
                   <a:schemeClr val="tx1"/>
                 </a:solidFill>
@@ -3974,7 +3975,7 @@
               </a14:hiddenLine>
             </a:ext>
             <a:ext uri="{AF507438-7753-43e0-B8FC-AC1667EBCBE1}">
-              <a14:hiddenEffects xmlns="" xmlns:a14="http://schemas.microsoft.com/office/drawing/2010/main">
+              <a14:hiddenEffects xmlns:a14="http://schemas.microsoft.com/office/drawing/2010/main" xmlns="">
                 <a:effectLst>
                   <a:outerShdw blurRad="63500" dist="38099" dir="2700000" algn="ctr" rotWithShape="0">
                     <a:schemeClr val="bg2">
@@ -3985,7 +3986,7 @@
               </a14:hiddenEffects>
             </a:ext>
             <a:ext uri="{FAA26D3D-D897-4be2-8F04-BA451C77F1D7}">
-              <ma14:placeholderFlag xmlns="" xmlns:ma14="http://schemas.microsoft.com/office/mac/drawingml/2011/main" val="1"/>
+              <ma14:placeholderFlag xmlns:ma14="http://schemas.microsoft.com/office/mac/drawingml/2011/main" xmlns="" val="1"/>
             </a:ext>
           </a:extLst>
         </p:spPr>
@@ -4035,14 +4036,14 @@
           <a:effectLst/>
           <a:extLst>
             <a:ext uri="{909E8E84-426E-40dd-AFC4-6F175D3DCCD1}">
-              <a14:hiddenFill xmlns="" xmlns:a14="http://schemas.microsoft.com/office/drawing/2010/main">
+              <a14:hiddenFill xmlns:a14="http://schemas.microsoft.com/office/drawing/2010/main" xmlns="">
                 <a:solidFill>
                   <a:schemeClr val="accent1"/>
                 </a:solidFill>
               </a14:hiddenFill>
             </a:ext>
             <a:ext uri="{91240B29-F687-4f45-9708-019B960494DF}">
-              <a14:hiddenLine xmlns="" xmlns:a14="http://schemas.microsoft.com/office/drawing/2010/main" w="9525">
+              <a14:hiddenLine xmlns:a14="http://schemas.microsoft.com/office/drawing/2010/main" xmlns="" w="9525">
                 <a:solidFill>
                   <a:schemeClr val="tx1"/>
                 </a:solidFill>
@@ -4052,7 +4053,7 @@
               </a14:hiddenLine>
             </a:ext>
             <a:ext uri="{AF507438-7753-43e0-B8FC-AC1667EBCBE1}">
-              <a14:hiddenEffects xmlns="" xmlns:a14="http://schemas.microsoft.com/office/drawing/2010/main">
+              <a14:hiddenEffects xmlns:a14="http://schemas.microsoft.com/office/drawing/2010/main" xmlns="">
                 <a:effectLst>
                   <a:outerShdw blurRad="63500" dist="38099" dir="2700000" algn="ctr" rotWithShape="0">
                     <a:schemeClr val="bg2">
@@ -4063,7 +4064,7 @@
               </a14:hiddenEffects>
             </a:ext>
             <a:ext uri="{FAA26D3D-D897-4be2-8F04-BA451C77F1D7}">
-              <ma14:placeholderFlag xmlns="" xmlns:ma14="http://schemas.microsoft.com/office/mac/drawingml/2011/main" val="1"/>
+              <ma14:placeholderFlag xmlns:ma14="http://schemas.microsoft.com/office/mac/drawingml/2011/main" xmlns="" val="1"/>
             </a:ext>
           </a:extLst>
         </p:spPr>
@@ -4638,7 +4639,7 @@
           <a:p>
             <a:r>
               <a:rPr lang="zh-CN" altLang="en-US" dirty="0" smtClean="0"/>
-              <a:t>开发模式</a:t>
+              <a:t>系统框架</a:t>
             </a:r>
             <a:endParaRPr lang="zh-CN" altLang="en-US" dirty="0"/>
           </a:p>
@@ -4660,16 +4661,9 @@
           <a:lstStyle/>
           <a:p>
             <a:r>
-              <a:rPr lang="en-US" altLang="en-US" dirty="0" smtClean="0"/>
-              <a:t>单体</a:t>
-            </a:r>
-            <a:r>
               <a:rPr lang="zh-CN" altLang="en-US" dirty="0" smtClean="0"/>
-              <a:t>应用与微服务</a:t>
-            </a:r>
-            <a:endParaRPr lang="en-US" altLang="zh-CN" dirty="0" smtClean="0"/>
-          </a:p>
-          <a:p>
+              <a:t>开发模式与技术选型</a:t>
+            </a:r>
             <a:endParaRPr lang="zh-CN" altLang="en-US" dirty="0"/>
           </a:p>
         </p:txBody>
@@ -4723,7 +4717,11 @@
           <a:p>
             <a:r>
               <a:rPr kumimoji="1" lang="zh-CN" altLang="en-US" dirty="0" smtClean="0"/>
-              <a:t>技术选型之缓存框架</a:t>
+              <a:t>缓存</a:t>
+            </a:r>
+            <a:r>
+              <a:rPr kumimoji="1" lang="zh-CN" altLang="en-US" dirty="0" smtClean="0"/>
+              <a:t>框架</a:t>
             </a:r>
             <a:endParaRPr kumimoji="1" lang="zh-CN" altLang="en-US" dirty="0"/>
           </a:p>
@@ -4732,7 +4730,7 @@
     </p:spTree>
     <p:extLst>
       <p:ext uri="{BB962C8B-B14F-4D97-AF65-F5344CB8AC3E}">
-        <p14:creationId xmlns="" xmlns:p14="http://schemas.microsoft.com/office/powerpoint/2010/main" val="2359040908"/>
+        <p14:creationId xmlns:p14="http://schemas.microsoft.com/office/powerpoint/2010/main" xmlns="" val="2359040908"/>
       </p:ext>
     </p:extLst>
   </p:cSld>
@@ -4783,7 +4781,11 @@
           <a:p>
             <a:r>
               <a:rPr lang="zh-CN" altLang="en-US" dirty="0" smtClean="0"/>
-              <a:t>技术选型之模版语言</a:t>
+              <a:t>模</a:t>
+            </a:r>
+            <a:r>
+              <a:rPr lang="zh-CN" altLang="en-US" dirty="0" smtClean="0"/>
+              <a:t>版语言</a:t>
             </a:r>
             <a:endParaRPr lang="zh-CN" altLang="en-US" dirty="0"/>
           </a:p>
@@ -4850,7 +4852,11 @@
           <a:p>
             <a:r>
               <a:rPr lang="zh-CN" altLang="en-US" dirty="0" smtClean="0"/>
-              <a:t>其它辅助类组件</a:t>
+              <a:t>辅助</a:t>
+            </a:r>
+            <a:r>
+              <a:rPr lang="zh-CN" altLang="en-US" dirty="0" smtClean="0"/>
+              <a:t>类组件</a:t>
             </a:r>
             <a:endParaRPr lang="zh-CN" altLang="en-US" dirty="0"/>
           </a:p>
@@ -4880,22 +4886,14 @@
           <a:p>
             <a:r>
               <a:rPr lang="zh-CN" altLang="en-US" dirty="0" smtClean="0"/>
-              <a:t>邮件</a:t>
-            </a:r>
+              <a:t>邮件服务</a:t>
+            </a:r>
+            <a:endParaRPr lang="en-US" altLang="zh-CN" dirty="0" smtClean="0"/>
+          </a:p>
+          <a:p>
             <a:r>
               <a:rPr lang="zh-CN" altLang="en-US" dirty="0" smtClean="0"/>
-              <a:t>服务</a:t>
-            </a:r>
-            <a:endParaRPr lang="en-US" altLang="zh-CN" dirty="0" smtClean="0"/>
-          </a:p>
-          <a:p>
-            <a:r>
-              <a:rPr lang="zh-CN" altLang="en-US" dirty="0" smtClean="0"/>
-              <a:t>短</a:t>
-            </a:r>
-            <a:r>
-              <a:rPr lang="zh-CN" altLang="en-US" dirty="0" smtClean="0"/>
-              <a:t>信接口</a:t>
+              <a:t>短信接口</a:t>
             </a:r>
             <a:endParaRPr lang="en-US" altLang="zh-CN" dirty="0" smtClean="0"/>
           </a:p>
@@ -5004,6 +5002,73 @@
 </p:sld>
 </file>
 
+<file path=ppt/slides/slide14.xml><?xml version="1.0" encoding="utf-8"?>
+<p:sld xmlns:a="http://schemas.openxmlformats.org/drawingml/2006/main" xmlns:r="http://schemas.openxmlformats.org/officeDocument/2006/relationships" xmlns:p="http://schemas.openxmlformats.org/presentationml/2006/main">
+  <p:cSld>
+    <p:spTree>
+      <p:nvGrpSpPr>
+        <p:cNvPr id="1" name=""/>
+        <p:cNvGrpSpPr/>
+        <p:nvPr/>
+      </p:nvGrpSpPr>
+      <p:grpSpPr>
+        <a:xfrm>
+          <a:off x="0" y="0"/>
+          <a:ext cx="0" cy="0"/>
+          <a:chOff x="0" y="0"/>
+          <a:chExt cx="0" cy="0"/>
+        </a:xfrm>
+      </p:grpSpPr>
+      <p:sp>
+        <p:nvSpPr>
+          <p:cNvPr id="2" name="标题 1"/>
+          <p:cNvSpPr>
+            <a:spLocks noGrp="1"/>
+          </p:cNvSpPr>
+          <p:nvPr>
+            <p:ph type="title"/>
+          </p:nvPr>
+        </p:nvSpPr>
+        <p:spPr/>
+        <p:txBody>
+          <a:bodyPr/>
+          <a:lstStyle/>
+          <a:p>
+            <a:r>
+              <a:rPr lang="zh-CN" altLang="en-US" dirty="0" smtClean="0"/>
+              <a:t>基础功能</a:t>
+            </a:r>
+            <a:endParaRPr lang="zh-CN" altLang="en-US" dirty="0"/>
+          </a:p>
+        </p:txBody>
+      </p:sp>
+      <p:sp>
+        <p:nvSpPr>
+          <p:cNvPr id="3" name="内容占位符 2"/>
+          <p:cNvSpPr>
+            <a:spLocks noGrp="1"/>
+          </p:cNvSpPr>
+          <p:nvPr>
+            <p:ph idx="1"/>
+          </p:nvPr>
+        </p:nvSpPr>
+        <p:spPr/>
+        <p:txBody>
+          <a:bodyPr/>
+          <a:lstStyle/>
+          <a:p>
+            <a:endParaRPr lang="zh-CN" altLang="en-US"/>
+          </a:p>
+        </p:txBody>
+      </p:sp>
+    </p:spTree>
+  </p:cSld>
+  <p:clrMapOvr>
+    <a:masterClrMapping/>
+  </p:clrMapOvr>
+</p:sld>
+</file>
+
 <file path=ppt/slides/slide2.xml><?xml version="1.0" encoding="utf-8"?>
 <p:sld xmlns:a="http://schemas.openxmlformats.org/drawingml/2006/main" xmlns:r="http://schemas.openxmlformats.org/officeDocument/2006/relationships" xmlns:p="http://schemas.openxmlformats.org/presentationml/2006/main">
   <p:cSld>
@@ -5058,7 +5123,7 @@
           <a:blip r:embed="rId2">
             <a:extLst>
               <a:ext uri="{28A0092B-C50C-407E-A947-70E740481C1C}">
-                <a14:useLocalDpi xmlns="" xmlns:a14="http://schemas.microsoft.com/office/drawing/2010/main" val="0"/>
+                <a14:useLocalDpi xmlns:a14="http://schemas.microsoft.com/office/drawing/2010/main" xmlns="" val="0"/>
               </a:ext>
             </a:extLst>
           </a:blip>
@@ -5072,7 +5137,7 @@
     </p:spTree>
     <p:extLst>
       <p:ext uri="{BB962C8B-B14F-4D97-AF65-F5344CB8AC3E}">
-        <p14:creationId xmlns="" xmlns:p14="http://schemas.microsoft.com/office/powerpoint/2010/main" val="331713512"/>
+        <p14:creationId xmlns:p14="http://schemas.microsoft.com/office/powerpoint/2010/main" xmlns="" val="331713512"/>
       </p:ext>
     </p:extLst>
   </p:cSld>
@@ -5179,7 +5244,7 @@
     </p:spTree>
     <p:extLst>
       <p:ext uri="{BB962C8B-B14F-4D97-AF65-F5344CB8AC3E}">
-        <p14:creationId xmlns="" xmlns:p14="http://schemas.microsoft.com/office/powerpoint/2010/main" val="637127457"/>
+        <p14:creationId xmlns:p14="http://schemas.microsoft.com/office/powerpoint/2010/main" xmlns="" val="637127457"/>
       </p:ext>
     </p:extLst>
   </p:cSld>
@@ -5250,7 +5315,7 @@
           <a:blip r:embed="rId2">
             <a:extLst>
               <a:ext uri="{28A0092B-C50C-407E-A947-70E740481C1C}">
-                <a14:useLocalDpi xmlns="" xmlns:a14="http://schemas.microsoft.com/office/drawing/2010/main" val="0"/>
+                <a14:useLocalDpi xmlns:a14="http://schemas.microsoft.com/office/drawing/2010/main" xmlns="" val="0"/>
               </a:ext>
             </a:extLst>
           </a:blip>
@@ -5264,7 +5329,7 @@
     </p:spTree>
     <p:extLst>
       <p:ext uri="{BB962C8B-B14F-4D97-AF65-F5344CB8AC3E}">
-        <p14:creationId xmlns="" xmlns:p14="http://schemas.microsoft.com/office/powerpoint/2010/main" val="1318804756"/>
+        <p14:creationId xmlns:p14="http://schemas.microsoft.com/office/powerpoint/2010/main" xmlns="" val="1318804756"/>
       </p:ext>
     </p:extLst>
   </p:cSld>
@@ -5371,7 +5436,7 @@
     </p:spTree>
     <p:extLst>
       <p:ext uri="{BB962C8B-B14F-4D97-AF65-F5344CB8AC3E}">
-        <p14:creationId xmlns="" xmlns:p14="http://schemas.microsoft.com/office/powerpoint/2010/main" val="3822040949"/>
+        <p14:creationId xmlns:p14="http://schemas.microsoft.com/office/powerpoint/2010/main" xmlns="" val="3822040949"/>
       </p:ext>
     </p:extLst>
   </p:cSld>
@@ -5514,7 +5579,7 @@
     </p:spTree>
     <p:extLst>
       <p:ext uri="{BB962C8B-B14F-4D97-AF65-F5344CB8AC3E}">
-        <p14:creationId xmlns="" xmlns:p14="http://schemas.microsoft.com/office/powerpoint/2010/main" val="3874406449"/>
+        <p14:creationId xmlns:p14="http://schemas.microsoft.com/office/powerpoint/2010/main" xmlns="" val="3874406449"/>
       </p:ext>
     </p:extLst>
   </p:cSld>
@@ -5645,7 +5710,7 @@
     </p:spTree>
     <p:extLst>
       <p:ext uri="{BB962C8B-B14F-4D97-AF65-F5344CB8AC3E}">
-        <p14:creationId xmlns="" xmlns:p14="http://schemas.microsoft.com/office/powerpoint/2010/main" val="1727775272"/>
+        <p14:creationId xmlns:p14="http://schemas.microsoft.com/office/powerpoint/2010/main" xmlns="" val="1727775272"/>
       </p:ext>
     </p:extLst>
   </p:cSld>
@@ -5696,7 +5761,11 @@
           <a:p>
             <a:r>
               <a:rPr kumimoji="1" lang="zh-CN" altLang="en-US" dirty="0" smtClean="0"/>
-              <a:t>技术选型之持久化方案</a:t>
+              <a:t>持久</a:t>
+            </a:r>
+            <a:r>
+              <a:rPr kumimoji="1" lang="zh-CN" altLang="en-US" dirty="0" smtClean="0"/>
+              <a:t>化方案</a:t>
             </a:r>
             <a:endParaRPr kumimoji="1" lang="zh-CN" altLang="en-US" dirty="0"/>
           </a:p>
@@ -5712,7 +5781,7 @@
             <p:ph idx="1"/>
             <p:extLst>
               <p:ext uri="{D42A27DB-BD31-4B8C-83A1-F6EECF244321}">
-                <p14:modId xmlns="" xmlns:p14="http://schemas.microsoft.com/office/powerpoint/2010/main" val="2180013484"/>
+                <p14:modId xmlns:p14="http://schemas.microsoft.com/office/powerpoint/2010/main" xmlns="" val="2180013484"/>
               </p:ext>
             </p:extLst>
           </p:nvPr>
@@ -6136,7 +6205,7 @@
     </p:spTree>
     <p:extLst>
       <p:ext uri="{BB962C8B-B14F-4D97-AF65-F5344CB8AC3E}">
-        <p14:creationId xmlns="" xmlns:p14="http://schemas.microsoft.com/office/powerpoint/2010/main" val="2009634093"/>
+        <p14:creationId xmlns:p14="http://schemas.microsoft.com/office/powerpoint/2010/main" xmlns="" val="2009634093"/>
       </p:ext>
     </p:extLst>
   </p:cSld>
@@ -6187,7 +6256,11 @@
           <a:p>
             <a:r>
               <a:rPr kumimoji="1" lang="zh-CN" altLang="en-US" dirty="0" smtClean="0"/>
-              <a:t>技术选型之安全框架</a:t>
+              <a:t>安全</a:t>
+            </a:r>
+            <a:r>
+              <a:rPr kumimoji="1" lang="zh-CN" altLang="en-US" dirty="0" smtClean="0"/>
+              <a:t>框架</a:t>
             </a:r>
             <a:endParaRPr kumimoji="1" lang="zh-CN" altLang="en-US" dirty="0"/>
           </a:p>
@@ -6224,7 +6297,7 @@
           <p:nvPr>
             <p:extLst>
               <p:ext uri="{D42A27DB-BD31-4B8C-83A1-F6EECF244321}">
-                <p14:modId xmlns="" xmlns:p14="http://schemas.microsoft.com/office/powerpoint/2010/main" val="1835322012"/>
+                <p14:modId xmlns:p14="http://schemas.microsoft.com/office/powerpoint/2010/main" xmlns="" val="1835322012"/>
               </p:ext>
             </p:extLst>
           </p:nvPr>
@@ -6428,11 +6501,7 @@
                     <a:p>
                       <a:r>
                         <a:rPr lang="zh-CN" altLang="en-US" dirty="0" smtClean="0"/>
-                        <a:t>方法</a:t>
-                      </a:r>
-                      <a:r>
-                        <a:rPr lang="zh-CN" altLang="en-US" dirty="0" smtClean="0"/>
-                        <a:t>级，含简单数据权限</a:t>
+                        <a:t>方法级，含简单数据权限</a:t>
                       </a:r>
                       <a:endParaRPr lang="zh-CN" altLang="en-US" dirty="0"/>
                     </a:p>
@@ -6676,15 +6745,7 @@
                       </a:r>
                       <a:r>
                         <a:rPr lang="zh-CN" altLang="en-US" dirty="0" smtClean="0"/>
-                        <a:t>自家</a:t>
-                      </a:r>
-                      <a:r>
-                        <a:rPr lang="zh-CN" altLang="en-US" dirty="0" smtClean="0"/>
-                        <a:t>的技术，</a:t>
-                      </a:r>
-                      <a:r>
-                        <a:rPr lang="zh-CN" altLang="en-US" dirty="0" smtClean="0"/>
-                        <a:t>方便集成</a:t>
+                        <a:t>自家的技术，方便集成</a:t>
                       </a:r>
                       <a:endParaRPr lang="zh-CN" altLang="en-US" dirty="0"/>
                     </a:p>
@@ -6721,7 +6782,7 @@
     </p:spTree>
     <p:extLst>
       <p:ext uri="{BB962C8B-B14F-4D97-AF65-F5344CB8AC3E}">
-        <p14:creationId xmlns="" xmlns:p14="http://schemas.microsoft.com/office/powerpoint/2010/main" val="1397413194"/>
+        <p14:creationId xmlns:p14="http://schemas.microsoft.com/office/powerpoint/2010/main" xmlns="" val="1397413194"/>
       </p:ext>
     </p:extLst>
   </p:cSld>
@@ -6984,7 +7045,7 @@
         <a:effectLst/>
         <a:extLst>
           <a:ext uri="{AF507438-7753-43e0-B8FC-AC1667EBCBE1}">
-            <a14:hiddenEffects xmlns="" xmlns:a14="http://schemas.microsoft.com/office/drawing/2010/main">
+            <a14:hiddenEffects xmlns:a14="http://schemas.microsoft.com/office/drawing/2010/main" xmlns="">
               <a:effectLst>
                 <a:outerShdw blurRad="63500" dist="38099" dir="2700000" algn="ctr" rotWithShape="0">
                   <a:schemeClr val="bg2">
@@ -7060,7 +7121,7 @@
         <a:effectLst/>
         <a:extLst>
           <a:ext uri="{AF507438-7753-43e0-B8FC-AC1667EBCBE1}">
-            <a14:hiddenEffects xmlns="" xmlns:a14="http://schemas.microsoft.com/office/drawing/2010/main">
+            <a14:hiddenEffects xmlns:a14="http://schemas.microsoft.com/office/drawing/2010/main" xmlns="">
               <a:effectLst>
                 <a:outerShdw blurRad="63500" dist="38099" dir="2700000" algn="ctr" rotWithShape="0">
                   <a:schemeClr val="bg2">

--- a/系统框架.pptx
+++ b/系统框架.pptx
@@ -20,8 +20,8 @@
     <p:sldId id="264" r:id="rId8"/>
     <p:sldId id="265" r:id="rId9"/>
     <p:sldId id="266" r:id="rId10"/>
-    <p:sldId id="267" r:id="rId11"/>
-    <p:sldId id="268" r:id="rId12"/>
+    <p:sldId id="268" r:id="rId11"/>
+    <p:sldId id="272" r:id="rId12"/>
     <p:sldId id="269" r:id="rId13"/>
     <p:sldId id="270" r:id="rId14"/>
     <p:sldId id="271" r:id="rId15"/>
@@ -206,14 +206,14 @@
           <a:effectLst/>
           <a:extLst>
             <a:ext uri="{909E8E84-426E-40dd-AFC4-6F175D3DCCD1}">
-              <a14:hiddenFill xmlns:a14="http://schemas.microsoft.com/office/drawing/2010/main" xmlns="">
+              <a14:hiddenFill xmlns="" xmlns:a14="http://schemas.microsoft.com/office/drawing/2010/main">
                 <a:solidFill>
                   <a:schemeClr val="accent1"/>
                 </a:solidFill>
               </a14:hiddenFill>
             </a:ext>
             <a:ext uri="{91240B29-F687-4f45-9708-019B960494DF}">
-              <a14:hiddenLine xmlns:a14="http://schemas.microsoft.com/office/drawing/2010/main" xmlns="" w="9525">
+              <a14:hiddenLine xmlns="" xmlns:a14="http://schemas.microsoft.com/office/drawing/2010/main" w="9525">
                 <a:solidFill>
                   <a:schemeClr val="tx1"/>
                 </a:solidFill>
@@ -223,7 +223,7 @@
               </a14:hiddenLine>
             </a:ext>
             <a:ext uri="{AF507438-7753-43e0-B8FC-AC1667EBCBE1}">
-              <a14:hiddenEffects xmlns:a14="http://schemas.microsoft.com/office/drawing/2010/main" xmlns="">
+              <a14:hiddenEffects xmlns="" xmlns:a14="http://schemas.microsoft.com/office/drawing/2010/main">
                 <a:effectLst>
                   <a:outerShdw blurRad="63500" dist="38099" dir="2700000" algn="ctr" rotWithShape="0">
                     <a:schemeClr val="bg2">
@@ -234,7 +234,7 @@
               </a14:hiddenEffects>
             </a:ext>
             <a:ext uri="{FAA26D3D-D897-4be2-8F04-BA451C77F1D7}">
-              <ma14:placeholderFlag xmlns:ma14="http://schemas.microsoft.com/office/mac/drawingml/2011/main" xmlns="" val="1"/>
+              <ma14:placeholderFlag xmlns="" xmlns:ma14="http://schemas.microsoft.com/office/mac/drawingml/2011/main" val="1"/>
             </a:ext>
           </a:extLst>
         </p:spPr>
@@ -281,14 +281,14 @@
           <a:effectLst/>
           <a:extLst>
             <a:ext uri="{909E8E84-426E-40dd-AFC4-6F175D3DCCD1}">
-              <a14:hiddenFill xmlns:a14="http://schemas.microsoft.com/office/drawing/2010/main" xmlns="">
+              <a14:hiddenFill xmlns="" xmlns:a14="http://schemas.microsoft.com/office/drawing/2010/main">
                 <a:solidFill>
                   <a:schemeClr val="accent1"/>
                 </a:solidFill>
               </a14:hiddenFill>
             </a:ext>
             <a:ext uri="{91240B29-F687-4f45-9708-019B960494DF}">
-              <a14:hiddenLine xmlns:a14="http://schemas.microsoft.com/office/drawing/2010/main" xmlns="" w="9525">
+              <a14:hiddenLine xmlns="" xmlns:a14="http://schemas.microsoft.com/office/drawing/2010/main" w="9525">
                 <a:solidFill>
                   <a:schemeClr val="tx1"/>
                 </a:solidFill>
@@ -298,7 +298,7 @@
               </a14:hiddenLine>
             </a:ext>
             <a:ext uri="{AF507438-7753-43e0-B8FC-AC1667EBCBE1}">
-              <a14:hiddenEffects xmlns:a14="http://schemas.microsoft.com/office/drawing/2010/main" xmlns="">
+              <a14:hiddenEffects xmlns="" xmlns:a14="http://schemas.microsoft.com/office/drawing/2010/main">
                 <a:effectLst>
                   <a:outerShdw blurRad="63500" dist="38099" dir="2700000" algn="ctr" rotWithShape="0">
                     <a:schemeClr val="bg2">
@@ -309,7 +309,7 @@
               </a14:hiddenEffects>
             </a:ext>
             <a:ext uri="{FAA26D3D-D897-4be2-8F04-BA451C77F1D7}">
-              <ma14:placeholderFlag xmlns:ma14="http://schemas.microsoft.com/office/mac/drawingml/2011/main" xmlns="" val="1"/>
+              <ma14:placeholderFlag xmlns="" xmlns:ma14="http://schemas.microsoft.com/office/mac/drawingml/2011/main" val="1"/>
             </a:ext>
           </a:extLst>
         </p:spPr>
@@ -356,14 +356,14 @@
           <a:effectLst/>
           <a:extLst>
             <a:ext uri="{909E8E84-426E-40dd-AFC4-6F175D3DCCD1}">
-              <a14:hiddenFill xmlns:a14="http://schemas.microsoft.com/office/drawing/2010/main" xmlns="">
+              <a14:hiddenFill xmlns="" xmlns:a14="http://schemas.microsoft.com/office/drawing/2010/main">
                 <a:solidFill>
                   <a:schemeClr val="accent1"/>
                 </a:solidFill>
               </a14:hiddenFill>
             </a:ext>
             <a:ext uri="{91240B29-F687-4f45-9708-019B960494DF}">
-              <a14:hiddenLine xmlns:a14="http://schemas.microsoft.com/office/drawing/2010/main" xmlns="" w="9525">
+              <a14:hiddenLine xmlns="" xmlns:a14="http://schemas.microsoft.com/office/drawing/2010/main" w="9525">
                 <a:solidFill>
                   <a:schemeClr val="tx1"/>
                 </a:solidFill>
@@ -373,7 +373,7 @@
               </a14:hiddenLine>
             </a:ext>
             <a:ext uri="{AF507438-7753-43e0-B8FC-AC1667EBCBE1}">
-              <a14:hiddenEffects xmlns:a14="http://schemas.microsoft.com/office/drawing/2010/main" xmlns="">
+              <a14:hiddenEffects xmlns="" xmlns:a14="http://schemas.microsoft.com/office/drawing/2010/main">
                 <a:effectLst>
                   <a:outerShdw blurRad="63500" dist="38099" dir="2700000" algn="ctr" rotWithShape="0">
                     <a:schemeClr val="bg2">
@@ -384,7 +384,7 @@
               </a14:hiddenEffects>
             </a:ext>
             <a:ext uri="{FAA26D3D-D897-4be2-8F04-BA451C77F1D7}">
-              <ma14:placeholderFlag xmlns:ma14="http://schemas.microsoft.com/office/mac/drawingml/2011/main" xmlns="" val="1"/>
+              <ma14:placeholderFlag xmlns="" xmlns:ma14="http://schemas.microsoft.com/office/mac/drawingml/2011/main" val="1"/>
             </a:ext>
           </a:extLst>
         </p:spPr>
@@ -431,14 +431,14 @@
           <a:effectLst/>
           <a:extLst>
             <a:ext uri="{909E8E84-426E-40dd-AFC4-6F175D3DCCD1}">
-              <a14:hiddenFill xmlns:a14="http://schemas.microsoft.com/office/drawing/2010/main" xmlns="">
+              <a14:hiddenFill xmlns="" xmlns:a14="http://schemas.microsoft.com/office/drawing/2010/main">
                 <a:solidFill>
                   <a:schemeClr val="accent1"/>
                 </a:solidFill>
               </a14:hiddenFill>
             </a:ext>
             <a:ext uri="{91240B29-F687-4f45-9708-019B960494DF}">
-              <a14:hiddenLine xmlns:a14="http://schemas.microsoft.com/office/drawing/2010/main" xmlns="" w="9525">
+              <a14:hiddenLine xmlns="" xmlns:a14="http://schemas.microsoft.com/office/drawing/2010/main" w="9525">
                 <a:solidFill>
                   <a:schemeClr val="tx1"/>
                 </a:solidFill>
@@ -448,7 +448,7 @@
               </a14:hiddenLine>
             </a:ext>
             <a:ext uri="{AF507438-7753-43e0-B8FC-AC1667EBCBE1}">
-              <a14:hiddenEffects xmlns:a14="http://schemas.microsoft.com/office/drawing/2010/main" xmlns="">
+              <a14:hiddenEffects xmlns="" xmlns:a14="http://schemas.microsoft.com/office/drawing/2010/main">
                 <a:effectLst>
                   <a:outerShdw blurRad="63500" dist="38099" dir="2700000" algn="ctr" rotWithShape="0">
                     <a:schemeClr val="bg2">
@@ -459,7 +459,7 @@
               </a14:hiddenEffects>
             </a:ext>
             <a:ext uri="{FAA26D3D-D897-4be2-8F04-BA451C77F1D7}">
-              <ma14:placeholderFlag xmlns:ma14="http://schemas.microsoft.com/office/mac/drawingml/2011/main" xmlns="" val="1"/>
+              <ma14:placeholderFlag xmlns="" xmlns:ma14="http://schemas.microsoft.com/office/mac/drawingml/2011/main" val="1"/>
             </a:ext>
           </a:extLst>
         </p:spPr>
@@ -489,7 +489,7 @@
     </p:spTree>
     <p:extLst>
       <p:ext uri="{BB962C8B-B14F-4D97-AF65-F5344CB8AC3E}">
-        <p14:creationId xmlns:p14="http://schemas.microsoft.com/office/powerpoint/2010/main" xmlns="" val="3148490480"/>
+        <p14:creationId xmlns="" xmlns:p14="http://schemas.microsoft.com/office/powerpoint/2010/main" val="3148490480"/>
       </p:ext>
     </p:extLst>
   </p:cSld>
@@ -547,14 +547,14 @@
           <a:effectLst/>
           <a:extLst>
             <a:ext uri="{909E8E84-426E-40dd-AFC4-6F175D3DCCD1}">
-              <a14:hiddenFill xmlns:a14="http://schemas.microsoft.com/office/drawing/2010/main" xmlns="">
+              <a14:hiddenFill xmlns="" xmlns:a14="http://schemas.microsoft.com/office/drawing/2010/main">
                 <a:solidFill>
                   <a:schemeClr val="accent1"/>
                 </a:solidFill>
               </a14:hiddenFill>
             </a:ext>
             <a:ext uri="{91240B29-F687-4f45-9708-019B960494DF}">
-              <a14:hiddenLine xmlns:a14="http://schemas.microsoft.com/office/drawing/2010/main" xmlns="" w="9525">
+              <a14:hiddenLine xmlns="" xmlns:a14="http://schemas.microsoft.com/office/drawing/2010/main" w="9525">
                 <a:solidFill>
                   <a:schemeClr val="tx1"/>
                 </a:solidFill>
@@ -564,7 +564,7 @@
               </a14:hiddenLine>
             </a:ext>
             <a:ext uri="{AF507438-7753-43e0-B8FC-AC1667EBCBE1}">
-              <a14:hiddenEffects xmlns:a14="http://schemas.microsoft.com/office/drawing/2010/main" xmlns="">
+              <a14:hiddenEffects xmlns="" xmlns:a14="http://schemas.microsoft.com/office/drawing/2010/main">
                 <a:effectLst>
                   <a:outerShdw blurRad="63500" dist="38099" dir="2700000" algn="ctr" rotWithShape="0">
                     <a:schemeClr val="bg2">
@@ -575,7 +575,7 @@
               </a14:hiddenEffects>
             </a:ext>
             <a:ext uri="{FAA26D3D-D897-4be2-8F04-BA451C77F1D7}">
-              <ma14:placeholderFlag xmlns:ma14="http://schemas.microsoft.com/office/mac/drawingml/2011/main" xmlns="" val="1"/>
+              <ma14:placeholderFlag xmlns="" xmlns:ma14="http://schemas.microsoft.com/office/mac/drawingml/2011/main" val="1"/>
             </a:ext>
           </a:extLst>
         </p:spPr>
@@ -622,14 +622,14 @@
           <a:effectLst/>
           <a:extLst>
             <a:ext uri="{909E8E84-426E-40dd-AFC4-6F175D3DCCD1}">
-              <a14:hiddenFill xmlns:a14="http://schemas.microsoft.com/office/drawing/2010/main" xmlns="">
+              <a14:hiddenFill xmlns="" xmlns:a14="http://schemas.microsoft.com/office/drawing/2010/main">
                 <a:solidFill>
                   <a:schemeClr val="accent1"/>
                 </a:solidFill>
               </a14:hiddenFill>
             </a:ext>
             <a:ext uri="{91240B29-F687-4f45-9708-019B960494DF}">
-              <a14:hiddenLine xmlns:a14="http://schemas.microsoft.com/office/drawing/2010/main" xmlns="" w="9525">
+              <a14:hiddenLine xmlns="" xmlns:a14="http://schemas.microsoft.com/office/drawing/2010/main" w="9525">
                 <a:solidFill>
                   <a:schemeClr val="tx1"/>
                 </a:solidFill>
@@ -639,7 +639,7 @@
               </a14:hiddenLine>
             </a:ext>
             <a:ext uri="{AF507438-7753-43e0-B8FC-AC1667EBCBE1}">
-              <a14:hiddenEffects xmlns:a14="http://schemas.microsoft.com/office/drawing/2010/main" xmlns="">
+              <a14:hiddenEffects xmlns="" xmlns:a14="http://schemas.microsoft.com/office/drawing/2010/main">
                 <a:effectLst>
                   <a:outerShdw blurRad="63500" dist="38099" dir="2700000" algn="ctr" rotWithShape="0">
                     <a:schemeClr val="bg2">
@@ -650,7 +650,7 @@
               </a14:hiddenEffects>
             </a:ext>
             <a:ext uri="{FAA26D3D-D897-4be2-8F04-BA451C77F1D7}">
-              <ma14:placeholderFlag xmlns:ma14="http://schemas.microsoft.com/office/mac/drawingml/2011/main" xmlns="" val="1"/>
+              <ma14:placeholderFlag xmlns="" xmlns:ma14="http://schemas.microsoft.com/office/mac/drawingml/2011/main" val="1"/>
             </a:ext>
           </a:extLst>
         </p:spPr>
@@ -702,7 +702,7 @@
           <a:effectLst/>
           <a:extLst>
             <a:ext uri="{AF507438-7753-43e0-B8FC-AC1667EBCBE1}">
-              <a14:hiddenEffects xmlns:a14="http://schemas.microsoft.com/office/drawing/2010/main" xmlns="">
+              <a14:hiddenEffects xmlns="" xmlns:a14="http://schemas.microsoft.com/office/drawing/2010/main">
                 <a:effectLst>
                   <a:outerShdw blurRad="63500" dist="38099" dir="2700000" algn="ctr" rotWithShape="0">
                     <a:srgbClr val="000000">
@@ -713,7 +713,7 @@
               </a14:hiddenEffects>
             </a:ext>
             <a:ext uri="{53640926-AAD7-44d8-BBD7-CCE9431645EC}">
-              <a14:shadowObscured xmlns:a14="http://schemas.microsoft.com/office/drawing/2010/main" xmlns="" val="1"/>
+              <a14:shadowObscured xmlns="" xmlns:a14="http://schemas.microsoft.com/office/drawing/2010/main" val="1"/>
             </a:ext>
           </a:extLst>
         </p:spPr>
@@ -743,14 +743,14 @@
           <a:effectLst/>
           <a:extLst>
             <a:ext uri="{909E8E84-426E-40dd-AFC4-6F175D3DCCD1}">
-              <a14:hiddenFill xmlns:a14="http://schemas.microsoft.com/office/drawing/2010/main" xmlns="">
+              <a14:hiddenFill xmlns="" xmlns:a14="http://schemas.microsoft.com/office/drawing/2010/main">
                 <a:solidFill>
                   <a:schemeClr val="accent1"/>
                 </a:solidFill>
               </a14:hiddenFill>
             </a:ext>
             <a:ext uri="{91240B29-F687-4f45-9708-019B960494DF}">
-              <a14:hiddenLine xmlns:a14="http://schemas.microsoft.com/office/drawing/2010/main" xmlns="" w="9525">
+              <a14:hiddenLine xmlns="" xmlns:a14="http://schemas.microsoft.com/office/drawing/2010/main" w="9525">
                 <a:solidFill>
                   <a:schemeClr val="tx1"/>
                 </a:solidFill>
@@ -760,7 +760,7 @@
               </a14:hiddenLine>
             </a:ext>
             <a:ext uri="{AF507438-7753-43e0-B8FC-AC1667EBCBE1}">
-              <a14:hiddenEffects xmlns:a14="http://schemas.microsoft.com/office/drawing/2010/main" xmlns="">
+              <a14:hiddenEffects xmlns="" xmlns:a14="http://schemas.microsoft.com/office/drawing/2010/main">
                 <a:effectLst>
                   <a:outerShdw blurRad="63500" dist="38099" dir="2700000" algn="ctr" rotWithShape="0">
                     <a:schemeClr val="bg2">
@@ -771,7 +771,7 @@
               </a14:hiddenEffects>
             </a:ext>
             <a:ext uri="{FAA26D3D-D897-4be2-8F04-BA451C77F1D7}">
-              <ma14:placeholderFlag xmlns:ma14="http://schemas.microsoft.com/office/mac/drawingml/2011/main" xmlns="" val="1"/>
+              <ma14:placeholderFlag xmlns="" xmlns:ma14="http://schemas.microsoft.com/office/mac/drawingml/2011/main" val="1"/>
             </a:ext>
           </a:extLst>
         </p:spPr>
@@ -844,14 +844,14 @@
           <a:effectLst/>
           <a:extLst>
             <a:ext uri="{909E8E84-426E-40dd-AFC4-6F175D3DCCD1}">
-              <a14:hiddenFill xmlns:a14="http://schemas.microsoft.com/office/drawing/2010/main" xmlns="">
+              <a14:hiddenFill xmlns="" xmlns:a14="http://schemas.microsoft.com/office/drawing/2010/main">
                 <a:solidFill>
                   <a:schemeClr val="accent1"/>
                 </a:solidFill>
               </a14:hiddenFill>
             </a:ext>
             <a:ext uri="{91240B29-F687-4f45-9708-019B960494DF}">
-              <a14:hiddenLine xmlns:a14="http://schemas.microsoft.com/office/drawing/2010/main" xmlns="" w="9525">
+              <a14:hiddenLine xmlns="" xmlns:a14="http://schemas.microsoft.com/office/drawing/2010/main" w="9525">
                 <a:solidFill>
                   <a:schemeClr val="tx1"/>
                 </a:solidFill>
@@ -861,7 +861,7 @@
               </a14:hiddenLine>
             </a:ext>
             <a:ext uri="{AF507438-7753-43e0-B8FC-AC1667EBCBE1}">
-              <a14:hiddenEffects xmlns:a14="http://schemas.microsoft.com/office/drawing/2010/main" xmlns="">
+              <a14:hiddenEffects xmlns="" xmlns:a14="http://schemas.microsoft.com/office/drawing/2010/main">
                 <a:effectLst>
                   <a:outerShdw blurRad="63500" dist="38099" dir="2700000" algn="ctr" rotWithShape="0">
                     <a:schemeClr val="bg2">
@@ -872,7 +872,7 @@
               </a14:hiddenEffects>
             </a:ext>
             <a:ext uri="{FAA26D3D-D897-4be2-8F04-BA451C77F1D7}">
-              <ma14:placeholderFlag xmlns:ma14="http://schemas.microsoft.com/office/mac/drawingml/2011/main" xmlns="" val="1"/>
+              <ma14:placeholderFlag xmlns="" xmlns:ma14="http://schemas.microsoft.com/office/mac/drawingml/2011/main" val="1"/>
             </a:ext>
           </a:extLst>
         </p:spPr>
@@ -919,14 +919,14 @@
           <a:effectLst/>
           <a:extLst>
             <a:ext uri="{909E8E84-426E-40dd-AFC4-6F175D3DCCD1}">
-              <a14:hiddenFill xmlns:a14="http://schemas.microsoft.com/office/drawing/2010/main" xmlns="">
+              <a14:hiddenFill xmlns="" xmlns:a14="http://schemas.microsoft.com/office/drawing/2010/main">
                 <a:solidFill>
                   <a:schemeClr val="accent1"/>
                 </a:solidFill>
               </a14:hiddenFill>
             </a:ext>
             <a:ext uri="{91240B29-F687-4f45-9708-019B960494DF}">
-              <a14:hiddenLine xmlns:a14="http://schemas.microsoft.com/office/drawing/2010/main" xmlns="" w="9525">
+              <a14:hiddenLine xmlns="" xmlns:a14="http://schemas.microsoft.com/office/drawing/2010/main" w="9525">
                 <a:solidFill>
                   <a:schemeClr val="tx1"/>
                 </a:solidFill>
@@ -936,7 +936,7 @@
               </a14:hiddenLine>
             </a:ext>
             <a:ext uri="{AF507438-7753-43e0-B8FC-AC1667EBCBE1}">
-              <a14:hiddenEffects xmlns:a14="http://schemas.microsoft.com/office/drawing/2010/main" xmlns="">
+              <a14:hiddenEffects xmlns="" xmlns:a14="http://schemas.microsoft.com/office/drawing/2010/main">
                 <a:effectLst>
                   <a:outerShdw blurRad="63500" dist="38099" dir="2700000" algn="ctr" rotWithShape="0">
                     <a:schemeClr val="bg2">
@@ -947,7 +947,7 @@
               </a14:hiddenEffects>
             </a:ext>
             <a:ext uri="{FAA26D3D-D897-4be2-8F04-BA451C77F1D7}">
-              <ma14:placeholderFlag xmlns:ma14="http://schemas.microsoft.com/office/mac/drawingml/2011/main" xmlns="" val="1"/>
+              <ma14:placeholderFlag xmlns="" xmlns:ma14="http://schemas.microsoft.com/office/mac/drawingml/2011/main" val="1"/>
             </a:ext>
           </a:extLst>
         </p:spPr>
@@ -977,7 +977,7 @@
     </p:spTree>
     <p:extLst>
       <p:ext uri="{BB962C8B-B14F-4D97-AF65-F5344CB8AC3E}">
-        <p14:creationId xmlns:p14="http://schemas.microsoft.com/office/powerpoint/2010/main" xmlns="" val="2576198581"/>
+        <p14:creationId xmlns="" xmlns:p14="http://schemas.microsoft.com/office/powerpoint/2010/main" val="2576198581"/>
       </p:ext>
     </p:extLst>
   </p:cSld>
@@ -1164,7 +1164,7 @@
           <a:ln/>
           <a:extLst>
             <a:ext uri="{FAA26D3D-D897-4be2-8F04-BA451C77F1D7}">
-              <ma14:placeholderFlag xmlns:ma14="http://schemas.microsoft.com/office/mac/drawingml/2011/main" xmlns="" val="1"/>
+              <ma14:placeholderFlag xmlns="" xmlns:ma14="http://schemas.microsoft.com/office/mac/drawingml/2011/main" val="1"/>
             </a:ext>
           </a:extLst>
         </p:spPr>
@@ -1557,7 +1557,7 @@
     </p:spTree>
     <p:extLst>
       <p:ext uri="{BB962C8B-B14F-4D97-AF65-F5344CB8AC3E}">
-        <p14:creationId xmlns:p14="http://schemas.microsoft.com/office/powerpoint/2010/main" xmlns="" val="3492493666"/>
+        <p14:creationId xmlns="" xmlns:p14="http://schemas.microsoft.com/office/powerpoint/2010/main" val="3492493666"/>
       </p:ext>
     </p:extLst>
   </p:cSld>
@@ -1746,7 +1746,7 @@
     </p:spTree>
     <p:extLst>
       <p:ext uri="{BB962C8B-B14F-4D97-AF65-F5344CB8AC3E}">
-        <p14:creationId xmlns:p14="http://schemas.microsoft.com/office/powerpoint/2010/main" xmlns="" val="2130529173"/>
+        <p14:creationId xmlns="" xmlns:p14="http://schemas.microsoft.com/office/powerpoint/2010/main" val="2130529173"/>
       </p:ext>
     </p:extLst>
   </p:cSld>
@@ -1925,7 +1925,7 @@
     </p:spTree>
     <p:extLst>
       <p:ext uri="{BB962C8B-B14F-4D97-AF65-F5344CB8AC3E}">
-        <p14:creationId xmlns:p14="http://schemas.microsoft.com/office/powerpoint/2010/main" xmlns="" val="2168672554"/>
+        <p14:creationId xmlns="" xmlns:p14="http://schemas.microsoft.com/office/powerpoint/2010/main" val="2168672554"/>
       </p:ext>
     </p:extLst>
   </p:cSld>
@@ -2126,7 +2126,7 @@
     </p:spTree>
     <p:extLst>
       <p:ext uri="{BB962C8B-B14F-4D97-AF65-F5344CB8AC3E}">
-        <p14:creationId xmlns:p14="http://schemas.microsoft.com/office/powerpoint/2010/main" xmlns="" val="2041034048"/>
+        <p14:creationId xmlns="" xmlns:p14="http://schemas.microsoft.com/office/powerpoint/2010/main" val="2041034048"/>
       </p:ext>
     </p:extLst>
   </p:cSld>
@@ -2423,7 +2423,7 @@
     </p:spTree>
     <p:extLst>
       <p:ext uri="{BB962C8B-B14F-4D97-AF65-F5344CB8AC3E}">
-        <p14:creationId xmlns:p14="http://schemas.microsoft.com/office/powerpoint/2010/main" xmlns="" val="1345925294"/>
+        <p14:creationId xmlns="" xmlns:p14="http://schemas.microsoft.com/office/powerpoint/2010/main" val="1345925294"/>
       </p:ext>
     </p:extLst>
   </p:cSld>
@@ -2859,7 +2859,7 @@
     </p:spTree>
     <p:extLst>
       <p:ext uri="{BB962C8B-B14F-4D97-AF65-F5344CB8AC3E}">
-        <p14:creationId xmlns:p14="http://schemas.microsoft.com/office/powerpoint/2010/main" xmlns="" val="1466134007"/>
+        <p14:creationId xmlns="" xmlns:p14="http://schemas.microsoft.com/office/powerpoint/2010/main" val="1466134007"/>
       </p:ext>
     </p:extLst>
   </p:cSld>
@@ -2986,7 +2986,7 @@
     </p:spTree>
     <p:extLst>
       <p:ext uri="{BB962C8B-B14F-4D97-AF65-F5344CB8AC3E}">
-        <p14:creationId xmlns:p14="http://schemas.microsoft.com/office/powerpoint/2010/main" xmlns="" val="1923237074"/>
+        <p14:creationId xmlns="" xmlns:p14="http://schemas.microsoft.com/office/powerpoint/2010/main" val="1923237074"/>
       </p:ext>
     </p:extLst>
   </p:cSld>
@@ -3090,7 +3090,7 @@
     </p:spTree>
     <p:extLst>
       <p:ext uri="{BB962C8B-B14F-4D97-AF65-F5344CB8AC3E}">
-        <p14:creationId xmlns:p14="http://schemas.microsoft.com/office/powerpoint/2010/main" xmlns="" val="854876253"/>
+        <p14:creationId xmlns="" xmlns:p14="http://schemas.microsoft.com/office/powerpoint/2010/main" val="854876253"/>
       </p:ext>
     </p:extLst>
   </p:cSld>
@@ -3376,7 +3376,7 @@
     </p:spTree>
     <p:extLst>
       <p:ext uri="{BB962C8B-B14F-4D97-AF65-F5344CB8AC3E}">
-        <p14:creationId xmlns:p14="http://schemas.microsoft.com/office/powerpoint/2010/main" xmlns="" val="2521535845"/>
+        <p14:creationId xmlns="" xmlns:p14="http://schemas.microsoft.com/office/powerpoint/2010/main" val="2521535845"/>
       </p:ext>
     </p:extLst>
   </p:cSld>
@@ -3642,7 +3642,7 @@
     </p:spTree>
     <p:extLst>
       <p:ext uri="{BB962C8B-B14F-4D97-AF65-F5344CB8AC3E}">
-        <p14:creationId xmlns:p14="http://schemas.microsoft.com/office/powerpoint/2010/main" xmlns="" val="3852825281"/>
+        <p14:creationId xmlns="" xmlns:p14="http://schemas.microsoft.com/office/powerpoint/2010/main" val="3852825281"/>
       </p:ext>
     </p:extLst>
   </p:cSld>
@@ -3706,14 +3706,14 @@
           <a:effectLst/>
           <a:extLst>
             <a:ext uri="{909E8E84-426E-40dd-AFC4-6F175D3DCCD1}">
-              <a14:hiddenFill xmlns:a14="http://schemas.microsoft.com/office/drawing/2010/main" xmlns="">
+              <a14:hiddenFill xmlns="" xmlns:a14="http://schemas.microsoft.com/office/drawing/2010/main">
                 <a:solidFill>
                   <a:schemeClr val="accent1"/>
                 </a:solidFill>
               </a14:hiddenFill>
             </a:ext>
             <a:ext uri="{91240B29-F687-4f45-9708-019B960494DF}">
-              <a14:hiddenLine xmlns:a14="http://schemas.microsoft.com/office/drawing/2010/main" xmlns="" w="9525">
+              <a14:hiddenLine xmlns="" xmlns:a14="http://schemas.microsoft.com/office/drawing/2010/main" w="9525">
                 <a:solidFill>
                   <a:schemeClr val="tx1"/>
                 </a:solidFill>
@@ -3723,7 +3723,7 @@
               </a14:hiddenLine>
             </a:ext>
             <a:ext uri="{AF507438-7753-43e0-B8FC-AC1667EBCBE1}">
-              <a14:hiddenEffects xmlns:a14="http://schemas.microsoft.com/office/drawing/2010/main" xmlns="">
+              <a14:hiddenEffects xmlns="" xmlns:a14="http://schemas.microsoft.com/office/drawing/2010/main">
                 <a:effectLst>
                   <a:outerShdw blurRad="63500" dist="38099" dir="2700000" algn="ctr" rotWithShape="0">
                     <a:schemeClr val="bg2">
@@ -3734,7 +3734,7 @@
               </a14:hiddenEffects>
             </a:ext>
             <a:ext uri="{FAA26D3D-D897-4be2-8F04-BA451C77F1D7}">
-              <ma14:placeholderFlag xmlns:ma14="http://schemas.microsoft.com/office/mac/drawingml/2011/main" xmlns="" val="1"/>
+              <ma14:placeholderFlag xmlns="" xmlns:ma14="http://schemas.microsoft.com/office/mac/drawingml/2011/main" val="1"/>
             </a:ext>
           </a:extLst>
         </p:spPr>
@@ -3779,14 +3779,14 @@
           <a:effectLst/>
           <a:extLst>
             <a:ext uri="{909E8E84-426E-40dd-AFC4-6F175D3DCCD1}">
-              <a14:hiddenFill xmlns:a14="http://schemas.microsoft.com/office/drawing/2010/main" xmlns="">
+              <a14:hiddenFill xmlns="" xmlns:a14="http://schemas.microsoft.com/office/drawing/2010/main">
                 <a:solidFill>
                   <a:schemeClr val="accent1"/>
                 </a:solidFill>
               </a14:hiddenFill>
             </a:ext>
             <a:ext uri="{91240B29-F687-4f45-9708-019B960494DF}">
-              <a14:hiddenLine xmlns:a14="http://schemas.microsoft.com/office/drawing/2010/main" xmlns="" w="9525">
+              <a14:hiddenLine xmlns="" xmlns:a14="http://schemas.microsoft.com/office/drawing/2010/main" w="9525">
                 <a:solidFill>
                   <a:schemeClr val="tx1"/>
                 </a:solidFill>
@@ -3796,7 +3796,7 @@
               </a14:hiddenLine>
             </a:ext>
             <a:ext uri="{AF507438-7753-43e0-B8FC-AC1667EBCBE1}">
-              <a14:hiddenEffects xmlns:a14="http://schemas.microsoft.com/office/drawing/2010/main" xmlns="">
+              <a14:hiddenEffects xmlns="" xmlns:a14="http://schemas.microsoft.com/office/drawing/2010/main">
                 <a:effectLst>
                   <a:outerShdw blurRad="63500" dist="38099" dir="2700000" algn="ctr" rotWithShape="0">
                     <a:schemeClr val="bg2">
@@ -3807,7 +3807,7 @@
               </a14:hiddenEffects>
             </a:ext>
             <a:ext uri="{FAA26D3D-D897-4be2-8F04-BA451C77F1D7}">
-              <ma14:placeholderFlag xmlns:ma14="http://schemas.microsoft.com/office/mac/drawingml/2011/main" xmlns="" val="1"/>
+              <ma14:placeholderFlag xmlns="" xmlns:ma14="http://schemas.microsoft.com/office/mac/drawingml/2011/main" val="1"/>
             </a:ext>
           </a:extLst>
         </p:spPr>
@@ -3880,14 +3880,14 @@
           <a:effectLst/>
           <a:extLst>
             <a:ext uri="{909E8E84-426E-40dd-AFC4-6F175D3DCCD1}">
-              <a14:hiddenFill xmlns:a14="http://schemas.microsoft.com/office/drawing/2010/main" xmlns="">
+              <a14:hiddenFill xmlns="" xmlns:a14="http://schemas.microsoft.com/office/drawing/2010/main">
                 <a:solidFill>
                   <a:schemeClr val="accent1"/>
                 </a:solidFill>
               </a14:hiddenFill>
             </a:ext>
             <a:ext uri="{91240B29-F687-4f45-9708-019B960494DF}">
-              <a14:hiddenLine xmlns:a14="http://schemas.microsoft.com/office/drawing/2010/main" xmlns="" w="9525">
+              <a14:hiddenLine xmlns="" xmlns:a14="http://schemas.microsoft.com/office/drawing/2010/main" w="9525">
                 <a:solidFill>
                   <a:schemeClr val="tx1"/>
                 </a:solidFill>
@@ -3897,7 +3897,7 @@
               </a14:hiddenLine>
             </a:ext>
             <a:ext uri="{AF507438-7753-43e0-B8FC-AC1667EBCBE1}">
-              <a14:hiddenEffects xmlns:a14="http://schemas.microsoft.com/office/drawing/2010/main" xmlns="">
+              <a14:hiddenEffects xmlns="" xmlns:a14="http://schemas.microsoft.com/office/drawing/2010/main">
                 <a:effectLst>
                   <a:outerShdw blurRad="63500" dist="38099" dir="2700000" algn="ctr" rotWithShape="0">
                     <a:schemeClr val="bg2">
@@ -3908,7 +3908,7 @@
               </a14:hiddenEffects>
             </a:ext>
             <a:ext uri="{FAA26D3D-D897-4be2-8F04-BA451C77F1D7}">
-              <ma14:placeholderFlag xmlns:ma14="http://schemas.microsoft.com/office/mac/drawingml/2011/main" xmlns="" val="1"/>
+              <ma14:placeholderFlag xmlns="" xmlns:ma14="http://schemas.microsoft.com/office/mac/drawingml/2011/main" val="1"/>
             </a:ext>
           </a:extLst>
         </p:spPr>
@@ -3958,14 +3958,14 @@
           <a:effectLst/>
           <a:extLst>
             <a:ext uri="{909E8E84-426E-40dd-AFC4-6F175D3DCCD1}">
-              <a14:hiddenFill xmlns:a14="http://schemas.microsoft.com/office/drawing/2010/main" xmlns="">
+              <a14:hiddenFill xmlns="" xmlns:a14="http://schemas.microsoft.com/office/drawing/2010/main">
                 <a:solidFill>
                   <a:schemeClr val="accent1"/>
                 </a:solidFill>
               </a14:hiddenFill>
             </a:ext>
             <a:ext uri="{91240B29-F687-4f45-9708-019B960494DF}">
-              <a14:hiddenLine xmlns:a14="http://schemas.microsoft.com/office/drawing/2010/main" xmlns="" w="9525">
+              <a14:hiddenLine xmlns="" xmlns:a14="http://schemas.microsoft.com/office/drawing/2010/main" w="9525">
                 <a:solidFill>
                   <a:schemeClr val="tx1"/>
                 </a:solidFill>
@@ -3975,7 +3975,7 @@
               </a14:hiddenLine>
             </a:ext>
             <a:ext uri="{AF507438-7753-43e0-B8FC-AC1667EBCBE1}">
-              <a14:hiddenEffects xmlns:a14="http://schemas.microsoft.com/office/drawing/2010/main" xmlns="">
+              <a14:hiddenEffects xmlns="" xmlns:a14="http://schemas.microsoft.com/office/drawing/2010/main">
                 <a:effectLst>
                   <a:outerShdw blurRad="63500" dist="38099" dir="2700000" algn="ctr" rotWithShape="0">
                     <a:schemeClr val="bg2">
@@ -3986,7 +3986,7 @@
               </a14:hiddenEffects>
             </a:ext>
             <a:ext uri="{FAA26D3D-D897-4be2-8F04-BA451C77F1D7}">
-              <ma14:placeholderFlag xmlns:ma14="http://schemas.microsoft.com/office/mac/drawingml/2011/main" xmlns="" val="1"/>
+              <ma14:placeholderFlag xmlns="" xmlns:ma14="http://schemas.microsoft.com/office/mac/drawingml/2011/main" val="1"/>
             </a:ext>
           </a:extLst>
         </p:spPr>
@@ -4036,14 +4036,14 @@
           <a:effectLst/>
           <a:extLst>
             <a:ext uri="{909E8E84-426E-40dd-AFC4-6F175D3DCCD1}">
-              <a14:hiddenFill xmlns:a14="http://schemas.microsoft.com/office/drawing/2010/main" xmlns="">
+              <a14:hiddenFill xmlns="" xmlns:a14="http://schemas.microsoft.com/office/drawing/2010/main">
                 <a:solidFill>
                   <a:schemeClr val="accent1"/>
                 </a:solidFill>
               </a14:hiddenFill>
             </a:ext>
             <a:ext uri="{91240B29-F687-4f45-9708-019B960494DF}">
-              <a14:hiddenLine xmlns:a14="http://schemas.microsoft.com/office/drawing/2010/main" xmlns="" w="9525">
+              <a14:hiddenLine xmlns="" xmlns:a14="http://schemas.microsoft.com/office/drawing/2010/main" w="9525">
                 <a:solidFill>
                   <a:schemeClr val="tx1"/>
                 </a:solidFill>
@@ -4053,7 +4053,7 @@
               </a14:hiddenLine>
             </a:ext>
             <a:ext uri="{AF507438-7753-43e0-B8FC-AC1667EBCBE1}">
-              <a14:hiddenEffects xmlns:a14="http://schemas.microsoft.com/office/drawing/2010/main" xmlns="">
+              <a14:hiddenEffects xmlns="" xmlns:a14="http://schemas.microsoft.com/office/drawing/2010/main">
                 <a:effectLst>
                   <a:outerShdw blurRad="63500" dist="38099" dir="2700000" algn="ctr" rotWithShape="0">
                     <a:schemeClr val="bg2">
@@ -4064,7 +4064,7 @@
               </a14:hiddenEffects>
             </a:ext>
             <a:ext uri="{FAA26D3D-D897-4be2-8F04-BA451C77F1D7}">
-              <ma14:placeholderFlag xmlns:ma14="http://schemas.microsoft.com/office/mac/drawingml/2011/main" xmlns="" val="1"/>
+              <ma14:placeholderFlag xmlns="" xmlns:ma14="http://schemas.microsoft.com/office/mac/drawingml/2011/main" val="1"/>
             </a:ext>
           </a:extLst>
         </p:spPr>
@@ -4716,34 +4716,106 @@
           <a:lstStyle/>
           <a:p>
             <a:r>
-              <a:rPr kumimoji="1" lang="zh-CN" altLang="en-US" dirty="0" smtClean="0"/>
-              <a:t>缓存</a:t>
-            </a:r>
-            <a:r>
-              <a:rPr kumimoji="1" lang="zh-CN" altLang="en-US" dirty="0" smtClean="0"/>
-              <a:t>框架</a:t>
-            </a:r>
-            <a:endParaRPr kumimoji="1" lang="zh-CN" altLang="en-US" dirty="0"/>
+              <a:rPr lang="zh-CN" altLang="en-US" dirty="0" smtClean="0"/>
+              <a:t>缓存框架</a:t>
+            </a:r>
+            <a:endParaRPr lang="zh-CN" altLang="en-US" dirty="0"/>
+          </a:p>
+        </p:txBody>
+      </p:sp>
+      <p:sp>
+        <p:nvSpPr>
+          <p:cNvPr id="3" name="内容占位符 2"/>
+          <p:cNvSpPr>
+            <a:spLocks noGrp="1"/>
+          </p:cNvSpPr>
+          <p:nvPr>
+            <p:ph idx="1"/>
+          </p:nvPr>
+        </p:nvSpPr>
+        <p:spPr/>
+        <p:txBody>
+          <a:bodyPr/>
+          <a:lstStyle/>
+          <a:p>
+            <a:r>
+              <a:rPr lang="en-US" altLang="zh-CN" dirty="0" err="1" smtClean="0"/>
+              <a:t>Ehcache</a:t>
+            </a:r>
+            <a:r>
+              <a:rPr lang="en-US" altLang="zh-CN" dirty="0" smtClean="0"/>
+              <a:t> JVM</a:t>
+            </a:r>
+            <a:r>
+              <a:rPr lang="zh-CN" altLang="en-US" dirty="0" smtClean="0"/>
+              <a:t>中缓存，轻巧、高效；分布式应用性能低</a:t>
+            </a:r>
+            <a:r>
+              <a:rPr lang="en-US" altLang="zh-CN" dirty="0" smtClean="0"/>
+              <a:t>,</a:t>
+            </a:r>
+            <a:r>
+              <a:rPr lang="zh-CN" altLang="en-US" dirty="0" smtClean="0"/>
+              <a:t>适合单体应用；</a:t>
+            </a:r>
+            <a:endParaRPr lang="en-US" altLang="zh-CN" dirty="0" smtClean="0"/>
+          </a:p>
+          <a:p>
+            <a:r>
+              <a:rPr lang="en-US" altLang="zh-CN" dirty="0" err="1" smtClean="0"/>
+              <a:t>R</a:t>
+            </a:r>
+            <a:r>
+              <a:rPr lang="en-US" altLang="zh-CN" dirty="0" err="1" smtClean="0"/>
+              <a:t>edis</a:t>
+            </a:r>
+            <a:r>
+              <a:rPr lang="en-US" altLang="zh-CN" dirty="0" smtClean="0"/>
+              <a:t> </a:t>
+            </a:r>
+            <a:r>
+              <a:rPr lang="zh-CN" altLang="en-US" dirty="0" smtClean="0"/>
+              <a:t>效率不如</a:t>
+            </a:r>
+            <a:r>
+              <a:rPr lang="en-US" altLang="zh-CN" dirty="0" err="1" smtClean="0"/>
+              <a:t>ehcache</a:t>
+            </a:r>
+            <a:r>
+              <a:rPr lang="zh-CN" altLang="en-US" dirty="0" smtClean="0"/>
+              <a:t>高，为分布式应用而生；</a:t>
+            </a:r>
+            <a:endParaRPr lang="en-US" altLang="zh-CN" dirty="0" smtClean="0"/>
+          </a:p>
+          <a:p>
+            <a:endParaRPr lang="en-US" altLang="zh-CN" dirty="0" smtClean="0"/>
+          </a:p>
+          <a:p>
+            <a:r>
+              <a:rPr lang="zh-CN" altLang="en-US" dirty="0" smtClean="0"/>
+              <a:t>使用</a:t>
+            </a:r>
+            <a:r>
+              <a:rPr lang="en-US" altLang="zh-CN" dirty="0" smtClean="0"/>
+              <a:t>spring-session + </a:t>
+            </a:r>
+            <a:r>
+              <a:rPr lang="en-US" altLang="zh-CN" dirty="0" err="1" smtClean="0"/>
+              <a:t>redis</a:t>
+            </a:r>
+            <a:r>
+              <a:rPr lang="zh-CN" altLang="en-US" dirty="0" smtClean="0"/>
+              <a:t>做会话共享很方便；</a:t>
+            </a:r>
+            <a:endParaRPr lang="zh-CN" altLang="en-US" dirty="0"/>
           </a:p>
         </p:txBody>
       </p:sp>
     </p:spTree>
-    <p:extLst>
-      <p:ext uri="{BB962C8B-B14F-4D97-AF65-F5344CB8AC3E}">
-        <p14:creationId xmlns:p14="http://schemas.microsoft.com/office/powerpoint/2010/main" xmlns="" val="2359040908"/>
-      </p:ext>
-    </p:extLst>
   </p:cSld>
   <p:clrMapOvr>
     <a:masterClrMapping/>
   </p:clrMapOvr>
-  <p:timing>
-    <p:tnLst>
-      <p:par>
-        <p:cTn id="1" dur="indefinite" restart="never" nodeType="tmRoot"/>
-      </p:par>
-    </p:tnLst>
-  </p:timing>
 </p:sld>
 </file>
 
@@ -4781,11 +4853,7 @@
           <a:p>
             <a:r>
               <a:rPr lang="zh-CN" altLang="en-US" dirty="0" smtClean="0"/>
-              <a:t>模</a:t>
-            </a:r>
-            <a:r>
-              <a:rPr lang="zh-CN" altLang="en-US" dirty="0" smtClean="0"/>
-              <a:t>版语言</a:t>
+              <a:t>模版语言</a:t>
             </a:r>
             <a:endParaRPr lang="zh-CN" altLang="en-US" dirty="0"/>
           </a:p>
@@ -4806,7 +4874,75 @@
           <a:bodyPr/>
           <a:lstStyle/>
           <a:p>
-            <a:endParaRPr lang="zh-CN" altLang="en-US"/>
+            <a:r>
+              <a:rPr lang="en-US" altLang="zh-CN" dirty="0" err="1" smtClean="0"/>
+              <a:t>Freemarker</a:t>
+            </a:r>
+            <a:r>
+              <a:rPr lang="en-US" altLang="zh-CN" dirty="0" smtClean="0"/>
+              <a:t> </a:t>
+            </a:r>
+            <a:r>
+              <a:rPr lang="zh-CN" altLang="en-US" dirty="0" smtClean="0"/>
+              <a:t>功能强大、丰富的标签</a:t>
+            </a:r>
+            <a:endParaRPr lang="en-US" altLang="zh-CN" dirty="0" smtClean="0"/>
+          </a:p>
+          <a:p>
+            <a:r>
+              <a:rPr lang="en-US" altLang="zh-CN" dirty="0" smtClean="0"/>
+              <a:t>Velocity </a:t>
+            </a:r>
+            <a:r>
+              <a:rPr lang="zh-CN" altLang="en-US" dirty="0" smtClean="0"/>
+              <a:t>老牌模版语言</a:t>
+            </a:r>
+            <a:endParaRPr lang="en-US" altLang="zh-CN" dirty="0" smtClean="0"/>
+          </a:p>
+          <a:p>
+            <a:r>
+              <a:rPr lang="en-US" altLang="zh-CN" dirty="0" err="1" smtClean="0"/>
+              <a:t>Thymelife</a:t>
+            </a:r>
+            <a:r>
+              <a:rPr lang="en-US" altLang="zh-CN" dirty="0" smtClean="0"/>
+              <a:t> </a:t>
+            </a:r>
+            <a:r>
+              <a:rPr lang="zh-CN" altLang="en-US" dirty="0" smtClean="0"/>
+              <a:t>方便前后端分离开发，</a:t>
+            </a:r>
+            <a:r>
+              <a:rPr lang="en-US" altLang="zh-CN" dirty="0" smtClean="0"/>
+              <a:t>spring-boot</a:t>
+            </a:r>
+            <a:r>
+              <a:rPr lang="zh-CN" altLang="en-US" dirty="0" smtClean="0"/>
+              <a:t>官方默认，性能低</a:t>
+            </a:r>
+            <a:endParaRPr lang="en-US" altLang="zh-CN" dirty="0" smtClean="0"/>
+          </a:p>
+          <a:p>
+            <a:r>
+              <a:rPr lang="en-US" altLang="zh-CN" dirty="0" err="1" smtClean="0"/>
+              <a:t>Beetl</a:t>
+            </a:r>
+            <a:r>
+              <a:rPr lang="en-US" altLang="zh-CN" dirty="0" smtClean="0"/>
+              <a:t> </a:t>
+            </a:r>
+            <a:r>
+              <a:rPr lang="zh-CN" altLang="en-US" dirty="0" smtClean="0"/>
+              <a:t>轻巧</a:t>
+            </a:r>
+            <a:r>
+              <a:rPr lang="zh-CN" altLang="en-US" smtClean="0"/>
+              <a:t>、高性能</a:t>
+            </a:r>
+            <a:endParaRPr lang="en-US" altLang="zh-CN" dirty="0" smtClean="0"/>
+          </a:p>
+          <a:p>
+            <a:endParaRPr lang="zh-CN" altLang="en-US" dirty="0"/>
           </a:p>
         </p:txBody>
       </p:sp>
@@ -4852,11 +4988,7 @@
           <a:p>
             <a:r>
               <a:rPr lang="zh-CN" altLang="en-US" dirty="0" smtClean="0"/>
-              <a:t>辅助</a:t>
-            </a:r>
-            <a:r>
-              <a:rPr lang="zh-CN" altLang="en-US" dirty="0" smtClean="0"/>
-              <a:t>类组件</a:t>
+              <a:t>辅助类组件</a:t>
             </a:r>
             <a:endParaRPr lang="zh-CN" altLang="en-US" dirty="0"/>
           </a:p>
@@ -5123,7 +5255,7 @@
           <a:blip r:embed="rId2">
             <a:extLst>
               <a:ext uri="{28A0092B-C50C-407E-A947-70E740481C1C}">
-                <a14:useLocalDpi xmlns:a14="http://schemas.microsoft.com/office/drawing/2010/main" xmlns="" val="0"/>
+                <a14:useLocalDpi xmlns="" xmlns:a14="http://schemas.microsoft.com/office/drawing/2010/main" val="0"/>
               </a:ext>
             </a:extLst>
           </a:blip>
@@ -5137,7 +5269,7 @@
     </p:spTree>
     <p:extLst>
       <p:ext uri="{BB962C8B-B14F-4D97-AF65-F5344CB8AC3E}">
-        <p14:creationId xmlns:p14="http://schemas.microsoft.com/office/powerpoint/2010/main" xmlns="" val="331713512"/>
+        <p14:creationId xmlns="" xmlns:p14="http://schemas.microsoft.com/office/powerpoint/2010/main" val="331713512"/>
       </p:ext>
     </p:extLst>
   </p:cSld>
@@ -5244,7 +5376,7 @@
     </p:spTree>
     <p:extLst>
       <p:ext uri="{BB962C8B-B14F-4D97-AF65-F5344CB8AC3E}">
-        <p14:creationId xmlns:p14="http://schemas.microsoft.com/office/powerpoint/2010/main" xmlns="" val="637127457"/>
+        <p14:creationId xmlns="" xmlns:p14="http://schemas.microsoft.com/office/powerpoint/2010/main" val="637127457"/>
       </p:ext>
     </p:extLst>
   </p:cSld>
@@ -5315,7 +5447,7 @@
           <a:blip r:embed="rId2">
             <a:extLst>
               <a:ext uri="{28A0092B-C50C-407E-A947-70E740481C1C}">
-                <a14:useLocalDpi xmlns:a14="http://schemas.microsoft.com/office/drawing/2010/main" xmlns="" val="0"/>
+                <a14:useLocalDpi xmlns="" xmlns:a14="http://schemas.microsoft.com/office/drawing/2010/main" val="0"/>
               </a:ext>
             </a:extLst>
           </a:blip>
@@ -5329,7 +5461,7 @@
     </p:spTree>
     <p:extLst>
       <p:ext uri="{BB962C8B-B14F-4D97-AF65-F5344CB8AC3E}">
-        <p14:creationId xmlns:p14="http://schemas.microsoft.com/office/powerpoint/2010/main" xmlns="" val="1318804756"/>
+        <p14:creationId xmlns="" xmlns:p14="http://schemas.microsoft.com/office/powerpoint/2010/main" val="1318804756"/>
       </p:ext>
     </p:extLst>
   </p:cSld>
@@ -5436,7 +5568,7 @@
     </p:spTree>
     <p:extLst>
       <p:ext uri="{BB962C8B-B14F-4D97-AF65-F5344CB8AC3E}">
-        <p14:creationId xmlns:p14="http://schemas.microsoft.com/office/powerpoint/2010/main" xmlns="" val="3822040949"/>
+        <p14:creationId xmlns="" xmlns:p14="http://schemas.microsoft.com/office/powerpoint/2010/main" val="3822040949"/>
       </p:ext>
     </p:extLst>
   </p:cSld>
@@ -5579,7 +5711,7 @@
     </p:spTree>
     <p:extLst>
       <p:ext uri="{BB962C8B-B14F-4D97-AF65-F5344CB8AC3E}">
-        <p14:creationId xmlns:p14="http://schemas.microsoft.com/office/powerpoint/2010/main" xmlns="" val="3874406449"/>
+        <p14:creationId xmlns="" xmlns:p14="http://schemas.microsoft.com/office/powerpoint/2010/main" val="3874406449"/>
       </p:ext>
     </p:extLst>
   </p:cSld>
@@ -5710,7 +5842,7 @@
     </p:spTree>
     <p:extLst>
       <p:ext uri="{BB962C8B-B14F-4D97-AF65-F5344CB8AC3E}">
-        <p14:creationId xmlns:p14="http://schemas.microsoft.com/office/powerpoint/2010/main" xmlns="" val="1727775272"/>
+        <p14:creationId xmlns="" xmlns:p14="http://schemas.microsoft.com/office/powerpoint/2010/main" val="1727775272"/>
       </p:ext>
     </p:extLst>
   </p:cSld>
@@ -5761,11 +5893,7 @@
           <a:p>
             <a:r>
               <a:rPr kumimoji="1" lang="zh-CN" altLang="en-US" dirty="0" smtClean="0"/>
-              <a:t>持久</a:t>
-            </a:r>
-            <a:r>
-              <a:rPr kumimoji="1" lang="zh-CN" altLang="en-US" dirty="0" smtClean="0"/>
-              <a:t>化方案</a:t>
+              <a:t>持久化方案</a:t>
             </a:r>
             <a:endParaRPr kumimoji="1" lang="zh-CN" altLang="en-US" dirty="0"/>
           </a:p>
@@ -5781,7 +5909,7 @@
             <p:ph idx="1"/>
             <p:extLst>
               <p:ext uri="{D42A27DB-BD31-4B8C-83A1-F6EECF244321}">
-                <p14:modId xmlns:p14="http://schemas.microsoft.com/office/powerpoint/2010/main" xmlns="" val="2180013484"/>
+                <p14:modId xmlns="" xmlns:p14="http://schemas.microsoft.com/office/powerpoint/2010/main" val="2180013484"/>
               </p:ext>
             </p:extLst>
           </p:nvPr>
@@ -6205,7 +6333,7 @@
     </p:spTree>
     <p:extLst>
       <p:ext uri="{BB962C8B-B14F-4D97-AF65-F5344CB8AC3E}">
-        <p14:creationId xmlns:p14="http://schemas.microsoft.com/office/powerpoint/2010/main" xmlns="" val="2009634093"/>
+        <p14:creationId xmlns="" xmlns:p14="http://schemas.microsoft.com/office/powerpoint/2010/main" val="2009634093"/>
       </p:ext>
     </p:extLst>
   </p:cSld>
@@ -6256,11 +6384,7 @@
           <a:p>
             <a:r>
               <a:rPr kumimoji="1" lang="zh-CN" altLang="en-US" dirty="0" smtClean="0"/>
-              <a:t>安全</a:t>
-            </a:r>
-            <a:r>
-              <a:rPr kumimoji="1" lang="zh-CN" altLang="en-US" dirty="0" smtClean="0"/>
-              <a:t>框架</a:t>
+              <a:t>安全框架</a:t>
             </a:r>
             <a:endParaRPr kumimoji="1" lang="zh-CN" altLang="en-US" dirty="0"/>
           </a:p>
@@ -6297,7 +6421,7 @@
           <p:nvPr>
             <p:extLst>
               <p:ext uri="{D42A27DB-BD31-4B8C-83A1-F6EECF244321}">
-                <p14:modId xmlns:p14="http://schemas.microsoft.com/office/powerpoint/2010/main" xmlns="" val="1835322012"/>
+                <p14:modId xmlns="" xmlns:p14="http://schemas.microsoft.com/office/powerpoint/2010/main" val="1835322012"/>
               </p:ext>
             </p:extLst>
           </p:nvPr>
@@ -6782,7 +6906,7 @@
     </p:spTree>
     <p:extLst>
       <p:ext uri="{BB962C8B-B14F-4D97-AF65-F5344CB8AC3E}">
-        <p14:creationId xmlns:p14="http://schemas.microsoft.com/office/powerpoint/2010/main" xmlns="" val="1397413194"/>
+        <p14:creationId xmlns="" xmlns:p14="http://schemas.microsoft.com/office/powerpoint/2010/main" val="1397413194"/>
       </p:ext>
     </p:extLst>
   </p:cSld>
@@ -7045,7 +7169,7 @@
         <a:effectLst/>
         <a:extLst>
           <a:ext uri="{AF507438-7753-43e0-B8FC-AC1667EBCBE1}">
-            <a14:hiddenEffects xmlns:a14="http://schemas.microsoft.com/office/drawing/2010/main" xmlns="">
+            <a14:hiddenEffects xmlns="" xmlns:a14="http://schemas.microsoft.com/office/drawing/2010/main">
               <a:effectLst>
                 <a:outerShdw blurRad="63500" dist="38099" dir="2700000" algn="ctr" rotWithShape="0">
                   <a:schemeClr val="bg2">
@@ -7121,7 +7245,7 @@
         <a:effectLst/>
         <a:extLst>
           <a:ext uri="{AF507438-7753-43e0-B8FC-AC1667EBCBE1}">
-            <a14:hiddenEffects xmlns:a14="http://schemas.microsoft.com/office/drawing/2010/main" xmlns="">
+            <a14:hiddenEffects xmlns="" xmlns:a14="http://schemas.microsoft.com/office/drawing/2010/main">
               <a:effectLst>
                 <a:outerShdw blurRad="63500" dist="38099" dir="2700000" algn="ctr" rotWithShape="0">
                   <a:schemeClr val="bg2">

--- a/系统框架.pptx
+++ b/系统框架.pptx
@@ -5,10 +5,10 @@
     <p:sldMasterId id="2147483648" r:id="rId1"/>
   </p:sldMasterIdLst>
   <p:notesMasterIdLst>
-    <p:notesMasterId r:id="rId16"/>
+    <p:notesMasterId r:id="rId17"/>
   </p:notesMasterIdLst>
   <p:handoutMasterIdLst>
-    <p:handoutMasterId r:id="rId17"/>
+    <p:handoutMasterId r:id="rId18"/>
   </p:handoutMasterIdLst>
   <p:sldIdLst>
     <p:sldId id="256" r:id="rId2"/>
@@ -25,6 +25,7 @@
     <p:sldId id="269" r:id="rId13"/>
     <p:sldId id="270" r:id="rId14"/>
     <p:sldId id="271" r:id="rId15"/>
+    <p:sldId id="273" r:id="rId16"/>
   </p:sldIdLst>
   <p:sldSz cx="9906000" cy="6858000" type="A4"/>
   <p:notesSz cx="6858000" cy="9144000"/>
@@ -206,14 +207,14 @@
           <a:effectLst/>
           <a:extLst>
             <a:ext uri="{909E8E84-426E-40dd-AFC4-6F175D3DCCD1}">
-              <a14:hiddenFill xmlns="" xmlns:a14="http://schemas.microsoft.com/office/drawing/2010/main">
+              <a14:hiddenFill xmlns:a14="http://schemas.microsoft.com/office/drawing/2010/main">
                 <a:solidFill>
                   <a:schemeClr val="accent1"/>
                 </a:solidFill>
               </a14:hiddenFill>
             </a:ext>
             <a:ext uri="{91240B29-F687-4f45-9708-019B960494DF}">
-              <a14:hiddenLine xmlns="" xmlns:a14="http://schemas.microsoft.com/office/drawing/2010/main" w="9525">
+              <a14:hiddenLine xmlns:a14="http://schemas.microsoft.com/office/drawing/2010/main" w="9525">
                 <a:solidFill>
                   <a:schemeClr val="tx1"/>
                 </a:solidFill>
@@ -223,7 +224,7 @@
               </a14:hiddenLine>
             </a:ext>
             <a:ext uri="{AF507438-7753-43e0-B8FC-AC1667EBCBE1}">
-              <a14:hiddenEffects xmlns="" xmlns:a14="http://schemas.microsoft.com/office/drawing/2010/main">
+              <a14:hiddenEffects xmlns:a14="http://schemas.microsoft.com/office/drawing/2010/main">
                 <a:effectLst>
                   <a:outerShdw blurRad="63500" dist="38099" dir="2700000" algn="ctr" rotWithShape="0">
                     <a:schemeClr val="bg2">
@@ -234,7 +235,7 @@
               </a14:hiddenEffects>
             </a:ext>
             <a:ext uri="{FAA26D3D-D897-4be2-8F04-BA451C77F1D7}">
-              <ma14:placeholderFlag xmlns="" xmlns:ma14="http://schemas.microsoft.com/office/mac/drawingml/2011/main" val="1"/>
+              <ma14:placeholderFlag xmlns:ma14="http://schemas.microsoft.com/office/mac/drawingml/2011/main" val="1"/>
             </a:ext>
           </a:extLst>
         </p:spPr>
@@ -281,14 +282,14 @@
           <a:effectLst/>
           <a:extLst>
             <a:ext uri="{909E8E84-426E-40dd-AFC4-6F175D3DCCD1}">
-              <a14:hiddenFill xmlns="" xmlns:a14="http://schemas.microsoft.com/office/drawing/2010/main">
+              <a14:hiddenFill xmlns:a14="http://schemas.microsoft.com/office/drawing/2010/main">
                 <a:solidFill>
                   <a:schemeClr val="accent1"/>
                 </a:solidFill>
               </a14:hiddenFill>
             </a:ext>
             <a:ext uri="{91240B29-F687-4f45-9708-019B960494DF}">
-              <a14:hiddenLine xmlns="" xmlns:a14="http://schemas.microsoft.com/office/drawing/2010/main" w="9525">
+              <a14:hiddenLine xmlns:a14="http://schemas.microsoft.com/office/drawing/2010/main" w="9525">
                 <a:solidFill>
                   <a:schemeClr val="tx1"/>
                 </a:solidFill>
@@ -298,7 +299,7 @@
               </a14:hiddenLine>
             </a:ext>
             <a:ext uri="{AF507438-7753-43e0-B8FC-AC1667EBCBE1}">
-              <a14:hiddenEffects xmlns="" xmlns:a14="http://schemas.microsoft.com/office/drawing/2010/main">
+              <a14:hiddenEffects xmlns:a14="http://schemas.microsoft.com/office/drawing/2010/main">
                 <a:effectLst>
                   <a:outerShdw blurRad="63500" dist="38099" dir="2700000" algn="ctr" rotWithShape="0">
                     <a:schemeClr val="bg2">
@@ -309,7 +310,7 @@
               </a14:hiddenEffects>
             </a:ext>
             <a:ext uri="{FAA26D3D-D897-4be2-8F04-BA451C77F1D7}">
-              <ma14:placeholderFlag xmlns="" xmlns:ma14="http://schemas.microsoft.com/office/mac/drawingml/2011/main" val="1"/>
+              <ma14:placeholderFlag xmlns:ma14="http://schemas.microsoft.com/office/mac/drawingml/2011/main" val="1"/>
             </a:ext>
           </a:extLst>
         </p:spPr>
@@ -356,14 +357,14 @@
           <a:effectLst/>
           <a:extLst>
             <a:ext uri="{909E8E84-426E-40dd-AFC4-6F175D3DCCD1}">
-              <a14:hiddenFill xmlns="" xmlns:a14="http://schemas.microsoft.com/office/drawing/2010/main">
+              <a14:hiddenFill xmlns:a14="http://schemas.microsoft.com/office/drawing/2010/main">
                 <a:solidFill>
                   <a:schemeClr val="accent1"/>
                 </a:solidFill>
               </a14:hiddenFill>
             </a:ext>
             <a:ext uri="{91240B29-F687-4f45-9708-019B960494DF}">
-              <a14:hiddenLine xmlns="" xmlns:a14="http://schemas.microsoft.com/office/drawing/2010/main" w="9525">
+              <a14:hiddenLine xmlns:a14="http://schemas.microsoft.com/office/drawing/2010/main" w="9525">
                 <a:solidFill>
                   <a:schemeClr val="tx1"/>
                 </a:solidFill>
@@ -373,7 +374,7 @@
               </a14:hiddenLine>
             </a:ext>
             <a:ext uri="{AF507438-7753-43e0-B8FC-AC1667EBCBE1}">
-              <a14:hiddenEffects xmlns="" xmlns:a14="http://schemas.microsoft.com/office/drawing/2010/main">
+              <a14:hiddenEffects xmlns:a14="http://schemas.microsoft.com/office/drawing/2010/main">
                 <a:effectLst>
                   <a:outerShdw blurRad="63500" dist="38099" dir="2700000" algn="ctr" rotWithShape="0">
                     <a:schemeClr val="bg2">
@@ -384,7 +385,7 @@
               </a14:hiddenEffects>
             </a:ext>
             <a:ext uri="{FAA26D3D-D897-4be2-8F04-BA451C77F1D7}">
-              <ma14:placeholderFlag xmlns="" xmlns:ma14="http://schemas.microsoft.com/office/mac/drawingml/2011/main" val="1"/>
+              <ma14:placeholderFlag xmlns:ma14="http://schemas.microsoft.com/office/mac/drawingml/2011/main" val="1"/>
             </a:ext>
           </a:extLst>
         </p:spPr>
@@ -431,14 +432,14 @@
           <a:effectLst/>
           <a:extLst>
             <a:ext uri="{909E8E84-426E-40dd-AFC4-6F175D3DCCD1}">
-              <a14:hiddenFill xmlns="" xmlns:a14="http://schemas.microsoft.com/office/drawing/2010/main">
+              <a14:hiddenFill xmlns:a14="http://schemas.microsoft.com/office/drawing/2010/main">
                 <a:solidFill>
                   <a:schemeClr val="accent1"/>
                 </a:solidFill>
               </a14:hiddenFill>
             </a:ext>
             <a:ext uri="{91240B29-F687-4f45-9708-019B960494DF}">
-              <a14:hiddenLine xmlns="" xmlns:a14="http://schemas.microsoft.com/office/drawing/2010/main" w="9525">
+              <a14:hiddenLine xmlns:a14="http://schemas.microsoft.com/office/drawing/2010/main" w="9525">
                 <a:solidFill>
                   <a:schemeClr val="tx1"/>
                 </a:solidFill>
@@ -448,7 +449,7 @@
               </a14:hiddenLine>
             </a:ext>
             <a:ext uri="{AF507438-7753-43e0-B8FC-AC1667EBCBE1}">
-              <a14:hiddenEffects xmlns="" xmlns:a14="http://schemas.microsoft.com/office/drawing/2010/main">
+              <a14:hiddenEffects xmlns:a14="http://schemas.microsoft.com/office/drawing/2010/main">
                 <a:effectLst>
                   <a:outerShdw blurRad="63500" dist="38099" dir="2700000" algn="ctr" rotWithShape="0">
                     <a:schemeClr val="bg2">
@@ -459,7 +460,7 @@
               </a14:hiddenEffects>
             </a:ext>
             <a:ext uri="{FAA26D3D-D897-4be2-8F04-BA451C77F1D7}">
-              <ma14:placeholderFlag xmlns="" xmlns:ma14="http://schemas.microsoft.com/office/mac/drawingml/2011/main" val="1"/>
+              <ma14:placeholderFlag xmlns:ma14="http://schemas.microsoft.com/office/mac/drawingml/2011/main" val="1"/>
             </a:ext>
           </a:extLst>
         </p:spPr>
@@ -489,7 +490,7 @@
     </p:spTree>
     <p:extLst>
       <p:ext uri="{BB962C8B-B14F-4D97-AF65-F5344CB8AC3E}">
-        <p14:creationId xmlns="" xmlns:p14="http://schemas.microsoft.com/office/powerpoint/2010/main" val="3148490480"/>
+        <p14:creationId xmlns:p14="http://schemas.microsoft.com/office/powerpoint/2010/main" val="3148490480"/>
       </p:ext>
     </p:extLst>
   </p:cSld>
@@ -547,14 +548,14 @@
           <a:effectLst/>
           <a:extLst>
             <a:ext uri="{909E8E84-426E-40dd-AFC4-6F175D3DCCD1}">
-              <a14:hiddenFill xmlns="" xmlns:a14="http://schemas.microsoft.com/office/drawing/2010/main">
+              <a14:hiddenFill xmlns:a14="http://schemas.microsoft.com/office/drawing/2010/main">
                 <a:solidFill>
                   <a:schemeClr val="accent1"/>
                 </a:solidFill>
               </a14:hiddenFill>
             </a:ext>
             <a:ext uri="{91240B29-F687-4f45-9708-019B960494DF}">
-              <a14:hiddenLine xmlns="" xmlns:a14="http://schemas.microsoft.com/office/drawing/2010/main" w="9525">
+              <a14:hiddenLine xmlns:a14="http://schemas.microsoft.com/office/drawing/2010/main" w="9525">
                 <a:solidFill>
                   <a:schemeClr val="tx1"/>
                 </a:solidFill>
@@ -564,7 +565,7 @@
               </a14:hiddenLine>
             </a:ext>
             <a:ext uri="{AF507438-7753-43e0-B8FC-AC1667EBCBE1}">
-              <a14:hiddenEffects xmlns="" xmlns:a14="http://schemas.microsoft.com/office/drawing/2010/main">
+              <a14:hiddenEffects xmlns:a14="http://schemas.microsoft.com/office/drawing/2010/main">
                 <a:effectLst>
                   <a:outerShdw blurRad="63500" dist="38099" dir="2700000" algn="ctr" rotWithShape="0">
                     <a:schemeClr val="bg2">
@@ -575,7 +576,7 @@
               </a14:hiddenEffects>
             </a:ext>
             <a:ext uri="{FAA26D3D-D897-4be2-8F04-BA451C77F1D7}">
-              <ma14:placeholderFlag xmlns="" xmlns:ma14="http://schemas.microsoft.com/office/mac/drawingml/2011/main" val="1"/>
+              <ma14:placeholderFlag xmlns:ma14="http://schemas.microsoft.com/office/mac/drawingml/2011/main" val="1"/>
             </a:ext>
           </a:extLst>
         </p:spPr>
@@ -622,14 +623,14 @@
           <a:effectLst/>
           <a:extLst>
             <a:ext uri="{909E8E84-426E-40dd-AFC4-6F175D3DCCD1}">
-              <a14:hiddenFill xmlns="" xmlns:a14="http://schemas.microsoft.com/office/drawing/2010/main">
+              <a14:hiddenFill xmlns:a14="http://schemas.microsoft.com/office/drawing/2010/main">
                 <a:solidFill>
                   <a:schemeClr val="accent1"/>
                 </a:solidFill>
               </a14:hiddenFill>
             </a:ext>
             <a:ext uri="{91240B29-F687-4f45-9708-019B960494DF}">
-              <a14:hiddenLine xmlns="" xmlns:a14="http://schemas.microsoft.com/office/drawing/2010/main" w="9525">
+              <a14:hiddenLine xmlns:a14="http://schemas.microsoft.com/office/drawing/2010/main" w="9525">
                 <a:solidFill>
                   <a:schemeClr val="tx1"/>
                 </a:solidFill>
@@ -639,7 +640,7 @@
               </a14:hiddenLine>
             </a:ext>
             <a:ext uri="{AF507438-7753-43e0-B8FC-AC1667EBCBE1}">
-              <a14:hiddenEffects xmlns="" xmlns:a14="http://schemas.microsoft.com/office/drawing/2010/main">
+              <a14:hiddenEffects xmlns:a14="http://schemas.microsoft.com/office/drawing/2010/main">
                 <a:effectLst>
                   <a:outerShdw blurRad="63500" dist="38099" dir="2700000" algn="ctr" rotWithShape="0">
                     <a:schemeClr val="bg2">
@@ -650,7 +651,7 @@
               </a14:hiddenEffects>
             </a:ext>
             <a:ext uri="{FAA26D3D-D897-4be2-8F04-BA451C77F1D7}">
-              <ma14:placeholderFlag xmlns="" xmlns:ma14="http://schemas.microsoft.com/office/mac/drawingml/2011/main" val="1"/>
+              <ma14:placeholderFlag xmlns:ma14="http://schemas.microsoft.com/office/mac/drawingml/2011/main" val="1"/>
             </a:ext>
           </a:extLst>
         </p:spPr>
@@ -702,7 +703,7 @@
           <a:effectLst/>
           <a:extLst>
             <a:ext uri="{AF507438-7753-43e0-B8FC-AC1667EBCBE1}">
-              <a14:hiddenEffects xmlns="" xmlns:a14="http://schemas.microsoft.com/office/drawing/2010/main">
+              <a14:hiddenEffects xmlns:a14="http://schemas.microsoft.com/office/drawing/2010/main">
                 <a:effectLst>
                   <a:outerShdw blurRad="63500" dist="38099" dir="2700000" algn="ctr" rotWithShape="0">
                     <a:srgbClr val="000000">
@@ -713,7 +714,7 @@
               </a14:hiddenEffects>
             </a:ext>
             <a:ext uri="{53640926-AAD7-44d8-BBD7-CCE9431645EC}">
-              <a14:shadowObscured xmlns="" xmlns:a14="http://schemas.microsoft.com/office/drawing/2010/main" val="1"/>
+              <a14:shadowObscured xmlns:a14="http://schemas.microsoft.com/office/drawing/2010/main" val="1"/>
             </a:ext>
           </a:extLst>
         </p:spPr>
@@ -743,14 +744,14 @@
           <a:effectLst/>
           <a:extLst>
             <a:ext uri="{909E8E84-426E-40dd-AFC4-6F175D3DCCD1}">
-              <a14:hiddenFill xmlns="" xmlns:a14="http://schemas.microsoft.com/office/drawing/2010/main">
+              <a14:hiddenFill xmlns:a14="http://schemas.microsoft.com/office/drawing/2010/main">
                 <a:solidFill>
                   <a:schemeClr val="accent1"/>
                 </a:solidFill>
               </a14:hiddenFill>
             </a:ext>
             <a:ext uri="{91240B29-F687-4f45-9708-019B960494DF}">
-              <a14:hiddenLine xmlns="" xmlns:a14="http://schemas.microsoft.com/office/drawing/2010/main" w="9525">
+              <a14:hiddenLine xmlns:a14="http://schemas.microsoft.com/office/drawing/2010/main" w="9525">
                 <a:solidFill>
                   <a:schemeClr val="tx1"/>
                 </a:solidFill>
@@ -760,7 +761,7 @@
               </a14:hiddenLine>
             </a:ext>
             <a:ext uri="{AF507438-7753-43e0-B8FC-AC1667EBCBE1}">
-              <a14:hiddenEffects xmlns="" xmlns:a14="http://schemas.microsoft.com/office/drawing/2010/main">
+              <a14:hiddenEffects xmlns:a14="http://schemas.microsoft.com/office/drawing/2010/main">
                 <a:effectLst>
                   <a:outerShdw blurRad="63500" dist="38099" dir="2700000" algn="ctr" rotWithShape="0">
                     <a:schemeClr val="bg2">
@@ -771,7 +772,7 @@
               </a14:hiddenEffects>
             </a:ext>
             <a:ext uri="{FAA26D3D-D897-4be2-8F04-BA451C77F1D7}">
-              <ma14:placeholderFlag xmlns="" xmlns:ma14="http://schemas.microsoft.com/office/mac/drawingml/2011/main" val="1"/>
+              <ma14:placeholderFlag xmlns:ma14="http://schemas.microsoft.com/office/mac/drawingml/2011/main" val="1"/>
             </a:ext>
           </a:extLst>
         </p:spPr>
@@ -844,14 +845,14 @@
           <a:effectLst/>
           <a:extLst>
             <a:ext uri="{909E8E84-426E-40dd-AFC4-6F175D3DCCD1}">
-              <a14:hiddenFill xmlns="" xmlns:a14="http://schemas.microsoft.com/office/drawing/2010/main">
+              <a14:hiddenFill xmlns:a14="http://schemas.microsoft.com/office/drawing/2010/main">
                 <a:solidFill>
                   <a:schemeClr val="accent1"/>
                 </a:solidFill>
               </a14:hiddenFill>
             </a:ext>
             <a:ext uri="{91240B29-F687-4f45-9708-019B960494DF}">
-              <a14:hiddenLine xmlns="" xmlns:a14="http://schemas.microsoft.com/office/drawing/2010/main" w="9525">
+              <a14:hiddenLine xmlns:a14="http://schemas.microsoft.com/office/drawing/2010/main" w="9525">
                 <a:solidFill>
                   <a:schemeClr val="tx1"/>
                 </a:solidFill>
@@ -861,7 +862,7 @@
               </a14:hiddenLine>
             </a:ext>
             <a:ext uri="{AF507438-7753-43e0-B8FC-AC1667EBCBE1}">
-              <a14:hiddenEffects xmlns="" xmlns:a14="http://schemas.microsoft.com/office/drawing/2010/main">
+              <a14:hiddenEffects xmlns:a14="http://schemas.microsoft.com/office/drawing/2010/main">
                 <a:effectLst>
                   <a:outerShdw blurRad="63500" dist="38099" dir="2700000" algn="ctr" rotWithShape="0">
                     <a:schemeClr val="bg2">
@@ -872,7 +873,7 @@
               </a14:hiddenEffects>
             </a:ext>
             <a:ext uri="{FAA26D3D-D897-4be2-8F04-BA451C77F1D7}">
-              <ma14:placeholderFlag xmlns="" xmlns:ma14="http://schemas.microsoft.com/office/mac/drawingml/2011/main" val="1"/>
+              <ma14:placeholderFlag xmlns:ma14="http://schemas.microsoft.com/office/mac/drawingml/2011/main" val="1"/>
             </a:ext>
           </a:extLst>
         </p:spPr>
@@ -919,14 +920,14 @@
           <a:effectLst/>
           <a:extLst>
             <a:ext uri="{909E8E84-426E-40dd-AFC4-6F175D3DCCD1}">
-              <a14:hiddenFill xmlns="" xmlns:a14="http://schemas.microsoft.com/office/drawing/2010/main">
+              <a14:hiddenFill xmlns:a14="http://schemas.microsoft.com/office/drawing/2010/main">
                 <a:solidFill>
                   <a:schemeClr val="accent1"/>
                 </a:solidFill>
               </a14:hiddenFill>
             </a:ext>
             <a:ext uri="{91240B29-F687-4f45-9708-019B960494DF}">
-              <a14:hiddenLine xmlns="" xmlns:a14="http://schemas.microsoft.com/office/drawing/2010/main" w="9525">
+              <a14:hiddenLine xmlns:a14="http://schemas.microsoft.com/office/drawing/2010/main" w="9525">
                 <a:solidFill>
                   <a:schemeClr val="tx1"/>
                 </a:solidFill>
@@ -936,7 +937,7 @@
               </a14:hiddenLine>
             </a:ext>
             <a:ext uri="{AF507438-7753-43e0-B8FC-AC1667EBCBE1}">
-              <a14:hiddenEffects xmlns="" xmlns:a14="http://schemas.microsoft.com/office/drawing/2010/main">
+              <a14:hiddenEffects xmlns:a14="http://schemas.microsoft.com/office/drawing/2010/main">
                 <a:effectLst>
                   <a:outerShdw blurRad="63500" dist="38099" dir="2700000" algn="ctr" rotWithShape="0">
                     <a:schemeClr val="bg2">
@@ -947,7 +948,7 @@
               </a14:hiddenEffects>
             </a:ext>
             <a:ext uri="{FAA26D3D-D897-4be2-8F04-BA451C77F1D7}">
-              <ma14:placeholderFlag xmlns="" xmlns:ma14="http://schemas.microsoft.com/office/mac/drawingml/2011/main" val="1"/>
+              <ma14:placeholderFlag xmlns:ma14="http://schemas.microsoft.com/office/mac/drawingml/2011/main" val="1"/>
             </a:ext>
           </a:extLst>
         </p:spPr>
@@ -977,7 +978,7 @@
     </p:spTree>
     <p:extLst>
       <p:ext uri="{BB962C8B-B14F-4D97-AF65-F5344CB8AC3E}">
-        <p14:creationId xmlns="" xmlns:p14="http://schemas.microsoft.com/office/powerpoint/2010/main" val="2576198581"/>
+        <p14:creationId xmlns:p14="http://schemas.microsoft.com/office/powerpoint/2010/main" val="2576198581"/>
       </p:ext>
     </p:extLst>
   </p:cSld>
@@ -1164,7 +1165,7 @@
           <a:ln/>
           <a:extLst>
             <a:ext uri="{FAA26D3D-D897-4be2-8F04-BA451C77F1D7}">
-              <ma14:placeholderFlag xmlns="" xmlns:ma14="http://schemas.microsoft.com/office/mac/drawingml/2011/main" val="1"/>
+              <ma14:placeholderFlag xmlns:ma14="http://schemas.microsoft.com/office/mac/drawingml/2011/main" val="1"/>
             </a:ext>
           </a:extLst>
         </p:spPr>
@@ -1557,7 +1558,7 @@
     </p:spTree>
     <p:extLst>
       <p:ext uri="{BB962C8B-B14F-4D97-AF65-F5344CB8AC3E}">
-        <p14:creationId xmlns="" xmlns:p14="http://schemas.microsoft.com/office/powerpoint/2010/main" val="3492493666"/>
+        <p14:creationId xmlns:p14="http://schemas.microsoft.com/office/powerpoint/2010/main" val="3492493666"/>
       </p:ext>
     </p:extLst>
   </p:cSld>
@@ -1746,7 +1747,7 @@
     </p:spTree>
     <p:extLst>
       <p:ext uri="{BB962C8B-B14F-4D97-AF65-F5344CB8AC3E}">
-        <p14:creationId xmlns="" xmlns:p14="http://schemas.microsoft.com/office/powerpoint/2010/main" val="2130529173"/>
+        <p14:creationId xmlns:p14="http://schemas.microsoft.com/office/powerpoint/2010/main" val="2130529173"/>
       </p:ext>
     </p:extLst>
   </p:cSld>
@@ -1925,7 +1926,7 @@
     </p:spTree>
     <p:extLst>
       <p:ext uri="{BB962C8B-B14F-4D97-AF65-F5344CB8AC3E}">
-        <p14:creationId xmlns="" xmlns:p14="http://schemas.microsoft.com/office/powerpoint/2010/main" val="2168672554"/>
+        <p14:creationId xmlns:p14="http://schemas.microsoft.com/office/powerpoint/2010/main" val="2168672554"/>
       </p:ext>
     </p:extLst>
   </p:cSld>
@@ -2126,7 +2127,7 @@
     </p:spTree>
     <p:extLst>
       <p:ext uri="{BB962C8B-B14F-4D97-AF65-F5344CB8AC3E}">
-        <p14:creationId xmlns="" xmlns:p14="http://schemas.microsoft.com/office/powerpoint/2010/main" val="2041034048"/>
+        <p14:creationId xmlns:p14="http://schemas.microsoft.com/office/powerpoint/2010/main" val="2041034048"/>
       </p:ext>
     </p:extLst>
   </p:cSld>
@@ -2423,7 +2424,7 @@
     </p:spTree>
     <p:extLst>
       <p:ext uri="{BB962C8B-B14F-4D97-AF65-F5344CB8AC3E}">
-        <p14:creationId xmlns="" xmlns:p14="http://schemas.microsoft.com/office/powerpoint/2010/main" val="1345925294"/>
+        <p14:creationId xmlns:p14="http://schemas.microsoft.com/office/powerpoint/2010/main" val="1345925294"/>
       </p:ext>
     </p:extLst>
   </p:cSld>
@@ -2859,7 +2860,7 @@
     </p:spTree>
     <p:extLst>
       <p:ext uri="{BB962C8B-B14F-4D97-AF65-F5344CB8AC3E}">
-        <p14:creationId xmlns="" xmlns:p14="http://schemas.microsoft.com/office/powerpoint/2010/main" val="1466134007"/>
+        <p14:creationId xmlns:p14="http://schemas.microsoft.com/office/powerpoint/2010/main" val="1466134007"/>
       </p:ext>
     </p:extLst>
   </p:cSld>
@@ -2986,7 +2987,7 @@
     </p:spTree>
     <p:extLst>
       <p:ext uri="{BB962C8B-B14F-4D97-AF65-F5344CB8AC3E}">
-        <p14:creationId xmlns="" xmlns:p14="http://schemas.microsoft.com/office/powerpoint/2010/main" val="1923237074"/>
+        <p14:creationId xmlns:p14="http://schemas.microsoft.com/office/powerpoint/2010/main" val="1923237074"/>
       </p:ext>
     </p:extLst>
   </p:cSld>
@@ -3090,7 +3091,7 @@
     </p:spTree>
     <p:extLst>
       <p:ext uri="{BB962C8B-B14F-4D97-AF65-F5344CB8AC3E}">
-        <p14:creationId xmlns="" xmlns:p14="http://schemas.microsoft.com/office/powerpoint/2010/main" val="854876253"/>
+        <p14:creationId xmlns:p14="http://schemas.microsoft.com/office/powerpoint/2010/main" val="854876253"/>
       </p:ext>
     </p:extLst>
   </p:cSld>
@@ -3376,7 +3377,7 @@
     </p:spTree>
     <p:extLst>
       <p:ext uri="{BB962C8B-B14F-4D97-AF65-F5344CB8AC3E}">
-        <p14:creationId xmlns="" xmlns:p14="http://schemas.microsoft.com/office/powerpoint/2010/main" val="2521535845"/>
+        <p14:creationId xmlns:p14="http://schemas.microsoft.com/office/powerpoint/2010/main" val="2521535845"/>
       </p:ext>
     </p:extLst>
   </p:cSld>
@@ -3642,7 +3643,7 @@
     </p:spTree>
     <p:extLst>
       <p:ext uri="{BB962C8B-B14F-4D97-AF65-F5344CB8AC3E}">
-        <p14:creationId xmlns="" xmlns:p14="http://schemas.microsoft.com/office/powerpoint/2010/main" val="3852825281"/>
+        <p14:creationId xmlns:p14="http://schemas.microsoft.com/office/powerpoint/2010/main" val="3852825281"/>
       </p:ext>
     </p:extLst>
   </p:cSld>
@@ -3706,14 +3707,14 @@
           <a:effectLst/>
           <a:extLst>
             <a:ext uri="{909E8E84-426E-40dd-AFC4-6F175D3DCCD1}">
-              <a14:hiddenFill xmlns="" xmlns:a14="http://schemas.microsoft.com/office/drawing/2010/main">
+              <a14:hiddenFill xmlns:a14="http://schemas.microsoft.com/office/drawing/2010/main">
                 <a:solidFill>
                   <a:schemeClr val="accent1"/>
                 </a:solidFill>
               </a14:hiddenFill>
             </a:ext>
             <a:ext uri="{91240B29-F687-4f45-9708-019B960494DF}">
-              <a14:hiddenLine xmlns="" xmlns:a14="http://schemas.microsoft.com/office/drawing/2010/main" w="9525">
+              <a14:hiddenLine xmlns:a14="http://schemas.microsoft.com/office/drawing/2010/main" w="9525">
                 <a:solidFill>
                   <a:schemeClr val="tx1"/>
                 </a:solidFill>
@@ -3723,7 +3724,7 @@
               </a14:hiddenLine>
             </a:ext>
             <a:ext uri="{AF507438-7753-43e0-B8FC-AC1667EBCBE1}">
-              <a14:hiddenEffects xmlns="" xmlns:a14="http://schemas.microsoft.com/office/drawing/2010/main">
+              <a14:hiddenEffects xmlns:a14="http://schemas.microsoft.com/office/drawing/2010/main">
                 <a:effectLst>
                   <a:outerShdw blurRad="63500" dist="38099" dir="2700000" algn="ctr" rotWithShape="0">
                     <a:schemeClr val="bg2">
@@ -3734,7 +3735,7 @@
               </a14:hiddenEffects>
             </a:ext>
             <a:ext uri="{FAA26D3D-D897-4be2-8F04-BA451C77F1D7}">
-              <ma14:placeholderFlag xmlns="" xmlns:ma14="http://schemas.microsoft.com/office/mac/drawingml/2011/main" val="1"/>
+              <ma14:placeholderFlag xmlns:ma14="http://schemas.microsoft.com/office/mac/drawingml/2011/main" val="1"/>
             </a:ext>
           </a:extLst>
         </p:spPr>
@@ -3779,14 +3780,14 @@
           <a:effectLst/>
           <a:extLst>
             <a:ext uri="{909E8E84-426E-40dd-AFC4-6F175D3DCCD1}">
-              <a14:hiddenFill xmlns="" xmlns:a14="http://schemas.microsoft.com/office/drawing/2010/main">
+              <a14:hiddenFill xmlns:a14="http://schemas.microsoft.com/office/drawing/2010/main">
                 <a:solidFill>
                   <a:schemeClr val="accent1"/>
                 </a:solidFill>
               </a14:hiddenFill>
             </a:ext>
             <a:ext uri="{91240B29-F687-4f45-9708-019B960494DF}">
-              <a14:hiddenLine xmlns="" xmlns:a14="http://schemas.microsoft.com/office/drawing/2010/main" w="9525">
+              <a14:hiddenLine xmlns:a14="http://schemas.microsoft.com/office/drawing/2010/main" w="9525">
                 <a:solidFill>
                   <a:schemeClr val="tx1"/>
                 </a:solidFill>
@@ -3796,7 +3797,7 @@
               </a14:hiddenLine>
             </a:ext>
             <a:ext uri="{AF507438-7753-43e0-B8FC-AC1667EBCBE1}">
-              <a14:hiddenEffects xmlns="" xmlns:a14="http://schemas.microsoft.com/office/drawing/2010/main">
+              <a14:hiddenEffects xmlns:a14="http://schemas.microsoft.com/office/drawing/2010/main">
                 <a:effectLst>
                   <a:outerShdw blurRad="63500" dist="38099" dir="2700000" algn="ctr" rotWithShape="0">
                     <a:schemeClr val="bg2">
@@ -3807,7 +3808,7 @@
               </a14:hiddenEffects>
             </a:ext>
             <a:ext uri="{FAA26D3D-D897-4be2-8F04-BA451C77F1D7}">
-              <ma14:placeholderFlag xmlns="" xmlns:ma14="http://schemas.microsoft.com/office/mac/drawingml/2011/main" val="1"/>
+              <ma14:placeholderFlag xmlns:ma14="http://schemas.microsoft.com/office/mac/drawingml/2011/main" val="1"/>
             </a:ext>
           </a:extLst>
         </p:spPr>
@@ -3880,14 +3881,14 @@
           <a:effectLst/>
           <a:extLst>
             <a:ext uri="{909E8E84-426E-40dd-AFC4-6F175D3DCCD1}">
-              <a14:hiddenFill xmlns="" xmlns:a14="http://schemas.microsoft.com/office/drawing/2010/main">
+              <a14:hiddenFill xmlns:a14="http://schemas.microsoft.com/office/drawing/2010/main">
                 <a:solidFill>
                   <a:schemeClr val="accent1"/>
                 </a:solidFill>
               </a14:hiddenFill>
             </a:ext>
             <a:ext uri="{91240B29-F687-4f45-9708-019B960494DF}">
-              <a14:hiddenLine xmlns="" xmlns:a14="http://schemas.microsoft.com/office/drawing/2010/main" w="9525">
+              <a14:hiddenLine xmlns:a14="http://schemas.microsoft.com/office/drawing/2010/main" w="9525">
                 <a:solidFill>
                   <a:schemeClr val="tx1"/>
                 </a:solidFill>
@@ -3897,7 +3898,7 @@
               </a14:hiddenLine>
             </a:ext>
             <a:ext uri="{AF507438-7753-43e0-B8FC-AC1667EBCBE1}">
-              <a14:hiddenEffects xmlns="" xmlns:a14="http://schemas.microsoft.com/office/drawing/2010/main">
+              <a14:hiddenEffects xmlns:a14="http://schemas.microsoft.com/office/drawing/2010/main">
                 <a:effectLst>
                   <a:outerShdw blurRad="63500" dist="38099" dir="2700000" algn="ctr" rotWithShape="0">
                     <a:schemeClr val="bg2">
@@ -3908,7 +3909,7 @@
               </a14:hiddenEffects>
             </a:ext>
             <a:ext uri="{FAA26D3D-D897-4be2-8F04-BA451C77F1D7}">
-              <ma14:placeholderFlag xmlns="" xmlns:ma14="http://schemas.microsoft.com/office/mac/drawingml/2011/main" val="1"/>
+              <ma14:placeholderFlag xmlns:ma14="http://schemas.microsoft.com/office/mac/drawingml/2011/main" val="1"/>
             </a:ext>
           </a:extLst>
         </p:spPr>
@@ -3958,14 +3959,14 @@
           <a:effectLst/>
           <a:extLst>
             <a:ext uri="{909E8E84-426E-40dd-AFC4-6F175D3DCCD1}">
-              <a14:hiddenFill xmlns="" xmlns:a14="http://schemas.microsoft.com/office/drawing/2010/main">
+              <a14:hiddenFill xmlns:a14="http://schemas.microsoft.com/office/drawing/2010/main">
                 <a:solidFill>
                   <a:schemeClr val="accent1"/>
                 </a:solidFill>
               </a14:hiddenFill>
             </a:ext>
             <a:ext uri="{91240B29-F687-4f45-9708-019B960494DF}">
-              <a14:hiddenLine xmlns="" xmlns:a14="http://schemas.microsoft.com/office/drawing/2010/main" w="9525">
+              <a14:hiddenLine xmlns:a14="http://schemas.microsoft.com/office/drawing/2010/main" w="9525">
                 <a:solidFill>
                   <a:schemeClr val="tx1"/>
                 </a:solidFill>
@@ -3975,7 +3976,7 @@
               </a14:hiddenLine>
             </a:ext>
             <a:ext uri="{AF507438-7753-43e0-B8FC-AC1667EBCBE1}">
-              <a14:hiddenEffects xmlns="" xmlns:a14="http://schemas.microsoft.com/office/drawing/2010/main">
+              <a14:hiddenEffects xmlns:a14="http://schemas.microsoft.com/office/drawing/2010/main">
                 <a:effectLst>
                   <a:outerShdw blurRad="63500" dist="38099" dir="2700000" algn="ctr" rotWithShape="0">
                     <a:schemeClr val="bg2">
@@ -3986,7 +3987,7 @@
               </a14:hiddenEffects>
             </a:ext>
             <a:ext uri="{FAA26D3D-D897-4be2-8F04-BA451C77F1D7}">
-              <ma14:placeholderFlag xmlns="" xmlns:ma14="http://schemas.microsoft.com/office/mac/drawingml/2011/main" val="1"/>
+              <ma14:placeholderFlag xmlns:ma14="http://schemas.microsoft.com/office/mac/drawingml/2011/main" val="1"/>
             </a:ext>
           </a:extLst>
         </p:spPr>
@@ -4036,14 +4037,14 @@
           <a:effectLst/>
           <a:extLst>
             <a:ext uri="{909E8E84-426E-40dd-AFC4-6F175D3DCCD1}">
-              <a14:hiddenFill xmlns="" xmlns:a14="http://schemas.microsoft.com/office/drawing/2010/main">
+              <a14:hiddenFill xmlns:a14="http://schemas.microsoft.com/office/drawing/2010/main">
                 <a:solidFill>
                   <a:schemeClr val="accent1"/>
                 </a:solidFill>
               </a14:hiddenFill>
             </a:ext>
             <a:ext uri="{91240B29-F687-4f45-9708-019B960494DF}">
-              <a14:hiddenLine xmlns="" xmlns:a14="http://schemas.microsoft.com/office/drawing/2010/main" w="9525">
+              <a14:hiddenLine xmlns:a14="http://schemas.microsoft.com/office/drawing/2010/main" w="9525">
                 <a:solidFill>
                   <a:schemeClr val="tx1"/>
                 </a:solidFill>
@@ -4053,7 +4054,7 @@
               </a14:hiddenLine>
             </a:ext>
             <a:ext uri="{AF507438-7753-43e0-B8FC-AC1667EBCBE1}">
-              <a14:hiddenEffects xmlns="" xmlns:a14="http://schemas.microsoft.com/office/drawing/2010/main">
+              <a14:hiddenEffects xmlns:a14="http://schemas.microsoft.com/office/drawing/2010/main">
                 <a:effectLst>
                   <a:outerShdw blurRad="63500" dist="38099" dir="2700000" algn="ctr" rotWithShape="0">
                     <a:schemeClr val="bg2">
@@ -4064,7 +4065,7 @@
               </a14:hiddenEffects>
             </a:ext>
             <a:ext uri="{FAA26D3D-D897-4be2-8F04-BA451C77F1D7}">
-              <ma14:placeholderFlag xmlns="" xmlns:ma14="http://schemas.microsoft.com/office/mac/drawingml/2011/main" val="1"/>
+              <ma14:placeholderFlag xmlns:ma14="http://schemas.microsoft.com/office/mac/drawingml/2011/main" val="1"/>
             </a:ext>
           </a:extLst>
         </p:spPr>
@@ -4676,7 +4677,7 @@
   <p:timing>
     <p:tnLst>
       <p:par>
-        <p:cTn id="1" dur="indefinite" restart="never" nodeType="tmRoot"/>
+        <p:cTn xmlns:p14="http://schemas.microsoft.com/office/powerpoint/2010/main" id="1" dur="indefinite" restart="never" nodeType="tmRoot"/>
       </p:par>
     </p:tnLst>
   </p:timing>
@@ -4763,11 +4764,7 @@
           <a:p>
             <a:r>
               <a:rPr lang="en-US" altLang="zh-CN" dirty="0" err="1" smtClean="0"/>
-              <a:t>R</a:t>
-            </a:r>
-            <a:r>
-              <a:rPr lang="en-US" altLang="zh-CN" dirty="0" err="1" smtClean="0"/>
-              <a:t>edis</a:t>
+              <a:t>Redis</a:t>
             </a:r>
             <a:r>
               <a:rPr lang="en-US" altLang="zh-CN" dirty="0" smtClean="0"/>
@@ -4804,8 +4801,16 @@
               <a:t>redis</a:t>
             </a:r>
             <a:r>
+              <a:rPr lang="en-US" altLang="zh-CN" dirty="0" smtClean="0"/>
+              <a:t> </a:t>
+            </a:r>
+            <a:r>
               <a:rPr lang="zh-CN" altLang="en-US" dirty="0" smtClean="0"/>
-              <a:t>做会话共享很方便；</a:t>
+              <a:t>可</a:t>
+            </a:r>
+            <a:r>
+              <a:rPr lang="zh-CN" altLang="en-US" dirty="0" smtClean="0"/>
+              <a:t>做会话共享；</a:t>
             </a:r>
             <a:endParaRPr lang="zh-CN" altLang="en-US" dirty="0"/>
           </a:p>
@@ -5189,11 +5194,137 @@
           <a:bodyPr/>
           <a:lstStyle/>
           <a:p>
-            <a:endParaRPr lang="zh-CN" altLang="en-US"/>
+            <a:r>
+              <a:rPr lang="zh-CN" altLang="en-US" dirty="0" smtClean="0"/>
+              <a:t>系统参数设置；</a:t>
+            </a:r>
+            <a:endParaRPr lang="en-US" altLang="zh-CN" dirty="0" smtClean="0"/>
+          </a:p>
+          <a:p>
+            <a:r>
+              <a:rPr lang="zh-CN" altLang="en-US" dirty="0" smtClean="0"/>
+              <a:t>基础权限维护；</a:t>
+            </a:r>
+            <a:endParaRPr lang="en-US" altLang="zh-CN" dirty="0" smtClean="0"/>
+          </a:p>
+          <a:p>
+            <a:r>
+              <a:rPr lang="zh-CN" altLang="en-US" dirty="0" smtClean="0"/>
+              <a:t>网站模版管理；</a:t>
+            </a:r>
+            <a:endParaRPr lang="en-US" altLang="zh-CN" dirty="0" smtClean="0"/>
+          </a:p>
+          <a:p>
+            <a:endParaRPr lang="zh-CN" altLang="en-US" dirty="0"/>
           </a:p>
         </p:txBody>
       </p:sp>
     </p:spTree>
+  </p:cSld>
+  <p:clrMapOvr>
+    <a:masterClrMapping/>
+  </p:clrMapOvr>
+</p:sld>
+</file>
+
+<file path=ppt/slides/slide15.xml><?xml version="1.0" encoding="utf-8"?>
+<p:sld xmlns:a="http://schemas.openxmlformats.org/drawingml/2006/main" xmlns:r="http://schemas.openxmlformats.org/officeDocument/2006/relationships" xmlns:p="http://schemas.openxmlformats.org/presentationml/2006/main">
+  <p:cSld>
+    <p:spTree>
+      <p:nvGrpSpPr>
+        <p:cNvPr id="1" name=""/>
+        <p:cNvGrpSpPr/>
+        <p:nvPr/>
+      </p:nvGrpSpPr>
+      <p:grpSpPr>
+        <a:xfrm>
+          <a:off x="0" y="0"/>
+          <a:ext cx="0" cy="0"/>
+          <a:chOff x="0" y="0"/>
+          <a:chExt cx="0" cy="0"/>
+        </a:xfrm>
+      </p:grpSpPr>
+      <p:sp>
+        <p:nvSpPr>
+          <p:cNvPr id="2" name="标题 1"/>
+          <p:cNvSpPr>
+            <a:spLocks noGrp="1"/>
+          </p:cNvSpPr>
+          <p:nvPr>
+            <p:ph type="title"/>
+          </p:nvPr>
+        </p:nvSpPr>
+        <p:spPr/>
+        <p:txBody>
+          <a:bodyPr/>
+          <a:lstStyle/>
+          <a:p>
+            <a:endParaRPr kumimoji="1" lang="zh-CN" altLang="en-US"/>
+          </a:p>
+        </p:txBody>
+      </p:sp>
+      <p:sp>
+        <p:nvSpPr>
+          <p:cNvPr id="3" name="内容占位符 2"/>
+          <p:cNvSpPr>
+            <a:spLocks noGrp="1"/>
+          </p:cNvSpPr>
+          <p:nvPr>
+            <p:ph idx="1"/>
+          </p:nvPr>
+        </p:nvSpPr>
+        <p:spPr/>
+        <p:txBody>
+          <a:bodyPr/>
+          <a:lstStyle/>
+          <a:p>
+            <a:pPr marL="0" indent="0">
+              <a:buNone/>
+            </a:pPr>
+            <a:endParaRPr kumimoji="1" lang="en-US" altLang="zh-CN" dirty="0" smtClean="0"/>
+          </a:p>
+          <a:p>
+            <a:pPr marL="0" indent="0">
+              <a:buNone/>
+            </a:pPr>
+            <a:endParaRPr kumimoji="1" lang="en-US" altLang="zh-CN" dirty="0"/>
+          </a:p>
+          <a:p>
+            <a:pPr marL="0" indent="0">
+              <a:buNone/>
+            </a:pPr>
+            <a:endParaRPr kumimoji="1" lang="en-US" altLang="zh-CN" dirty="0" smtClean="0"/>
+          </a:p>
+          <a:p>
+            <a:pPr marL="0" indent="0">
+              <a:buNone/>
+            </a:pPr>
+            <a:r>
+              <a:rPr kumimoji="1" lang="en-US" altLang="zh-CN" dirty="0"/>
+              <a:t>	</a:t>
+            </a:r>
+            <a:r>
+              <a:rPr kumimoji="1" lang="en-US" altLang="zh-CN" dirty="0" smtClean="0"/>
+              <a:t>		</a:t>
+            </a:r>
+            <a:r>
+              <a:rPr kumimoji="1" lang="en-US" altLang="zh-CN" dirty="0"/>
+              <a:t>	</a:t>
+            </a:r>
+            <a:r>
+              <a:rPr kumimoji="1" lang="en-US" altLang="zh-CN" dirty="0" smtClean="0"/>
+              <a:t>END</a:t>
+            </a:r>
+            <a:endParaRPr kumimoji="1" lang="zh-CN" altLang="en-US" dirty="0"/>
+          </a:p>
+        </p:txBody>
+      </p:sp>
+    </p:spTree>
+    <p:extLst>
+      <p:ext uri="{BB962C8B-B14F-4D97-AF65-F5344CB8AC3E}">
+        <p14:creationId xmlns:p14="http://schemas.microsoft.com/office/powerpoint/2010/main" val="3605542658"/>
+      </p:ext>
+    </p:extLst>
   </p:cSld>
   <p:clrMapOvr>
     <a:masterClrMapping/>
@@ -5255,7 +5386,7 @@
           <a:blip r:embed="rId2">
             <a:extLst>
               <a:ext uri="{28A0092B-C50C-407E-A947-70E740481C1C}">
-                <a14:useLocalDpi xmlns="" xmlns:a14="http://schemas.microsoft.com/office/drawing/2010/main" val="0"/>
+                <a14:useLocalDpi xmlns:a14="http://schemas.microsoft.com/office/drawing/2010/main" val="0"/>
               </a:ext>
             </a:extLst>
           </a:blip>
@@ -5269,7 +5400,7 @@
     </p:spTree>
     <p:extLst>
       <p:ext uri="{BB962C8B-B14F-4D97-AF65-F5344CB8AC3E}">
-        <p14:creationId xmlns="" xmlns:p14="http://schemas.microsoft.com/office/powerpoint/2010/main" val="331713512"/>
+        <p14:creationId xmlns:p14="http://schemas.microsoft.com/office/powerpoint/2010/main" val="331713512"/>
       </p:ext>
     </p:extLst>
   </p:cSld>
@@ -5279,7 +5410,7 @@
   <p:timing>
     <p:tnLst>
       <p:par>
-        <p:cTn id="1" dur="indefinite" restart="never" nodeType="tmRoot"/>
+        <p:cTn xmlns:p14="http://schemas.microsoft.com/office/powerpoint/2010/main" id="1" dur="indefinite" restart="never" nodeType="tmRoot"/>
       </p:par>
     </p:tnLst>
   </p:timing>
@@ -5376,7 +5507,7 @@
     </p:spTree>
     <p:extLst>
       <p:ext uri="{BB962C8B-B14F-4D97-AF65-F5344CB8AC3E}">
-        <p14:creationId xmlns="" xmlns:p14="http://schemas.microsoft.com/office/powerpoint/2010/main" val="637127457"/>
+        <p14:creationId xmlns:p14="http://schemas.microsoft.com/office/powerpoint/2010/main" val="637127457"/>
       </p:ext>
     </p:extLst>
   </p:cSld>
@@ -5386,7 +5517,7 @@
   <p:timing>
     <p:tnLst>
       <p:par>
-        <p:cTn id="1" dur="indefinite" restart="never" nodeType="tmRoot"/>
+        <p:cTn xmlns:p14="http://schemas.microsoft.com/office/powerpoint/2010/main" id="1" dur="indefinite" restart="never" nodeType="tmRoot"/>
       </p:par>
     </p:tnLst>
   </p:timing>
@@ -5447,7 +5578,7 @@
           <a:blip r:embed="rId2">
             <a:extLst>
               <a:ext uri="{28A0092B-C50C-407E-A947-70E740481C1C}">
-                <a14:useLocalDpi xmlns="" xmlns:a14="http://schemas.microsoft.com/office/drawing/2010/main" val="0"/>
+                <a14:useLocalDpi xmlns:a14="http://schemas.microsoft.com/office/drawing/2010/main" val="0"/>
               </a:ext>
             </a:extLst>
           </a:blip>
@@ -5461,7 +5592,7 @@
     </p:spTree>
     <p:extLst>
       <p:ext uri="{BB962C8B-B14F-4D97-AF65-F5344CB8AC3E}">
-        <p14:creationId xmlns="" xmlns:p14="http://schemas.microsoft.com/office/powerpoint/2010/main" val="1318804756"/>
+        <p14:creationId xmlns:p14="http://schemas.microsoft.com/office/powerpoint/2010/main" val="1318804756"/>
       </p:ext>
     </p:extLst>
   </p:cSld>
@@ -5471,7 +5602,7 @@
   <p:timing>
     <p:tnLst>
       <p:par>
-        <p:cTn id="1" dur="indefinite" restart="never" nodeType="tmRoot"/>
+        <p:cTn xmlns:p14="http://schemas.microsoft.com/office/powerpoint/2010/main" id="1" dur="indefinite" restart="never" nodeType="tmRoot"/>
       </p:par>
     </p:tnLst>
   </p:timing>
@@ -5568,7 +5699,7 @@
     </p:spTree>
     <p:extLst>
       <p:ext uri="{BB962C8B-B14F-4D97-AF65-F5344CB8AC3E}">
-        <p14:creationId xmlns="" xmlns:p14="http://schemas.microsoft.com/office/powerpoint/2010/main" val="3822040949"/>
+        <p14:creationId xmlns:p14="http://schemas.microsoft.com/office/powerpoint/2010/main" val="3822040949"/>
       </p:ext>
     </p:extLst>
   </p:cSld>
@@ -5578,7 +5709,7 @@
   <p:timing>
     <p:tnLst>
       <p:par>
-        <p:cTn id="1" dur="indefinite" restart="never" nodeType="tmRoot"/>
+        <p:cTn xmlns:p14="http://schemas.microsoft.com/office/powerpoint/2010/main" id="1" dur="indefinite" restart="never" nodeType="tmRoot"/>
       </p:par>
     </p:tnLst>
   </p:timing>
@@ -5711,7 +5842,7 @@
     </p:spTree>
     <p:extLst>
       <p:ext uri="{BB962C8B-B14F-4D97-AF65-F5344CB8AC3E}">
-        <p14:creationId xmlns="" xmlns:p14="http://schemas.microsoft.com/office/powerpoint/2010/main" val="3874406449"/>
+        <p14:creationId xmlns:p14="http://schemas.microsoft.com/office/powerpoint/2010/main" val="3874406449"/>
       </p:ext>
     </p:extLst>
   </p:cSld>
@@ -5721,7 +5852,7 @@
   <p:timing>
     <p:tnLst>
       <p:par>
-        <p:cTn id="1" dur="indefinite" restart="never" nodeType="tmRoot"/>
+        <p:cTn xmlns:p14="http://schemas.microsoft.com/office/powerpoint/2010/main" id="1" dur="indefinite" restart="never" nodeType="tmRoot"/>
       </p:par>
     </p:tnLst>
   </p:timing>
@@ -5842,7 +5973,7 @@
     </p:spTree>
     <p:extLst>
       <p:ext uri="{BB962C8B-B14F-4D97-AF65-F5344CB8AC3E}">
-        <p14:creationId xmlns="" xmlns:p14="http://schemas.microsoft.com/office/powerpoint/2010/main" val="1727775272"/>
+        <p14:creationId xmlns:p14="http://schemas.microsoft.com/office/powerpoint/2010/main" val="1727775272"/>
       </p:ext>
     </p:extLst>
   </p:cSld>
@@ -5852,7 +5983,7 @@
   <p:timing>
     <p:tnLst>
       <p:par>
-        <p:cTn id="1" dur="indefinite" restart="never" nodeType="tmRoot"/>
+        <p:cTn xmlns:p14="http://schemas.microsoft.com/office/powerpoint/2010/main" id="1" dur="indefinite" restart="never" nodeType="tmRoot"/>
       </p:par>
     </p:tnLst>
   </p:timing>
@@ -5909,14 +6040,14 @@
             <p:ph idx="1"/>
             <p:extLst>
               <p:ext uri="{D42A27DB-BD31-4B8C-83A1-F6EECF244321}">
-                <p14:modId xmlns="" xmlns:p14="http://schemas.microsoft.com/office/powerpoint/2010/main" val="2180013484"/>
+                <p14:modId xmlns:p14="http://schemas.microsoft.com/office/powerpoint/2010/main" val="2180013484"/>
               </p:ext>
             </p:extLst>
           </p:nvPr>
         </p:nvGraphicFramePr>
         <p:xfrm>
           <a:off x="825500" y="1524000"/>
-          <a:ext cx="8420100" cy="2936240"/>
+          <a:ext cx="8420100" cy="2936239"/>
         </p:xfrm>
         <a:graphic>
           <a:graphicData uri="http://schemas.openxmlformats.org/drawingml/2006/table">
@@ -6333,7 +6464,7 @@
     </p:spTree>
     <p:extLst>
       <p:ext uri="{BB962C8B-B14F-4D97-AF65-F5344CB8AC3E}">
-        <p14:creationId xmlns="" xmlns:p14="http://schemas.microsoft.com/office/powerpoint/2010/main" val="2009634093"/>
+        <p14:creationId xmlns:p14="http://schemas.microsoft.com/office/powerpoint/2010/main" val="2009634093"/>
       </p:ext>
     </p:extLst>
   </p:cSld>
@@ -6343,7 +6474,7 @@
   <p:timing>
     <p:tnLst>
       <p:par>
-        <p:cTn id="1" dur="indefinite" restart="never" nodeType="tmRoot"/>
+        <p:cTn xmlns:p14="http://schemas.microsoft.com/office/powerpoint/2010/main" id="1" dur="indefinite" restart="never" nodeType="tmRoot"/>
       </p:par>
     </p:tnLst>
   </p:timing>
@@ -6421,7 +6552,7 @@
           <p:nvPr>
             <p:extLst>
               <p:ext uri="{D42A27DB-BD31-4B8C-83A1-F6EECF244321}">
-                <p14:modId xmlns="" xmlns:p14="http://schemas.microsoft.com/office/powerpoint/2010/main" val="1835322012"/>
+                <p14:modId xmlns:p14="http://schemas.microsoft.com/office/powerpoint/2010/main" val="1835322012"/>
               </p:ext>
             </p:extLst>
           </p:nvPr>
@@ -6906,7 +7037,7 @@
     </p:spTree>
     <p:extLst>
       <p:ext uri="{BB962C8B-B14F-4D97-AF65-F5344CB8AC3E}">
-        <p14:creationId xmlns="" xmlns:p14="http://schemas.microsoft.com/office/powerpoint/2010/main" val="1397413194"/>
+        <p14:creationId xmlns:p14="http://schemas.microsoft.com/office/powerpoint/2010/main" val="1397413194"/>
       </p:ext>
     </p:extLst>
   </p:cSld>
@@ -6916,7 +7047,7 @@
   <p:timing>
     <p:tnLst>
       <p:par>
-        <p:cTn id="1" dur="indefinite" restart="never" nodeType="tmRoot"/>
+        <p:cTn xmlns:p14="http://schemas.microsoft.com/office/powerpoint/2010/main" id="1" dur="indefinite" restart="never" nodeType="tmRoot"/>
       </p:par>
     </p:tnLst>
   </p:timing>
@@ -7169,7 +7300,7 @@
         <a:effectLst/>
         <a:extLst>
           <a:ext uri="{AF507438-7753-43e0-B8FC-AC1667EBCBE1}">
-            <a14:hiddenEffects xmlns="" xmlns:a14="http://schemas.microsoft.com/office/drawing/2010/main">
+            <a14:hiddenEffects xmlns:a14="http://schemas.microsoft.com/office/drawing/2010/main">
               <a:effectLst>
                 <a:outerShdw blurRad="63500" dist="38099" dir="2700000" algn="ctr" rotWithShape="0">
                   <a:schemeClr val="bg2">
@@ -7245,7 +7376,7 @@
         <a:effectLst/>
         <a:extLst>
           <a:ext uri="{AF507438-7753-43e0-B8FC-AC1667EBCBE1}">
-            <a14:hiddenEffects xmlns="" xmlns:a14="http://schemas.microsoft.com/office/drawing/2010/main">
+            <a14:hiddenEffects xmlns:a14="http://schemas.microsoft.com/office/drawing/2010/main">
               <a:effectLst>
                 <a:outerShdw blurRad="63500" dist="38099" dir="2700000" algn="ctr" rotWithShape="0">
                   <a:schemeClr val="bg2">
